--- a/Presentation.pptx
+++ b/Presentation.pptx
@@ -11,13 +11,16 @@
     <p:sldId id="259" r:id="rId5"/>
     <p:sldId id="260" r:id="rId6"/>
     <p:sldId id="261" r:id="rId7"/>
-    <p:sldId id="262" r:id="rId8"/>
-    <p:sldId id="263" r:id="rId9"/>
-    <p:sldId id="264" r:id="rId10"/>
-    <p:sldId id="265" r:id="rId11"/>
-    <p:sldId id="266" r:id="rId12"/>
-    <p:sldId id="267" r:id="rId13"/>
-    <p:sldId id="268" r:id="rId14"/>
+    <p:sldId id="272" r:id="rId8"/>
+    <p:sldId id="271" r:id="rId9"/>
+    <p:sldId id="269" r:id="rId10"/>
+    <p:sldId id="262" r:id="rId11"/>
+    <p:sldId id="263" r:id="rId12"/>
+    <p:sldId id="264" r:id="rId13"/>
+    <p:sldId id="270" r:id="rId14"/>
+    <p:sldId id="265" r:id="rId15"/>
+    <p:sldId id="267" r:id="rId16"/>
+    <p:sldId id="268" r:id="rId17"/>
   </p:sldIdLst>
   <p:sldSz cx="12192000" cy="6858000"/>
   <p:notesSz cx="6858000" cy="9144000"/>
@@ -116,6 +119,11 @@
       </a:defRPr>
     </a:lvl9pPr>
   </p:defaultTextStyle>
+  <p:extLst>
+    <p:ext uri="{EFAFB233-063F-42B5-8137-9DF3F51BA10A}">
+      <p15:sldGuideLst xmlns:p15="http://schemas.microsoft.com/office/powerpoint/2012/main"/>
+    </p:ext>
+  </p:extLst>
 </p:presentation>
 </file>
 
@@ -3437,7 +3445,7 @@
           <p:cNvPr id="2" name="Title 1">
             <a:extLst>
               <a:ext uri="{FF2B5EF4-FFF2-40B4-BE49-F238E27FC236}">
-                <a16:creationId xmlns:a16="http://schemas.microsoft.com/office/drawing/2014/main" id="{D4FFFEB4-024D-43E1-12A3-C2B32F8F8B56}"/>
+                <a16:creationId xmlns:a16="http://schemas.microsoft.com/office/drawing/2014/main" id="{9D6750B5-5788-4304-18B0-F49E1ADA00EB}"/>
               </a:ext>
             </a:extLst>
           </p:cNvPr>
@@ -3455,7 +3463,7 @@
           <a:p>
             <a:r>
               <a:rPr lang="en-US" dirty="0"/>
-              <a:t>Results explain</a:t>
+              <a:t>Approach I</a:t>
             </a:r>
           </a:p>
         </p:txBody>
@@ -3465,7 +3473,7 @@
           <p:cNvPr id="3" name="Content Placeholder 2">
             <a:extLst>
               <a:ext uri="{FF2B5EF4-FFF2-40B4-BE49-F238E27FC236}">
-                <a16:creationId xmlns:a16="http://schemas.microsoft.com/office/drawing/2014/main" id="{E138671D-A17C-50BC-38CF-5D65723BE09E}"/>
+                <a16:creationId xmlns:a16="http://schemas.microsoft.com/office/drawing/2014/main" id="{521B01EE-3A27-7E0E-3ED6-FA2C53C209B8}"/>
               </a:ext>
             </a:extLst>
           </p:cNvPr>
@@ -3488,7 +3496,7 @@
     </p:spTree>
     <p:extLst>
       <p:ext uri="{BB962C8B-B14F-4D97-AF65-F5344CB8AC3E}">
-        <p14:creationId xmlns:p14="http://schemas.microsoft.com/office/powerpoint/2010/main" val="1230693725"/>
+        <p14:creationId xmlns:p14="http://schemas.microsoft.com/office/powerpoint/2010/main" val="478147198"/>
       </p:ext>
     </p:extLst>
   </p:cSld>
@@ -3520,7 +3528,7 @@
           <p:cNvPr id="2" name="Title 1">
             <a:extLst>
               <a:ext uri="{FF2B5EF4-FFF2-40B4-BE49-F238E27FC236}">
-                <a16:creationId xmlns:a16="http://schemas.microsoft.com/office/drawing/2014/main" id="{8677E0D6-9F2C-498A-5667-1C94B0667B50}"/>
+                <a16:creationId xmlns:a16="http://schemas.microsoft.com/office/drawing/2014/main" id="{8A715065-159D-CF14-4FE2-0B9AEC91BE96}"/>
               </a:ext>
             </a:extLst>
           </p:cNvPr>
@@ -3538,13 +3546,8 @@
           <a:p>
             <a:r>
               <a:rPr lang="en-US" dirty="0"/>
-              <a:t>Result </a:t>
-            </a:r>
-            <a:r>
-              <a:rPr lang="en-US" dirty="0" err="1"/>
-              <a:t>Visualisation</a:t>
-            </a:r>
-            <a:endParaRPr lang="en-US" dirty="0"/>
+              <a:t>Approach II</a:t>
+            </a:r>
           </a:p>
         </p:txBody>
       </p:sp>
@@ -3553,7 +3556,7 @@
           <p:cNvPr id="3" name="Content Placeholder 2">
             <a:extLst>
               <a:ext uri="{FF2B5EF4-FFF2-40B4-BE49-F238E27FC236}">
-                <a16:creationId xmlns:a16="http://schemas.microsoft.com/office/drawing/2014/main" id="{848C0BE3-1878-18E9-AB40-4041FBC0837B}"/>
+                <a16:creationId xmlns:a16="http://schemas.microsoft.com/office/drawing/2014/main" id="{E5EEDAED-9EAB-AD47-471B-1EE63127A8E6}"/>
               </a:ext>
             </a:extLst>
           </p:cNvPr>
@@ -3573,10 +3576,70 @@
           </a:p>
         </p:txBody>
       </p:sp>
+      <p:pic>
+        <p:nvPicPr>
+          <p:cNvPr id="4" name="Picture 3">
+            <a:extLst>
+              <a:ext uri="{FF2B5EF4-FFF2-40B4-BE49-F238E27FC236}">
+                <a16:creationId xmlns:a16="http://schemas.microsoft.com/office/drawing/2014/main" id="{38F62446-74A4-543A-4959-621F3CCC7FC2}"/>
+              </a:ext>
+            </a:extLst>
+          </p:cNvPr>
+          <p:cNvPicPr>
+            <a:picLocks noChangeAspect="1"/>
+          </p:cNvPicPr>
+          <p:nvPr/>
+        </p:nvPicPr>
+        <p:blipFill>
+          <a:blip r:embed="rId2"/>
+          <a:stretch>
+            <a:fillRect/>
+          </a:stretch>
+        </p:blipFill>
+        <p:spPr>
+          <a:xfrm>
+            <a:off x="9553324" y="1825625"/>
+            <a:ext cx="1800476" cy="3296110"/>
+          </a:xfrm>
+          <a:prstGeom prst="rect">
+            <a:avLst/>
+          </a:prstGeom>
+        </p:spPr>
+      </p:pic>
+      <p:pic>
+        <p:nvPicPr>
+          <p:cNvPr id="5" name="Picture 4">
+            <a:extLst>
+              <a:ext uri="{FF2B5EF4-FFF2-40B4-BE49-F238E27FC236}">
+                <a16:creationId xmlns:a16="http://schemas.microsoft.com/office/drawing/2014/main" id="{13A76E44-2DB1-2148-D25C-A2812B19E666}"/>
+              </a:ext>
+            </a:extLst>
+          </p:cNvPr>
+          <p:cNvPicPr>
+            <a:picLocks noChangeAspect="1"/>
+          </p:cNvPicPr>
+          <p:nvPr/>
+        </p:nvPicPr>
+        <p:blipFill>
+          <a:blip r:embed="rId3"/>
+          <a:stretch>
+            <a:fillRect/>
+          </a:stretch>
+        </p:blipFill>
+        <p:spPr>
+          <a:xfrm>
+            <a:off x="6243157" y="1825625"/>
+            <a:ext cx="3172268" cy="2495898"/>
+          </a:xfrm>
+          <a:prstGeom prst="rect">
+            <a:avLst/>
+          </a:prstGeom>
+        </p:spPr>
+      </p:pic>
     </p:spTree>
     <p:extLst>
       <p:ext uri="{BB962C8B-B14F-4D97-AF65-F5344CB8AC3E}">
-        <p14:creationId xmlns:p14="http://schemas.microsoft.com/office/powerpoint/2010/main" val="4141012008"/>
+        <p14:creationId xmlns:p14="http://schemas.microsoft.com/office/powerpoint/2010/main" val="3928132161"/>
       </p:ext>
     </p:extLst>
   </p:cSld>
@@ -3608,6 +3671,1321 @@
           <p:cNvPr id="2" name="Title 1">
             <a:extLst>
               <a:ext uri="{FF2B5EF4-FFF2-40B4-BE49-F238E27FC236}">
+                <a16:creationId xmlns:a16="http://schemas.microsoft.com/office/drawing/2014/main" id="{3E26CEF4-2ECA-10ED-E75C-BB14FF72DA00}"/>
+              </a:ext>
+            </a:extLst>
+          </p:cNvPr>
+          <p:cNvSpPr>
+            <a:spLocks noGrp="1"/>
+          </p:cNvSpPr>
+          <p:nvPr>
+            <p:ph type="title"/>
+          </p:nvPr>
+        </p:nvSpPr>
+        <p:spPr/>
+        <p:txBody>
+          <a:bodyPr/>
+          <a:lstStyle/>
+          <a:p>
+            <a:r>
+              <a:rPr lang="en-US" dirty="0"/>
+              <a:t>Results</a:t>
+            </a:r>
+          </a:p>
+        </p:txBody>
+      </p:sp>
+      <p:pic>
+        <p:nvPicPr>
+          <p:cNvPr id="4" name="Picture 3">
+            <a:extLst>
+              <a:ext uri="{FF2B5EF4-FFF2-40B4-BE49-F238E27FC236}">
+                <a16:creationId xmlns:a16="http://schemas.microsoft.com/office/drawing/2014/main" id="{F9C1C9ED-AE5D-C72A-7E6F-398D6BB4DCFC}"/>
+              </a:ext>
+            </a:extLst>
+          </p:cNvPr>
+          <p:cNvPicPr>
+            <a:picLocks noChangeAspect="1"/>
+          </p:cNvPicPr>
+          <p:nvPr/>
+        </p:nvPicPr>
+        <p:blipFill>
+          <a:blip r:embed="rId2"/>
+          <a:stretch>
+            <a:fillRect/>
+          </a:stretch>
+        </p:blipFill>
+        <p:spPr>
+          <a:xfrm>
+            <a:off x="838200" y="4071644"/>
+            <a:ext cx="8992855" cy="2105319"/>
+          </a:xfrm>
+          <a:prstGeom prst="rect">
+            <a:avLst/>
+          </a:prstGeom>
+        </p:spPr>
+      </p:pic>
+      <p:pic>
+        <p:nvPicPr>
+          <p:cNvPr id="6" name="Picture 5">
+            <a:extLst>
+              <a:ext uri="{FF2B5EF4-FFF2-40B4-BE49-F238E27FC236}">
+                <a16:creationId xmlns:a16="http://schemas.microsoft.com/office/drawing/2014/main" id="{F92BD8C4-3926-5E04-519E-46321FCED0FA}"/>
+              </a:ext>
+            </a:extLst>
+          </p:cNvPr>
+          <p:cNvPicPr>
+            <a:picLocks noChangeAspect="1"/>
+          </p:cNvPicPr>
+          <p:nvPr/>
+        </p:nvPicPr>
+        <p:blipFill>
+          <a:blip r:embed="rId3"/>
+          <a:stretch>
+            <a:fillRect/>
+          </a:stretch>
+        </p:blipFill>
+        <p:spPr>
+          <a:xfrm>
+            <a:off x="838200" y="1683857"/>
+            <a:ext cx="9240540" cy="2095792"/>
+          </a:xfrm>
+          <a:prstGeom prst="rect">
+            <a:avLst/>
+          </a:prstGeom>
+        </p:spPr>
+      </p:pic>
+    </p:spTree>
+    <p:extLst>
+      <p:ext uri="{BB962C8B-B14F-4D97-AF65-F5344CB8AC3E}">
+        <p14:creationId xmlns:p14="http://schemas.microsoft.com/office/powerpoint/2010/main" val="2196441568"/>
+      </p:ext>
+    </p:extLst>
+  </p:cSld>
+  <p:clrMapOvr>
+    <a:masterClrMapping/>
+  </p:clrMapOvr>
+</p:sld>
+</file>
+
+<file path=ppt/slides/slide13.xml><?xml version="1.0" encoding="utf-8"?>
+<p:sld xmlns:a="http://schemas.openxmlformats.org/drawingml/2006/main" xmlns:r="http://schemas.openxmlformats.org/officeDocument/2006/relationships" xmlns:p="http://schemas.openxmlformats.org/presentationml/2006/main">
+  <p:cSld>
+    <p:spTree>
+      <p:nvGrpSpPr>
+        <p:cNvPr id="1" name=""/>
+        <p:cNvGrpSpPr/>
+        <p:nvPr/>
+      </p:nvGrpSpPr>
+      <p:grpSpPr>
+        <a:xfrm>
+          <a:off x="0" y="0"/>
+          <a:ext cx="0" cy="0"/>
+          <a:chOff x="0" y="0"/>
+          <a:chExt cx="0" cy="0"/>
+        </a:xfrm>
+      </p:grpSpPr>
+      <p:sp>
+        <p:nvSpPr>
+          <p:cNvPr id="2" name="Title 1">
+            <a:extLst>
+              <a:ext uri="{FF2B5EF4-FFF2-40B4-BE49-F238E27FC236}">
+                <a16:creationId xmlns:a16="http://schemas.microsoft.com/office/drawing/2014/main" id="{96592F4C-16B9-01F2-0C45-0B8400990522}"/>
+              </a:ext>
+            </a:extLst>
+          </p:cNvPr>
+          <p:cNvSpPr>
+            <a:spLocks noGrp="1"/>
+          </p:cNvSpPr>
+          <p:nvPr>
+            <p:ph type="title"/>
+          </p:nvPr>
+        </p:nvSpPr>
+        <p:spPr/>
+        <p:txBody>
+          <a:bodyPr/>
+          <a:lstStyle/>
+          <a:p>
+            <a:r>
+              <a:rPr lang="en-US" dirty="0" err="1"/>
+              <a:t>Comparision</a:t>
+            </a:r>
+            <a:r>
+              <a:rPr lang="en-US" dirty="0"/>
+              <a:t> with the Approaches</a:t>
+            </a:r>
+          </a:p>
+        </p:txBody>
+      </p:sp>
+      <p:graphicFrame>
+        <p:nvGraphicFramePr>
+          <p:cNvPr id="10" name="Content Placeholder 9">
+            <a:extLst>
+              <a:ext uri="{FF2B5EF4-FFF2-40B4-BE49-F238E27FC236}">
+                <a16:creationId xmlns:a16="http://schemas.microsoft.com/office/drawing/2014/main" id="{5CF74A12-6E6A-A2BA-D510-620C4D1B63FC}"/>
+              </a:ext>
+            </a:extLst>
+          </p:cNvPr>
+          <p:cNvGraphicFramePr>
+            <a:graphicFrameLocks noGrp="1"/>
+          </p:cNvGraphicFramePr>
+          <p:nvPr>
+            <p:ph idx="1"/>
+            <p:extLst>
+              <p:ext uri="{D42A27DB-BD31-4B8C-83A1-F6EECF244321}">
+                <p14:modId xmlns:p14="http://schemas.microsoft.com/office/powerpoint/2010/main" val="3909703931"/>
+              </p:ext>
+            </p:extLst>
+          </p:nvPr>
+        </p:nvGraphicFramePr>
+        <p:xfrm>
+          <a:off x="679509" y="2206304"/>
+          <a:ext cx="5416492" cy="3045203"/>
+        </p:xfrm>
+        <a:graphic>
+          <a:graphicData uri="http://schemas.openxmlformats.org/drawingml/2006/table">
+            <a:tbl>
+              <a:tblPr>
+                <a:tableStyleId>{5C22544A-7EE6-4342-B048-85BDC9FD1C3A}</a:tableStyleId>
+              </a:tblPr>
+              <a:tblGrid>
+                <a:gridCol w="527029">
+                  <a:extLst>
+                    <a:ext uri="{9D8B030D-6E8A-4147-A177-3AD203B41FA5}">
+                      <a16:colId xmlns:a16="http://schemas.microsoft.com/office/drawing/2014/main" val="1243944643"/>
+                    </a:ext>
+                  </a:extLst>
+                </a:gridCol>
+                <a:gridCol w="660453">
+                  <a:extLst>
+                    <a:ext uri="{9D8B030D-6E8A-4147-A177-3AD203B41FA5}">
+                      <a16:colId xmlns:a16="http://schemas.microsoft.com/office/drawing/2014/main" val="3134545199"/>
+                    </a:ext>
+                  </a:extLst>
+                </a:gridCol>
+                <a:gridCol w="985266">
+                  <a:extLst>
+                    <a:ext uri="{9D8B030D-6E8A-4147-A177-3AD203B41FA5}">
+                      <a16:colId xmlns:a16="http://schemas.microsoft.com/office/drawing/2014/main" val="2540321111"/>
+                    </a:ext>
+                  </a:extLst>
+                </a:gridCol>
+                <a:gridCol w="1048624">
+                  <a:extLst>
+                    <a:ext uri="{9D8B030D-6E8A-4147-A177-3AD203B41FA5}">
+                      <a16:colId xmlns:a16="http://schemas.microsoft.com/office/drawing/2014/main" val="4041081249"/>
+                    </a:ext>
+                  </a:extLst>
+                </a:gridCol>
+                <a:gridCol w="1057013">
+                  <a:extLst>
+                    <a:ext uri="{9D8B030D-6E8A-4147-A177-3AD203B41FA5}">
+                      <a16:colId xmlns:a16="http://schemas.microsoft.com/office/drawing/2014/main" val="2428249628"/>
+                    </a:ext>
+                  </a:extLst>
+                </a:gridCol>
+                <a:gridCol w="1138107">
+                  <a:extLst>
+                    <a:ext uri="{9D8B030D-6E8A-4147-A177-3AD203B41FA5}">
+                      <a16:colId xmlns:a16="http://schemas.microsoft.com/office/drawing/2014/main" val="1370820428"/>
+                    </a:ext>
+                  </a:extLst>
+                </a:gridCol>
+              </a:tblGrid>
+              <a:tr h="861251">
+                <a:tc>
+                  <a:txBody>
+                    <a:bodyPr/>
+                    <a:lstStyle/>
+                    <a:p>
+                      <a:pPr algn="l" fontAlgn="b"/>
+                      <a:endParaRPr lang="en-US" sz="2400" b="0" i="0" u="none" strike="noStrike">
+                        <a:solidFill>
+                          <a:srgbClr val="000000"/>
+                        </a:solidFill>
+                        <a:effectLst/>
+                        <a:latin typeface="Calibri" panose="020F0502020204030204" pitchFamily="34" charset="0"/>
+                      </a:endParaRPr>
+                    </a:p>
+                  </a:txBody>
+                  <a:tcPr marL="9525" marR="9525" marT="9525" marB="0" anchor="b"/>
+                </a:tc>
+                <a:tc>
+                  <a:txBody>
+                    <a:bodyPr/>
+                    <a:lstStyle/>
+                    <a:p>
+                      <a:pPr algn="l" fontAlgn="b"/>
+                      <a:endParaRPr lang="en-US" sz="2400" b="1" i="0" u="none" strike="noStrike" dirty="0">
+                        <a:solidFill>
+                          <a:srgbClr val="000000"/>
+                        </a:solidFill>
+                        <a:effectLst/>
+                        <a:latin typeface="Calibri" panose="020F0502020204030204" pitchFamily="34" charset="0"/>
+                      </a:endParaRPr>
+                    </a:p>
+                  </a:txBody>
+                  <a:tcPr marL="9525" marR="9525" marT="9525" marB="0" anchor="b"/>
+                </a:tc>
+                <a:tc>
+                  <a:txBody>
+                    <a:bodyPr/>
+                    <a:lstStyle/>
+                    <a:p>
+                      <a:pPr algn="l" fontAlgn="b"/>
+                      <a:r>
+                        <a:rPr lang="en-US" sz="2400" b="1" u="none" strike="noStrike" dirty="0">
+                          <a:effectLst/>
+                        </a:rPr>
+                        <a:t>Jami</a:t>
+                      </a:r>
+                      <a:endParaRPr lang="en-US" sz="2400" b="1" i="0" u="none" strike="noStrike" dirty="0">
+                        <a:solidFill>
+                          <a:srgbClr val="000000"/>
+                        </a:solidFill>
+                        <a:effectLst/>
+                        <a:latin typeface="Calibri" panose="020F0502020204030204" pitchFamily="34" charset="0"/>
+                      </a:endParaRPr>
+                    </a:p>
+                  </a:txBody>
+                  <a:tcPr marL="9525" marR="9525" marT="9525" marB="0" anchor="b"/>
+                </a:tc>
+                <a:tc>
+                  <a:txBody>
+                    <a:bodyPr/>
+                    <a:lstStyle/>
+                    <a:p>
+                      <a:pPr algn="l" fontAlgn="b"/>
+                      <a:r>
+                        <a:rPr lang="en-US" sz="2400" b="1" u="none" strike="noStrike" dirty="0">
+                          <a:effectLst/>
+                        </a:rPr>
+                        <a:t>3 ta </a:t>
+                      </a:r>
+                      <a:r>
+                        <a:rPr lang="en-US" sz="2400" b="1" u="none" strike="noStrike" dirty="0" err="1">
+                          <a:effectLst/>
+                        </a:rPr>
+                        <a:t>harfli</a:t>
+                      </a:r>
+                      <a:endParaRPr lang="en-US" sz="2400" b="1" i="0" u="none" strike="noStrike" dirty="0">
+                        <a:solidFill>
+                          <a:srgbClr val="000000"/>
+                        </a:solidFill>
+                        <a:effectLst/>
+                        <a:latin typeface="Calibri" panose="020F0502020204030204" pitchFamily="34" charset="0"/>
+                      </a:endParaRPr>
+                    </a:p>
+                  </a:txBody>
+                  <a:tcPr marL="9525" marR="9525" marT="9525" marB="0" anchor="b"/>
+                </a:tc>
+                <a:tc>
+                  <a:txBody>
+                    <a:bodyPr/>
+                    <a:lstStyle/>
+                    <a:p>
+                      <a:pPr algn="l" fontAlgn="b"/>
+                      <a:r>
+                        <a:rPr lang="en-US" sz="2400" b="1" u="none" strike="noStrike" dirty="0">
+                          <a:effectLst/>
+                        </a:rPr>
+                        <a:t>4 </a:t>
+                      </a:r>
+                      <a:r>
+                        <a:rPr lang="en-US" sz="2400" b="1" u="none" strike="noStrike" dirty="0" err="1">
+                          <a:effectLst/>
+                        </a:rPr>
+                        <a:t>harfli</a:t>
+                      </a:r>
+                      <a:endParaRPr lang="en-US" sz="2400" b="1" i="0" u="none" strike="noStrike" dirty="0">
+                        <a:solidFill>
+                          <a:srgbClr val="000000"/>
+                        </a:solidFill>
+                        <a:effectLst/>
+                        <a:latin typeface="Calibri" panose="020F0502020204030204" pitchFamily="34" charset="0"/>
+                      </a:endParaRPr>
+                    </a:p>
+                  </a:txBody>
+                  <a:tcPr marL="9525" marR="9525" marT="9525" marB="0" anchor="b"/>
+                </a:tc>
+                <a:tc>
+                  <a:txBody>
+                    <a:bodyPr/>
+                    <a:lstStyle/>
+                    <a:p>
+                      <a:pPr algn="l" fontAlgn="b"/>
+                      <a:r>
+                        <a:rPr lang="en-US" sz="2400" b="1" u="none" strike="noStrike" dirty="0">
+                          <a:effectLst/>
+                        </a:rPr>
+                        <a:t>5 </a:t>
+                      </a:r>
+                      <a:r>
+                        <a:rPr lang="en-US" sz="2400" b="1" u="none" strike="noStrike" dirty="0" err="1">
+                          <a:effectLst/>
+                        </a:rPr>
+                        <a:t>harfli</a:t>
+                      </a:r>
+                      <a:endParaRPr lang="en-US" sz="2400" b="1" i="0" u="none" strike="noStrike" dirty="0">
+                        <a:solidFill>
+                          <a:srgbClr val="000000"/>
+                        </a:solidFill>
+                        <a:effectLst/>
+                        <a:latin typeface="Calibri" panose="020F0502020204030204" pitchFamily="34" charset="0"/>
+                      </a:endParaRPr>
+                    </a:p>
+                  </a:txBody>
+                  <a:tcPr marL="9525" marR="9525" marT="9525" marB="0" anchor="b"/>
+                </a:tc>
+                <a:extLst>
+                  <a:ext uri="{0D108BD9-81ED-4DB2-BD59-A6C34878D82A}">
+                    <a16:rowId xmlns:a16="http://schemas.microsoft.com/office/drawing/2014/main" val="2519501790"/>
+                  </a:ext>
+                </a:extLst>
+              </a:tr>
+              <a:tr h="545988">
+                <a:tc rowSpan="2">
+                  <a:txBody>
+                    <a:bodyPr/>
+                    <a:lstStyle/>
+                    <a:p>
+                      <a:pPr algn="ctr" fontAlgn="ctr"/>
+                      <a:r>
+                        <a:rPr lang="en-US" sz="2400" b="1" u="none" strike="noStrike" dirty="0" err="1">
+                          <a:effectLst/>
+                        </a:rPr>
+                        <a:t>uz</a:t>
+                      </a:r>
+                      <a:endParaRPr lang="en-US" sz="2400" b="1" i="0" u="none" strike="noStrike" dirty="0">
+                        <a:solidFill>
+                          <a:srgbClr val="000000"/>
+                        </a:solidFill>
+                        <a:effectLst/>
+                        <a:latin typeface="Calibri" panose="020F0502020204030204" pitchFamily="34" charset="0"/>
+                      </a:endParaRPr>
+                    </a:p>
+                  </a:txBody>
+                  <a:tcPr marL="9525" marR="9525" marT="9525" marB="0" anchor="ctr"/>
+                </a:tc>
+                <a:tc>
+                  <a:txBody>
+                    <a:bodyPr/>
+                    <a:lstStyle/>
+                    <a:p>
+                      <a:pPr algn="l" fontAlgn="ctr"/>
+                      <a:r>
+                        <a:rPr lang="en-US" sz="2400" b="1" u="none" strike="noStrike" dirty="0">
+                          <a:effectLst/>
+                        </a:rPr>
+                        <a:t>app1</a:t>
+                      </a:r>
+                      <a:endParaRPr lang="en-US" sz="2400" b="1" i="0" u="none" strike="noStrike" dirty="0">
+                        <a:solidFill>
+                          <a:srgbClr val="000000"/>
+                        </a:solidFill>
+                        <a:effectLst/>
+                        <a:latin typeface="Calibri" panose="020F0502020204030204" pitchFamily="34" charset="0"/>
+                      </a:endParaRPr>
+                    </a:p>
+                  </a:txBody>
+                  <a:tcPr marL="9525" marR="9525" marT="9525" marB="0" anchor="ctr"/>
+                </a:tc>
+                <a:tc>
+                  <a:txBody>
+                    <a:bodyPr/>
+                    <a:lstStyle/>
+                    <a:p>
+                      <a:pPr algn="r" fontAlgn="ctr"/>
+                      <a:r>
+                        <a:rPr lang="en-US" sz="2400" u="none" strike="noStrike" dirty="0">
+                          <a:effectLst/>
+                        </a:rPr>
+                        <a:t>28.9</a:t>
+                      </a:r>
+                      <a:endParaRPr lang="en-US" sz="2400" b="0" i="0" u="none" strike="noStrike" dirty="0">
+                        <a:solidFill>
+                          <a:srgbClr val="000000"/>
+                        </a:solidFill>
+                        <a:effectLst/>
+                        <a:latin typeface="Calibri" panose="020F0502020204030204" pitchFamily="34" charset="0"/>
+                      </a:endParaRPr>
+                    </a:p>
+                  </a:txBody>
+                  <a:tcPr marL="9525" marR="9525" marT="9525" marB="0" anchor="ctr"/>
+                </a:tc>
+                <a:tc>
+                  <a:txBody>
+                    <a:bodyPr/>
+                    <a:lstStyle/>
+                    <a:p>
+                      <a:pPr algn="r" fontAlgn="ctr"/>
+                      <a:r>
+                        <a:rPr lang="en-US" sz="2400" u="none" strike="noStrike">
+                          <a:effectLst/>
+                        </a:rPr>
+                        <a:t>55.6</a:t>
+                      </a:r>
+                      <a:endParaRPr lang="en-US" sz="2400" b="0" i="0" u="none" strike="noStrike">
+                        <a:solidFill>
+                          <a:srgbClr val="000000"/>
+                        </a:solidFill>
+                        <a:effectLst/>
+                        <a:latin typeface="Calibri" panose="020F0502020204030204" pitchFamily="34" charset="0"/>
+                      </a:endParaRPr>
+                    </a:p>
+                  </a:txBody>
+                  <a:tcPr marL="9525" marR="9525" marT="9525" marB="0" anchor="ctr"/>
+                </a:tc>
+                <a:tc>
+                  <a:txBody>
+                    <a:bodyPr/>
+                    <a:lstStyle/>
+                    <a:p>
+                      <a:pPr algn="r" fontAlgn="ctr"/>
+                      <a:r>
+                        <a:rPr lang="en-US" sz="2400" u="none" strike="noStrike" dirty="0">
+                          <a:effectLst/>
+                        </a:rPr>
+                        <a:t>35.7</a:t>
+                      </a:r>
+                      <a:endParaRPr lang="en-US" sz="2400" b="0" i="0" u="none" strike="noStrike" dirty="0">
+                        <a:solidFill>
+                          <a:srgbClr val="000000"/>
+                        </a:solidFill>
+                        <a:effectLst/>
+                        <a:latin typeface="Calibri" panose="020F0502020204030204" pitchFamily="34" charset="0"/>
+                      </a:endParaRPr>
+                    </a:p>
+                  </a:txBody>
+                  <a:tcPr marL="9525" marR="9525" marT="9525" marB="0" anchor="ctr"/>
+                </a:tc>
+                <a:tc>
+                  <a:txBody>
+                    <a:bodyPr/>
+                    <a:lstStyle/>
+                    <a:p>
+                      <a:pPr algn="r" fontAlgn="ctr"/>
+                      <a:r>
+                        <a:rPr lang="en-US" sz="2400" u="none" strike="noStrike">
+                          <a:effectLst/>
+                        </a:rPr>
+                        <a:t>21.3</a:t>
+                      </a:r>
+                      <a:endParaRPr lang="en-US" sz="2400" b="0" i="0" u="none" strike="noStrike">
+                        <a:solidFill>
+                          <a:srgbClr val="000000"/>
+                        </a:solidFill>
+                        <a:effectLst/>
+                        <a:latin typeface="Calibri" panose="020F0502020204030204" pitchFamily="34" charset="0"/>
+                      </a:endParaRPr>
+                    </a:p>
+                  </a:txBody>
+                  <a:tcPr marL="9525" marR="9525" marT="9525" marB="0" anchor="ctr"/>
+                </a:tc>
+                <a:extLst>
+                  <a:ext uri="{0D108BD9-81ED-4DB2-BD59-A6C34878D82A}">
+                    <a16:rowId xmlns:a16="http://schemas.microsoft.com/office/drawing/2014/main" val="3028043322"/>
+                  </a:ext>
+                </a:extLst>
+              </a:tr>
+              <a:tr h="545988">
+                <a:tc vMerge="1">
+                  <a:txBody>
+                    <a:bodyPr/>
+                    <a:lstStyle/>
+                    <a:p>
+                      <a:endParaRPr lang="en-US"/>
+                    </a:p>
+                  </a:txBody>
+                  <a:tcPr/>
+                </a:tc>
+                <a:tc>
+                  <a:txBody>
+                    <a:bodyPr/>
+                    <a:lstStyle/>
+                    <a:p>
+                      <a:pPr algn="l" fontAlgn="ctr"/>
+                      <a:r>
+                        <a:rPr lang="en-US" sz="2400" b="1" u="none" strike="noStrike" dirty="0">
+                          <a:effectLst/>
+                        </a:rPr>
+                        <a:t>app2</a:t>
+                      </a:r>
+                      <a:endParaRPr lang="en-US" sz="2400" b="1" i="0" u="none" strike="noStrike" dirty="0">
+                        <a:solidFill>
+                          <a:srgbClr val="000000"/>
+                        </a:solidFill>
+                        <a:effectLst/>
+                        <a:latin typeface="Calibri" panose="020F0502020204030204" pitchFamily="34" charset="0"/>
+                      </a:endParaRPr>
+                    </a:p>
+                  </a:txBody>
+                  <a:tcPr marL="9525" marR="9525" marT="9525" marB="0" anchor="ctr"/>
+                </a:tc>
+                <a:tc>
+                  <a:txBody>
+                    <a:bodyPr/>
+                    <a:lstStyle/>
+                    <a:p>
+                      <a:pPr algn="r" fontAlgn="ctr"/>
+                      <a:r>
+                        <a:rPr lang="en-US" sz="2400" u="none" strike="noStrike">
+                          <a:effectLst/>
+                        </a:rPr>
+                        <a:t>71.6</a:t>
+                      </a:r>
+                      <a:endParaRPr lang="en-US" sz="2400" b="0" i="0" u="none" strike="noStrike">
+                        <a:solidFill>
+                          <a:srgbClr val="000000"/>
+                        </a:solidFill>
+                        <a:effectLst/>
+                        <a:latin typeface="Calibri" panose="020F0502020204030204" pitchFamily="34" charset="0"/>
+                      </a:endParaRPr>
+                    </a:p>
+                  </a:txBody>
+                  <a:tcPr marL="9525" marR="9525" marT="9525" marB="0" anchor="ctr"/>
+                </a:tc>
+                <a:tc>
+                  <a:txBody>
+                    <a:bodyPr/>
+                    <a:lstStyle/>
+                    <a:p>
+                      <a:pPr algn="r" fontAlgn="ctr"/>
+                      <a:r>
+                        <a:rPr lang="en-US" sz="2400" u="none" strike="noStrike">
+                          <a:effectLst/>
+                        </a:rPr>
+                        <a:t>95.6</a:t>
+                      </a:r>
+                      <a:endParaRPr lang="en-US" sz="2400" b="0" i="0" u="none" strike="noStrike">
+                        <a:solidFill>
+                          <a:srgbClr val="000000"/>
+                        </a:solidFill>
+                        <a:effectLst/>
+                        <a:latin typeface="Calibri" panose="020F0502020204030204" pitchFamily="34" charset="0"/>
+                      </a:endParaRPr>
+                    </a:p>
+                  </a:txBody>
+                  <a:tcPr marL="9525" marR="9525" marT="9525" marB="0" anchor="ctr"/>
+                </a:tc>
+                <a:tc>
+                  <a:txBody>
+                    <a:bodyPr/>
+                    <a:lstStyle/>
+                    <a:p>
+                      <a:pPr algn="r" fontAlgn="ctr"/>
+                      <a:r>
+                        <a:rPr lang="en-US" sz="2400" u="none" strike="noStrike">
+                          <a:effectLst/>
+                        </a:rPr>
+                        <a:t>82.6</a:t>
+                      </a:r>
+                      <a:endParaRPr lang="en-US" sz="2400" b="0" i="0" u="none" strike="noStrike">
+                        <a:solidFill>
+                          <a:srgbClr val="000000"/>
+                        </a:solidFill>
+                        <a:effectLst/>
+                        <a:latin typeface="Calibri" panose="020F0502020204030204" pitchFamily="34" charset="0"/>
+                      </a:endParaRPr>
+                    </a:p>
+                  </a:txBody>
+                  <a:tcPr marL="9525" marR="9525" marT="9525" marB="0" anchor="ctr"/>
+                </a:tc>
+                <a:tc>
+                  <a:txBody>
+                    <a:bodyPr/>
+                    <a:lstStyle/>
+                    <a:p>
+                      <a:pPr algn="r" fontAlgn="ctr"/>
+                      <a:r>
+                        <a:rPr lang="en-US" sz="2400" u="none" strike="noStrike">
+                          <a:effectLst/>
+                        </a:rPr>
+                        <a:t>62.8</a:t>
+                      </a:r>
+                      <a:endParaRPr lang="en-US" sz="2400" b="0" i="0" u="none" strike="noStrike">
+                        <a:solidFill>
+                          <a:srgbClr val="000000"/>
+                        </a:solidFill>
+                        <a:effectLst/>
+                        <a:latin typeface="Calibri" panose="020F0502020204030204" pitchFamily="34" charset="0"/>
+                      </a:endParaRPr>
+                    </a:p>
+                  </a:txBody>
+                  <a:tcPr marL="9525" marR="9525" marT="9525" marB="0" anchor="ctr"/>
+                </a:tc>
+                <a:extLst>
+                  <a:ext uri="{0D108BD9-81ED-4DB2-BD59-A6C34878D82A}">
+                    <a16:rowId xmlns:a16="http://schemas.microsoft.com/office/drawing/2014/main" val="4267943989"/>
+                  </a:ext>
+                </a:extLst>
+              </a:tr>
+              <a:tr h="545988">
+                <a:tc rowSpan="2">
+                  <a:txBody>
+                    <a:bodyPr/>
+                    <a:lstStyle/>
+                    <a:p>
+                      <a:pPr algn="ctr" fontAlgn="ctr"/>
+                      <a:r>
+                        <a:rPr lang="en-US" sz="2400" b="1" u="none" strike="noStrike" dirty="0" err="1">
+                          <a:effectLst/>
+                        </a:rPr>
+                        <a:t>en</a:t>
+                      </a:r>
+                      <a:endParaRPr lang="en-US" sz="2400" b="1" i="0" u="none" strike="noStrike" dirty="0">
+                        <a:solidFill>
+                          <a:srgbClr val="000000"/>
+                        </a:solidFill>
+                        <a:effectLst/>
+                        <a:latin typeface="Calibri" panose="020F0502020204030204" pitchFamily="34" charset="0"/>
+                      </a:endParaRPr>
+                    </a:p>
+                  </a:txBody>
+                  <a:tcPr marL="9525" marR="9525" marT="9525" marB="0" anchor="ctr"/>
+                </a:tc>
+                <a:tc>
+                  <a:txBody>
+                    <a:bodyPr/>
+                    <a:lstStyle/>
+                    <a:p>
+                      <a:pPr algn="l" fontAlgn="ctr"/>
+                      <a:r>
+                        <a:rPr lang="en-US" sz="2400" b="1" u="none" strike="noStrike" dirty="0">
+                          <a:effectLst/>
+                        </a:rPr>
+                        <a:t>app1</a:t>
+                      </a:r>
+                      <a:endParaRPr lang="en-US" sz="2400" b="1" i="0" u="none" strike="noStrike" dirty="0">
+                        <a:solidFill>
+                          <a:srgbClr val="000000"/>
+                        </a:solidFill>
+                        <a:effectLst/>
+                        <a:latin typeface="Calibri" panose="020F0502020204030204" pitchFamily="34" charset="0"/>
+                      </a:endParaRPr>
+                    </a:p>
+                  </a:txBody>
+                  <a:tcPr marL="9525" marR="9525" marT="9525" marB="0" anchor="ctr"/>
+                </a:tc>
+                <a:tc>
+                  <a:txBody>
+                    <a:bodyPr/>
+                    <a:lstStyle/>
+                    <a:p>
+                      <a:pPr algn="r" fontAlgn="ctr"/>
+                      <a:r>
+                        <a:rPr lang="en-US" sz="2400" u="none" strike="noStrike" dirty="0">
+                          <a:effectLst/>
+                        </a:rPr>
+                        <a:t>18.5</a:t>
+                      </a:r>
+                      <a:endParaRPr lang="en-US" sz="2400" b="0" i="0" u="none" strike="noStrike" dirty="0">
+                        <a:solidFill>
+                          <a:srgbClr val="000000"/>
+                        </a:solidFill>
+                        <a:effectLst/>
+                        <a:latin typeface="Calibri" panose="020F0502020204030204" pitchFamily="34" charset="0"/>
+                      </a:endParaRPr>
+                    </a:p>
+                  </a:txBody>
+                  <a:tcPr marL="9525" marR="9525" marT="9525" marB="0" anchor="ctr"/>
+                </a:tc>
+                <a:tc>
+                  <a:txBody>
+                    <a:bodyPr/>
+                    <a:lstStyle/>
+                    <a:p>
+                      <a:pPr algn="r" fontAlgn="ctr"/>
+                      <a:r>
+                        <a:rPr lang="en-US" sz="2400" u="none" strike="noStrike">
+                          <a:effectLst/>
+                        </a:rPr>
+                        <a:t>39.5</a:t>
+                      </a:r>
+                      <a:endParaRPr lang="en-US" sz="2400" b="0" i="0" u="none" strike="noStrike">
+                        <a:solidFill>
+                          <a:srgbClr val="000000"/>
+                        </a:solidFill>
+                        <a:effectLst/>
+                        <a:latin typeface="Calibri" panose="020F0502020204030204" pitchFamily="34" charset="0"/>
+                      </a:endParaRPr>
+                    </a:p>
+                  </a:txBody>
+                  <a:tcPr marL="9525" marR="9525" marT="9525" marB="0" anchor="ctr"/>
+                </a:tc>
+                <a:tc>
+                  <a:txBody>
+                    <a:bodyPr/>
+                    <a:lstStyle/>
+                    <a:p>
+                      <a:pPr algn="r" fontAlgn="ctr"/>
+                      <a:r>
+                        <a:rPr lang="en-US" sz="2400" u="none" strike="noStrike">
+                          <a:effectLst/>
+                        </a:rPr>
+                        <a:t>19.5</a:t>
+                      </a:r>
+                      <a:endParaRPr lang="en-US" sz="2400" b="0" i="0" u="none" strike="noStrike">
+                        <a:solidFill>
+                          <a:srgbClr val="000000"/>
+                        </a:solidFill>
+                        <a:effectLst/>
+                        <a:latin typeface="Calibri" panose="020F0502020204030204" pitchFamily="34" charset="0"/>
+                      </a:endParaRPr>
+                    </a:p>
+                  </a:txBody>
+                  <a:tcPr marL="9525" marR="9525" marT="9525" marB="0" anchor="ctr"/>
+                </a:tc>
+                <a:tc>
+                  <a:txBody>
+                    <a:bodyPr/>
+                    <a:lstStyle/>
+                    <a:p>
+                      <a:pPr algn="r" fontAlgn="ctr"/>
+                      <a:r>
+                        <a:rPr lang="en-US" sz="2400" u="none" strike="noStrike">
+                          <a:effectLst/>
+                        </a:rPr>
+                        <a:t>8.9</a:t>
+                      </a:r>
+                      <a:endParaRPr lang="en-US" sz="2400" b="0" i="0" u="none" strike="noStrike">
+                        <a:solidFill>
+                          <a:srgbClr val="000000"/>
+                        </a:solidFill>
+                        <a:effectLst/>
+                        <a:latin typeface="Calibri" panose="020F0502020204030204" pitchFamily="34" charset="0"/>
+                      </a:endParaRPr>
+                    </a:p>
+                  </a:txBody>
+                  <a:tcPr marL="9525" marR="9525" marT="9525" marB="0" anchor="ctr"/>
+                </a:tc>
+                <a:extLst>
+                  <a:ext uri="{0D108BD9-81ED-4DB2-BD59-A6C34878D82A}">
+                    <a16:rowId xmlns:a16="http://schemas.microsoft.com/office/drawing/2014/main" val="4141755944"/>
+                  </a:ext>
+                </a:extLst>
+              </a:tr>
+              <a:tr h="545988">
+                <a:tc vMerge="1">
+                  <a:txBody>
+                    <a:bodyPr/>
+                    <a:lstStyle/>
+                    <a:p>
+                      <a:endParaRPr lang="en-US"/>
+                    </a:p>
+                  </a:txBody>
+                  <a:tcPr/>
+                </a:tc>
+                <a:tc>
+                  <a:txBody>
+                    <a:bodyPr/>
+                    <a:lstStyle/>
+                    <a:p>
+                      <a:pPr algn="l" fontAlgn="ctr"/>
+                      <a:r>
+                        <a:rPr lang="en-US" sz="2400" b="1" u="none" strike="noStrike" dirty="0">
+                          <a:effectLst/>
+                        </a:rPr>
+                        <a:t>app2</a:t>
+                      </a:r>
+                      <a:endParaRPr lang="en-US" sz="2400" b="1" i="0" u="none" strike="noStrike" dirty="0">
+                        <a:solidFill>
+                          <a:srgbClr val="000000"/>
+                        </a:solidFill>
+                        <a:effectLst/>
+                        <a:latin typeface="Calibri" panose="020F0502020204030204" pitchFamily="34" charset="0"/>
+                      </a:endParaRPr>
+                    </a:p>
+                  </a:txBody>
+                  <a:tcPr marL="9525" marR="9525" marT="9525" marB="0" anchor="ctr"/>
+                </a:tc>
+                <a:tc>
+                  <a:txBody>
+                    <a:bodyPr/>
+                    <a:lstStyle/>
+                    <a:p>
+                      <a:pPr algn="r" fontAlgn="ctr"/>
+                      <a:r>
+                        <a:rPr lang="en-US" sz="2400" u="none" strike="noStrike">
+                          <a:effectLst/>
+                        </a:rPr>
+                        <a:t>76.6</a:t>
+                      </a:r>
+                      <a:endParaRPr lang="en-US" sz="2400" b="0" i="0" u="none" strike="noStrike">
+                        <a:solidFill>
+                          <a:srgbClr val="000000"/>
+                        </a:solidFill>
+                        <a:effectLst/>
+                        <a:latin typeface="Calibri" panose="020F0502020204030204" pitchFamily="34" charset="0"/>
+                      </a:endParaRPr>
+                    </a:p>
+                  </a:txBody>
+                  <a:tcPr marL="9525" marR="9525" marT="9525" marB="0" anchor="ctr"/>
+                </a:tc>
+                <a:tc>
+                  <a:txBody>
+                    <a:bodyPr/>
+                    <a:lstStyle/>
+                    <a:p>
+                      <a:pPr algn="r" fontAlgn="ctr"/>
+                      <a:r>
+                        <a:rPr lang="en-US" sz="2400" u="none" strike="noStrike">
+                          <a:effectLst/>
+                        </a:rPr>
+                        <a:t>87.9</a:t>
+                      </a:r>
+                      <a:endParaRPr lang="en-US" sz="2400" b="0" i="0" u="none" strike="noStrike">
+                        <a:solidFill>
+                          <a:srgbClr val="000000"/>
+                        </a:solidFill>
+                        <a:effectLst/>
+                        <a:latin typeface="Calibri" panose="020F0502020204030204" pitchFamily="34" charset="0"/>
+                      </a:endParaRPr>
+                    </a:p>
+                  </a:txBody>
+                  <a:tcPr marL="9525" marR="9525" marT="9525" marB="0" anchor="ctr"/>
+                </a:tc>
+                <a:tc>
+                  <a:txBody>
+                    <a:bodyPr/>
+                    <a:lstStyle/>
+                    <a:p>
+                      <a:pPr algn="r" fontAlgn="ctr"/>
+                      <a:r>
+                        <a:rPr lang="en-US" sz="2400" u="none" strike="noStrike">
+                          <a:effectLst/>
+                        </a:rPr>
+                        <a:t>82.0</a:t>
+                      </a:r>
+                      <a:endParaRPr lang="en-US" sz="2400" b="0" i="0" u="none" strike="noStrike">
+                        <a:solidFill>
+                          <a:srgbClr val="000000"/>
+                        </a:solidFill>
+                        <a:effectLst/>
+                        <a:latin typeface="Calibri" panose="020F0502020204030204" pitchFamily="34" charset="0"/>
+                      </a:endParaRPr>
+                    </a:p>
+                  </a:txBody>
+                  <a:tcPr marL="9525" marR="9525" marT="9525" marB="0" anchor="ctr"/>
+                </a:tc>
+                <a:tc>
+                  <a:txBody>
+                    <a:bodyPr/>
+                    <a:lstStyle/>
+                    <a:p>
+                      <a:pPr algn="r" fontAlgn="ctr"/>
+                      <a:r>
+                        <a:rPr lang="en-US" sz="2400" u="none" strike="noStrike" dirty="0">
+                          <a:effectLst/>
+                        </a:rPr>
+                        <a:t>66.6</a:t>
+                      </a:r>
+                      <a:endParaRPr lang="en-US" sz="2400" b="0" i="0" u="none" strike="noStrike" dirty="0">
+                        <a:solidFill>
+                          <a:srgbClr val="000000"/>
+                        </a:solidFill>
+                        <a:effectLst/>
+                        <a:latin typeface="Calibri" panose="020F0502020204030204" pitchFamily="34" charset="0"/>
+                      </a:endParaRPr>
+                    </a:p>
+                  </a:txBody>
+                  <a:tcPr marL="9525" marR="9525" marT="9525" marB="0" anchor="ctr"/>
+                </a:tc>
+                <a:extLst>
+                  <a:ext uri="{0D108BD9-81ED-4DB2-BD59-A6C34878D82A}">
+                    <a16:rowId xmlns:a16="http://schemas.microsoft.com/office/drawing/2014/main" val="1800915012"/>
+                  </a:ext>
+                </a:extLst>
+              </a:tr>
+            </a:tbl>
+          </a:graphicData>
+        </a:graphic>
+      </p:graphicFrame>
+      <p:sp>
+        <p:nvSpPr>
+          <p:cNvPr id="11" name="TextBox 10">
+            <a:extLst>
+              <a:ext uri="{FF2B5EF4-FFF2-40B4-BE49-F238E27FC236}">
+                <a16:creationId xmlns:a16="http://schemas.microsoft.com/office/drawing/2014/main" id="{2D9A0947-A7ED-803A-ED65-7AD474C8FDEA}"/>
+              </a:ext>
+            </a:extLst>
+          </p:cNvPr>
+          <p:cNvSpPr txBox="1"/>
+          <p:nvPr/>
+        </p:nvSpPr>
+        <p:spPr>
+          <a:xfrm>
+            <a:off x="6862194" y="2206304"/>
+            <a:ext cx="4247625" cy="3477875"/>
+          </a:xfrm>
+          <a:prstGeom prst="rect">
+            <a:avLst/>
+          </a:prstGeom>
+          <a:noFill/>
+        </p:spPr>
+        <p:txBody>
+          <a:bodyPr wrap="square" rtlCol="0">
+            <a:spAutoFit/>
+          </a:bodyPr>
+          <a:lstStyle/>
+          <a:p>
+            <a:r>
+              <a:rPr lang="en-US" sz="2200" dirty="0"/>
+              <a:t>Approach1 – </a:t>
+            </a:r>
+            <a:r>
+              <a:rPr lang="en-US" sz="2200" dirty="0" err="1"/>
+              <a:t>Xarflar</a:t>
+            </a:r>
+            <a:r>
+              <a:rPr lang="en-US" sz="2200" dirty="0"/>
+              <a:t> </a:t>
+            </a:r>
+            <a:r>
+              <a:rPr lang="en-US" sz="2200" dirty="0" err="1"/>
+              <a:t>to’plamidan</a:t>
+            </a:r>
+            <a:r>
+              <a:rPr lang="en-US" sz="2200" dirty="0"/>
+              <a:t> </a:t>
+            </a:r>
+            <a:r>
+              <a:rPr lang="en-US" sz="2200" dirty="0" err="1"/>
+              <a:t>tasodifiy</a:t>
+            </a:r>
+            <a:r>
+              <a:rPr lang="en-US" sz="2200" dirty="0"/>
+              <a:t> </a:t>
+            </a:r>
+            <a:r>
+              <a:rPr lang="en-US" sz="2200" dirty="0" err="1"/>
+              <a:t>tanlab</a:t>
+            </a:r>
+            <a:r>
+              <a:rPr lang="en-US" sz="2200" dirty="0"/>
+              <a:t> </a:t>
+            </a:r>
+            <a:r>
+              <a:rPr lang="en-US" sz="2200" dirty="0" err="1"/>
+              <a:t>olingan</a:t>
+            </a:r>
+            <a:r>
+              <a:rPr lang="en-US" sz="2200" dirty="0"/>
+              <a:t> </a:t>
+            </a:r>
+            <a:r>
+              <a:rPr lang="en-US" sz="2200" dirty="0" err="1"/>
+              <a:t>holda</a:t>
+            </a:r>
+            <a:r>
+              <a:rPr lang="en-US" sz="2200" dirty="0"/>
+              <a:t> </a:t>
+            </a:r>
+            <a:r>
+              <a:rPr lang="en-US" sz="2200" dirty="0" err="1"/>
+              <a:t>yasaladi</a:t>
+            </a:r>
+            <a:r>
+              <a:rPr lang="en-US" sz="2200" dirty="0"/>
+              <a:t>.</a:t>
+            </a:r>
+          </a:p>
+          <a:p>
+            <a:endParaRPr lang="en-US" sz="2200" dirty="0"/>
+          </a:p>
+          <a:p>
+            <a:r>
+              <a:rPr lang="en-US" sz="2200" dirty="0"/>
+              <a:t>Approach2 – </a:t>
+            </a:r>
+            <a:r>
+              <a:rPr lang="en-US" sz="2200" dirty="0" err="1"/>
+              <a:t>Kubiklar</a:t>
+            </a:r>
+            <a:r>
+              <a:rPr lang="en-US" sz="2200" dirty="0"/>
+              <a:t> </a:t>
+            </a:r>
+            <a:r>
+              <a:rPr lang="en-US" sz="2200" dirty="0" err="1"/>
+              <a:t>yasash</a:t>
+            </a:r>
+            <a:r>
+              <a:rPr lang="en-US" sz="2200" dirty="0"/>
+              <a:t> </a:t>
+            </a:r>
+            <a:r>
+              <a:rPr lang="en-US" sz="2200" dirty="0" err="1"/>
+              <a:t>uchun</a:t>
+            </a:r>
+            <a:r>
+              <a:rPr lang="en-US" sz="2200" dirty="0"/>
+              <a:t> </a:t>
+            </a:r>
+            <a:r>
+              <a:rPr lang="en-US" sz="2200" dirty="0" err="1"/>
+              <a:t>yetarlicha</a:t>
+            </a:r>
+            <a:r>
+              <a:rPr lang="en-US" sz="2200" dirty="0"/>
+              <a:t> </a:t>
+            </a:r>
+            <a:r>
+              <a:rPr lang="en-US" sz="2200" dirty="0" err="1"/>
+              <a:t>bo’lgan</a:t>
+            </a:r>
+            <a:r>
+              <a:rPr lang="en-US" sz="2200" dirty="0"/>
+              <a:t> </a:t>
+            </a:r>
+            <a:r>
+              <a:rPr lang="en-US" sz="2200" dirty="0" err="1"/>
+              <a:t>xarflar</a:t>
+            </a:r>
+            <a:r>
+              <a:rPr lang="en-US" sz="2200" dirty="0"/>
+              <a:t> </a:t>
+            </a:r>
+            <a:r>
+              <a:rPr lang="en-US" sz="2200" dirty="0" err="1"/>
+              <a:t>to’plamidan</a:t>
+            </a:r>
+            <a:r>
+              <a:rPr lang="en-US" sz="2200" dirty="0"/>
+              <a:t> </a:t>
+            </a:r>
+            <a:r>
+              <a:rPr lang="en-US" sz="2200" dirty="0" err="1"/>
+              <a:t>tasodifiy</a:t>
+            </a:r>
+            <a:r>
+              <a:rPr lang="en-US" sz="2200" dirty="0"/>
+              <a:t> </a:t>
+            </a:r>
+            <a:r>
+              <a:rPr lang="en-US" sz="2200" dirty="0" err="1"/>
+              <a:t>tanlab</a:t>
+            </a:r>
+            <a:r>
+              <a:rPr lang="en-US" sz="2200" dirty="0"/>
+              <a:t> </a:t>
+            </a:r>
+            <a:r>
+              <a:rPr lang="en-US" sz="2200" dirty="0" err="1"/>
+              <a:t>olingan</a:t>
+            </a:r>
+            <a:r>
+              <a:rPr lang="en-US" sz="2200" dirty="0"/>
+              <a:t> element </a:t>
+            </a:r>
+            <a:r>
+              <a:rPr lang="en-US" sz="2200" dirty="0" err="1"/>
+              <a:t>kubik</a:t>
+            </a:r>
+            <a:r>
+              <a:rPr lang="en-US" sz="2200" dirty="0"/>
+              <a:t> </a:t>
+            </a:r>
+            <a:r>
+              <a:rPr lang="en-US" sz="2200" dirty="0" err="1"/>
+              <a:t>yasashda</a:t>
+            </a:r>
+            <a:r>
+              <a:rPr lang="en-US" sz="2200" dirty="0"/>
+              <a:t> </a:t>
+            </a:r>
+            <a:r>
+              <a:rPr lang="en-US" sz="2200" dirty="0" err="1"/>
+              <a:t>qatnashadi</a:t>
+            </a:r>
+            <a:r>
+              <a:rPr lang="en-US" sz="2200" dirty="0"/>
+              <a:t> </a:t>
+            </a:r>
+            <a:r>
+              <a:rPr lang="en-US" sz="2200" dirty="0" err="1"/>
+              <a:t>va</a:t>
+            </a:r>
+            <a:r>
+              <a:rPr lang="en-US" sz="2200" dirty="0"/>
+              <a:t> </a:t>
+            </a:r>
+            <a:r>
+              <a:rPr lang="en-US" sz="2200" dirty="0" err="1"/>
+              <a:t>to’plamdan</a:t>
+            </a:r>
+            <a:r>
+              <a:rPr lang="en-US" sz="2200" dirty="0"/>
+              <a:t> </a:t>
+            </a:r>
+            <a:r>
+              <a:rPr lang="en-US" sz="2200" dirty="0" err="1"/>
+              <a:t>o’chiriladi</a:t>
+            </a:r>
+            <a:r>
+              <a:rPr lang="en-US" sz="2200" dirty="0"/>
+              <a:t>.</a:t>
+            </a:r>
+          </a:p>
+          <a:p>
+            <a:endParaRPr lang="en-US" sz="2200" dirty="0"/>
+          </a:p>
+        </p:txBody>
+      </p:sp>
+    </p:spTree>
+    <p:extLst>
+      <p:ext uri="{BB962C8B-B14F-4D97-AF65-F5344CB8AC3E}">
+        <p14:creationId xmlns:p14="http://schemas.microsoft.com/office/powerpoint/2010/main" val="4286672408"/>
+      </p:ext>
+    </p:extLst>
+  </p:cSld>
+  <p:clrMapOvr>
+    <a:masterClrMapping/>
+  </p:clrMapOvr>
+</p:sld>
+</file>
+
+<file path=ppt/slides/slide14.xml><?xml version="1.0" encoding="utf-8"?>
+<p:sld xmlns:a="http://schemas.openxmlformats.org/drawingml/2006/main" xmlns:r="http://schemas.openxmlformats.org/officeDocument/2006/relationships" xmlns:p="http://schemas.openxmlformats.org/presentationml/2006/main">
+  <p:cSld>
+    <p:spTree>
+      <p:nvGrpSpPr>
+        <p:cNvPr id="1" name=""/>
+        <p:cNvGrpSpPr/>
+        <p:nvPr/>
+      </p:nvGrpSpPr>
+      <p:grpSpPr>
+        <a:xfrm>
+          <a:off x="0" y="0"/>
+          <a:ext cx="0" cy="0"/>
+          <a:chOff x="0" y="0"/>
+          <a:chExt cx="0" cy="0"/>
+        </a:xfrm>
+      </p:grpSpPr>
+      <p:sp>
+        <p:nvSpPr>
+          <p:cNvPr id="2" name="Title 1">
+            <a:extLst>
+              <a:ext uri="{FF2B5EF4-FFF2-40B4-BE49-F238E27FC236}">
+                <a16:creationId xmlns:a16="http://schemas.microsoft.com/office/drawing/2014/main" id="{D4FFFEB4-024D-43E1-12A3-C2B32F8F8B56}"/>
+              </a:ext>
+            </a:extLst>
+          </p:cNvPr>
+          <p:cNvSpPr>
+            <a:spLocks noGrp="1"/>
+          </p:cNvSpPr>
+          <p:nvPr>
+            <p:ph type="title"/>
+          </p:nvPr>
+        </p:nvSpPr>
+        <p:spPr>
+          <a:xfrm>
+            <a:off x="737532" y="558072"/>
+            <a:ext cx="10515600" cy="633165"/>
+          </a:xfrm>
+        </p:spPr>
+        <p:txBody>
+          <a:bodyPr>
+            <a:normAutofit fontScale="90000"/>
+          </a:bodyPr>
+          <a:lstStyle/>
+          <a:p>
+            <a:r>
+              <a:rPr lang="en-US" dirty="0"/>
+              <a:t>Results explain</a:t>
+            </a:r>
+          </a:p>
+        </p:txBody>
+      </p:sp>
+      <p:sp>
+        <p:nvSpPr>
+          <p:cNvPr id="3" name="Content Placeholder 2">
+            <a:extLst>
+              <a:ext uri="{FF2B5EF4-FFF2-40B4-BE49-F238E27FC236}">
+                <a16:creationId xmlns:a16="http://schemas.microsoft.com/office/drawing/2014/main" id="{E138671D-A17C-50BC-38CF-5D65723BE09E}"/>
+              </a:ext>
+            </a:extLst>
+          </p:cNvPr>
+          <p:cNvSpPr>
+            <a:spLocks noGrp="1"/>
+          </p:cNvSpPr>
+          <p:nvPr>
+            <p:ph idx="1"/>
+          </p:nvPr>
+        </p:nvSpPr>
+        <p:spPr/>
+        <p:txBody>
+          <a:bodyPr/>
+          <a:lstStyle/>
+          <a:p>
+            <a:endParaRPr lang="en-US" dirty="0"/>
+          </a:p>
+        </p:txBody>
+      </p:sp>
+      <p:pic>
+        <p:nvPicPr>
+          <p:cNvPr id="4" name="Picture 3">
+            <a:extLst>
+              <a:ext uri="{FF2B5EF4-FFF2-40B4-BE49-F238E27FC236}">
+                <a16:creationId xmlns:a16="http://schemas.microsoft.com/office/drawing/2014/main" id="{0F7B9D7F-1258-1FCD-A828-5A7418887AF6}"/>
+              </a:ext>
+            </a:extLst>
+          </p:cNvPr>
+          <p:cNvPicPr>
+            <a:picLocks noChangeAspect="1"/>
+          </p:cNvPicPr>
+          <p:nvPr/>
+        </p:nvPicPr>
+        <p:blipFill>
+          <a:blip r:embed="rId2"/>
+          <a:stretch>
+            <a:fillRect/>
+          </a:stretch>
+        </p:blipFill>
+        <p:spPr>
+          <a:xfrm>
+            <a:off x="201905" y="1671957"/>
+            <a:ext cx="11788189" cy="4485934"/>
+          </a:xfrm>
+          <a:prstGeom prst="rect">
+            <a:avLst/>
+          </a:prstGeom>
+        </p:spPr>
+      </p:pic>
+    </p:spTree>
+    <p:extLst>
+      <p:ext uri="{BB962C8B-B14F-4D97-AF65-F5344CB8AC3E}">
+        <p14:creationId xmlns:p14="http://schemas.microsoft.com/office/powerpoint/2010/main" val="1230693725"/>
+      </p:ext>
+    </p:extLst>
+  </p:cSld>
+  <p:clrMapOvr>
+    <a:masterClrMapping/>
+  </p:clrMapOvr>
+</p:sld>
+</file>
+
+<file path=ppt/slides/slide15.xml><?xml version="1.0" encoding="utf-8"?>
+<p:sld xmlns:a="http://schemas.openxmlformats.org/drawingml/2006/main" xmlns:r="http://schemas.openxmlformats.org/officeDocument/2006/relationships" xmlns:p="http://schemas.openxmlformats.org/presentationml/2006/main">
+  <p:cSld>
+    <p:spTree>
+      <p:nvGrpSpPr>
+        <p:cNvPr id="1" name=""/>
+        <p:cNvGrpSpPr/>
+        <p:nvPr/>
+      </p:nvGrpSpPr>
+      <p:grpSpPr>
+        <a:xfrm>
+          <a:off x="0" y="0"/>
+          <a:ext cx="0" cy="0"/>
+          <a:chOff x="0" y="0"/>
+          <a:chExt cx="0" cy="0"/>
+        </a:xfrm>
+      </p:grpSpPr>
+      <p:sp>
+        <p:nvSpPr>
+          <p:cNvPr id="2" name="Title 1">
+            <a:extLst>
+              <a:ext uri="{FF2B5EF4-FFF2-40B4-BE49-F238E27FC236}">
                 <a16:creationId xmlns:a16="http://schemas.microsoft.com/office/drawing/2014/main" id="{79E8C169-891B-9404-9D68-39970C8AB884}"/>
               </a:ext>
             </a:extLst>
@@ -3619,7 +4997,12 @@
             <p:ph type="title"/>
           </p:nvPr>
         </p:nvSpPr>
-        <p:spPr/>
+        <p:spPr>
+          <a:xfrm>
+            <a:off x="838200" y="365126"/>
+            <a:ext cx="10515600" cy="827640"/>
+          </a:xfrm>
+        </p:spPr>
         <p:txBody>
           <a:bodyPr/>
           <a:lstStyle/>
@@ -3647,12 +5030,167 @@
             <p:ph idx="1"/>
           </p:nvPr>
         </p:nvSpPr>
-        <p:spPr/>
-        <p:txBody>
-          <a:bodyPr/>
-          <a:lstStyle/>
-          <a:p>
-            <a:endParaRPr lang="en-US"/>
+        <p:spPr>
+          <a:xfrm>
+            <a:off x="838200" y="1313897"/>
+            <a:ext cx="10000376" cy="4351338"/>
+          </a:xfrm>
+        </p:spPr>
+        <p:txBody>
+          <a:bodyPr>
+            <a:noAutofit/>
+          </a:bodyPr>
+          <a:lstStyle/>
+          <a:p>
+            <a:pPr algn="l"/>
+            <a:r>
+              <a:rPr lang="en-US" sz="2100" b="0" i="0" u="none" strike="noStrike" baseline="0" dirty="0">
+                <a:latin typeface="Times New Roman" panose="02020603050405020304" pitchFamily="18" charset="0"/>
+                <a:cs typeface="Times New Roman" panose="02020603050405020304" pitchFamily="18" charset="0"/>
+              </a:rPr>
+              <a:t>A matching letter game is essential tools for child to improve their letter recognition and vocabulary as well as orthography. </a:t>
+            </a:r>
+          </a:p>
+          <a:p>
+            <a:pPr algn="l"/>
+            <a:r>
+              <a:rPr lang="en-US" sz="2100" b="0" i="0" u="none" strike="noStrike" baseline="0" dirty="0">
+                <a:latin typeface="Times New Roman" panose="02020603050405020304" pitchFamily="18" charset="0"/>
+                <a:cs typeface="Times New Roman" panose="02020603050405020304" pitchFamily="18" charset="0"/>
+              </a:rPr>
+              <a:t>Proposed methods to modeling a cubic oriented word game. The datasets within 3-5 letter words in the Uzbek language was created and filtered according to the rules of a game. </a:t>
+            </a:r>
+          </a:p>
+          <a:p>
+            <a:pPr algn="l"/>
+            <a:r>
+              <a:rPr lang="en-US" sz="2100" b="0" i="0" u="none" strike="noStrike" baseline="0" dirty="0">
+                <a:latin typeface="Times New Roman" panose="02020603050405020304" pitchFamily="18" charset="0"/>
+                <a:cs typeface="Times New Roman" panose="02020603050405020304" pitchFamily="18" charset="0"/>
+              </a:rPr>
+              <a:t>Positional letter distribution by a vowel and consonant level statistics analyzed and presented in a pattern view. </a:t>
+            </a:r>
+          </a:p>
+          <a:p>
+            <a:pPr algn="l"/>
+            <a:r>
+              <a:rPr lang="en-US" sz="2100" b="0" i="0" u="none" strike="noStrike" baseline="0" dirty="0">
+                <a:latin typeface="Times New Roman" panose="02020603050405020304" pitchFamily="18" charset="0"/>
+                <a:cs typeface="Times New Roman" panose="02020603050405020304" pitchFamily="18" charset="0"/>
+              </a:rPr>
+              <a:t>Proposed 2 methods, based on Letter Frequency </a:t>
+            </a:r>
+            <a:r>
+              <a:rPr lang="en-US" sz="2100" b="0" u="none" strike="noStrike" baseline="0" dirty="0">
+                <a:latin typeface="Times New Roman" panose="02020603050405020304" pitchFamily="18" charset="0"/>
+                <a:cs typeface="Times New Roman" panose="02020603050405020304" pitchFamily="18" charset="0"/>
+              </a:rPr>
+              <a:t>(</a:t>
+            </a:r>
+            <a:r>
+              <a:rPr lang="en-US" sz="2100" b="0" i="1" u="none" strike="noStrike" baseline="0" dirty="0">
+                <a:latin typeface="Times New Roman" panose="02020603050405020304" pitchFamily="18" charset="0"/>
+                <a:cs typeface="Times New Roman" panose="02020603050405020304" pitchFamily="18" charset="0"/>
+              </a:rPr>
+              <a:t>LF</a:t>
+            </a:r>
+            <a:r>
+              <a:rPr lang="en-US" sz="2100" b="0" u="none" strike="noStrike" baseline="0" dirty="0">
+                <a:latin typeface="Times New Roman" panose="02020603050405020304" pitchFamily="18" charset="0"/>
+                <a:cs typeface="Times New Roman" panose="02020603050405020304" pitchFamily="18" charset="0"/>
+              </a:rPr>
+              <a:t>)</a:t>
+            </a:r>
+            <a:r>
+              <a:rPr lang="en-US" sz="2100" b="0" i="1" u="none" strike="noStrike" baseline="0" dirty="0">
+                <a:latin typeface="Times New Roman" panose="02020603050405020304" pitchFamily="18" charset="0"/>
+                <a:cs typeface="Times New Roman" panose="02020603050405020304" pitchFamily="18" charset="0"/>
+              </a:rPr>
+              <a:t> </a:t>
+            </a:r>
+            <a:r>
+              <a:rPr lang="en-US" sz="2100" b="0" i="0" u="none" strike="noStrike" baseline="0" dirty="0">
+                <a:latin typeface="Times New Roman" panose="02020603050405020304" pitchFamily="18" charset="0"/>
+                <a:cs typeface="Times New Roman" panose="02020603050405020304" pitchFamily="18" charset="0"/>
+              </a:rPr>
+              <a:t>and Vowel Priority </a:t>
+            </a:r>
+            <a:r>
+              <a:rPr lang="en-US" sz="2100" b="0" u="none" strike="noStrike" baseline="0" dirty="0">
+                <a:latin typeface="Times New Roman" panose="02020603050405020304" pitchFamily="18" charset="0"/>
+                <a:cs typeface="Times New Roman" panose="02020603050405020304" pitchFamily="18" charset="0"/>
+              </a:rPr>
+              <a:t>(</a:t>
+            </a:r>
+            <a:r>
+              <a:rPr lang="en-US" sz="2100" b="0" i="1" u="none" strike="noStrike" baseline="0" dirty="0">
+                <a:latin typeface="Times New Roman" panose="02020603050405020304" pitchFamily="18" charset="0"/>
+                <a:cs typeface="Times New Roman" panose="02020603050405020304" pitchFamily="18" charset="0"/>
+              </a:rPr>
+              <a:t>VL</a:t>
+            </a:r>
+            <a:r>
+              <a:rPr lang="en-US" sz="2100" b="0" u="none" strike="noStrike" baseline="0" dirty="0">
+                <a:latin typeface="Times New Roman" panose="02020603050405020304" pitchFamily="18" charset="0"/>
+                <a:cs typeface="Times New Roman" panose="02020603050405020304" pitchFamily="18" charset="0"/>
+              </a:rPr>
+              <a:t>)</a:t>
+            </a:r>
+            <a:r>
+              <a:rPr lang="en-US" sz="2100" b="0" i="0" u="none" strike="noStrike" baseline="0" dirty="0">
+                <a:latin typeface="Times New Roman" panose="02020603050405020304" pitchFamily="18" charset="0"/>
+                <a:cs typeface="Times New Roman" panose="02020603050405020304" pitchFamily="18" charset="0"/>
+              </a:rPr>
+              <a:t> methods. </a:t>
+            </a:r>
+          </a:p>
+          <a:p>
+            <a:pPr algn="l"/>
+            <a:r>
+              <a:rPr lang="en-US" sz="2100" b="0" i="0" u="none" strike="noStrike" baseline="0" dirty="0">
+                <a:latin typeface="Times New Roman" panose="02020603050405020304" pitchFamily="18" charset="0"/>
+                <a:cs typeface="Times New Roman" panose="02020603050405020304" pitchFamily="18" charset="0"/>
+              </a:rPr>
+              <a:t>As a evaluation of the methods, the experiments performed in Uzbek and English word datasets by 5-fold cross-validation. </a:t>
+            </a:r>
+          </a:p>
+          <a:p>
+            <a:pPr algn="l"/>
+            <a:r>
+              <a:rPr lang="en-US" sz="2100" b="0" i="0" u="none" strike="noStrike" baseline="0" dirty="0">
+                <a:latin typeface="Times New Roman" panose="02020603050405020304" pitchFamily="18" charset="0"/>
+                <a:cs typeface="Times New Roman" panose="02020603050405020304" pitchFamily="18" charset="0"/>
+              </a:rPr>
+              <a:t>Among the methods </a:t>
+            </a:r>
+            <a:r>
+              <a:rPr lang="en-US" sz="2100" b="0" i="1" u="none" strike="noStrike" baseline="0" dirty="0">
+                <a:latin typeface="Times New Roman" panose="02020603050405020304" pitchFamily="18" charset="0"/>
+                <a:cs typeface="Times New Roman" panose="02020603050405020304" pitchFamily="18" charset="0"/>
+              </a:rPr>
+              <a:t>VL</a:t>
+            </a:r>
+            <a:r>
+              <a:rPr lang="en-US" sz="2100" b="0" i="0" u="none" strike="noStrike" baseline="0" dirty="0">
+                <a:latin typeface="Times New Roman" panose="02020603050405020304" pitchFamily="18" charset="0"/>
+                <a:cs typeface="Times New Roman" panose="02020603050405020304" pitchFamily="18" charset="0"/>
+              </a:rPr>
+              <a:t> method outperformed in case of 8 cubes, with the average accuracy of the model was 95.9% and 96.8%, respectively, in Uzbek and English dataset. </a:t>
+            </a:r>
+          </a:p>
+          <a:p>
+            <a:pPr algn="l"/>
+            <a:r>
+              <a:rPr lang="en-US" sz="2100" b="0" i="0" u="none" strike="noStrike" baseline="0" dirty="0">
+                <a:latin typeface="Times New Roman" panose="02020603050405020304" pitchFamily="18" charset="0"/>
+                <a:cs typeface="Times New Roman" panose="02020603050405020304" pitchFamily="18" charset="0"/>
+              </a:rPr>
+              <a:t>The model intends use in a design a matching letter game in a other different languages by provide its’ alphabet and words list as a training dataset.	</a:t>
+            </a:r>
+            <a:endParaRPr lang="en-US" sz="2100" dirty="0">
+              <a:latin typeface="Times New Roman" panose="02020603050405020304" pitchFamily="18" charset="0"/>
+              <a:cs typeface="Times New Roman" panose="02020603050405020304" pitchFamily="18" charset="0"/>
+            </a:endParaRPr>
           </a:p>
         </p:txBody>
       </p:sp>
@@ -3669,7 +5207,7 @@
 </p:sld>
 </file>
 
-<file path=ppt/slides/slide13.xml><?xml version="1.0" encoding="utf-8"?>
+<file path=ppt/slides/slide16.xml><?xml version="1.0" encoding="utf-8"?>
 <p:sld xmlns:a="http://schemas.openxmlformats.org/drawingml/2006/main" xmlns:r="http://schemas.openxmlformats.org/officeDocument/2006/relationships" xmlns:p="http://schemas.openxmlformats.org/presentationml/2006/main">
   <p:cSld>
     <p:spTree>
@@ -3821,8 +5359,80 @@
         </p:nvSpPr>
         <p:spPr/>
         <p:txBody>
-          <a:bodyPr/>
-          <a:lstStyle/>
+          <a:bodyPr>
+            <a:normAutofit fontScale="92500" lnSpcReduction="20000"/>
+          </a:bodyPr>
+          <a:lstStyle/>
+          <a:p>
+            <a:r>
+              <a:rPr lang="en-US" dirty="0"/>
+              <a:t>Terminology</a:t>
+            </a:r>
+          </a:p>
+          <a:p>
+            <a:r>
+              <a:rPr lang="en-US" dirty="0"/>
+              <a:t>Introduction</a:t>
+            </a:r>
+          </a:p>
+          <a:p>
+            <a:r>
+              <a:rPr lang="en-US" dirty="0"/>
+              <a:t>Problem Statement</a:t>
+            </a:r>
+          </a:p>
+          <a:p>
+            <a:r>
+              <a:rPr lang="en-US" dirty="0"/>
+              <a:t>Methodology</a:t>
+            </a:r>
+          </a:p>
+          <a:p>
+            <a:pPr lvl="1"/>
+            <a:r>
+              <a:rPr lang="en-US" dirty="0"/>
+              <a:t>Data Preparation</a:t>
+            </a:r>
+          </a:p>
+          <a:p>
+            <a:pPr lvl="1"/>
+            <a:r>
+              <a:rPr lang="en-US" dirty="0"/>
+              <a:t>Vowel Patterns</a:t>
+            </a:r>
+          </a:p>
+          <a:p>
+            <a:pPr lvl="1"/>
+            <a:r>
+              <a:rPr lang="en-US" dirty="0"/>
+              <a:t>Restrictions</a:t>
+            </a:r>
+          </a:p>
+          <a:p>
+            <a:pPr lvl="1"/>
+            <a:r>
+              <a:rPr lang="en-US" dirty="0"/>
+              <a:t>Approaches</a:t>
+            </a:r>
+          </a:p>
+          <a:p>
+            <a:r>
+              <a:rPr lang="en-US" dirty="0"/>
+              <a:t>Results</a:t>
+            </a:r>
+          </a:p>
+          <a:p>
+            <a:r>
+              <a:rPr lang="en-US" dirty="0"/>
+              <a:t>Conclusion</a:t>
+            </a:r>
+          </a:p>
+          <a:p>
+            <a:r>
+              <a:rPr lang="en-US" dirty="0"/>
+              <a:t>Appendix</a:t>
+            </a:r>
+          </a:p>
           <a:p>
             <a:endParaRPr lang="en-US" dirty="0"/>
           </a:p>
@@ -3915,13 +5525,37 @@
           <a:p>
             <a:r>
               <a:rPr lang="en-US" dirty="0"/>
-              <a:t>N-gram (character level)</a:t>
+              <a:t>Character Level N-gram</a:t>
             </a:r>
           </a:p>
           <a:p>
             <a:r>
               <a:rPr lang="en-US" dirty="0"/>
-              <a:t>CV</a:t>
+              <a:t>Letter frequency</a:t>
+            </a:r>
+          </a:p>
+          <a:p>
+            <a:r>
+              <a:rPr lang="en-US" dirty="0"/>
+              <a:t>Positional Letter Frequency</a:t>
+            </a:r>
+          </a:p>
+          <a:p>
+            <a:r>
+              <a:rPr lang="en-US" dirty="0"/>
+              <a:t>Digraph Letters</a:t>
+            </a:r>
+          </a:p>
+          <a:p>
+            <a:r>
+              <a:rPr lang="en-US" dirty="0"/>
+              <a:t>Cross-Validation</a:t>
+            </a:r>
+          </a:p>
+          <a:p>
+            <a:r>
+              <a:rPr lang="en-US" dirty="0"/>
+              <a:t>Standard deviation</a:t>
             </a:r>
           </a:p>
           <a:p>
@@ -4012,6 +5646,80 @@
           </a:p>
         </p:txBody>
       </p:sp>
+      <p:pic>
+        <p:nvPicPr>
+          <p:cNvPr id="2050" name="Picture 2" descr="learning">
+            <a:extLst>
+              <a:ext uri="{FF2B5EF4-FFF2-40B4-BE49-F238E27FC236}">
+                <a16:creationId xmlns:a16="http://schemas.microsoft.com/office/drawing/2014/main" id="{CB8536B8-8A5D-F96B-C953-150FAA98EFE4}"/>
+              </a:ext>
+            </a:extLst>
+          </p:cNvPr>
+          <p:cNvPicPr>
+            <a:picLocks noChangeAspect="1" noChangeArrowheads="1"/>
+          </p:cNvPicPr>
+          <p:nvPr/>
+        </p:nvPicPr>
+        <p:blipFill rotWithShape="1">
+          <a:blip r:embed="rId2">
+            <a:extLst>
+              <a:ext uri="{28A0092B-C50C-407E-A947-70E740481C1C}">
+                <a14:useLocalDpi xmlns:a14="http://schemas.microsoft.com/office/drawing/2010/main" val="0"/>
+              </a:ext>
+            </a:extLst>
+          </a:blip>
+          <a:srcRect t="6881" r="33354" b="6954"/>
+          <a:stretch/>
+        </p:blipFill>
+        <p:spPr bwMode="auto">
+          <a:xfrm>
+            <a:off x="7701006" y="141298"/>
+            <a:ext cx="4043581" cy="3233717"/>
+          </a:xfrm>
+          <a:prstGeom prst="rect">
+            <a:avLst/>
+          </a:prstGeom>
+          <a:noFill/>
+          <a:extLst>
+            <a:ext uri="{909E8E84-426E-40DD-AFC4-6F175D3DCCD1}">
+              <a14:hiddenFill xmlns:a14="http://schemas.microsoft.com/office/drawing/2010/main">
+                <a:solidFill>
+                  <a:srgbClr val="FFFFFF"/>
+                </a:solidFill>
+              </a14:hiddenFill>
+            </a:ext>
+          </a:extLst>
+        </p:spPr>
+      </p:pic>
+      <p:pic>
+        <p:nvPicPr>
+          <p:cNvPr id="4" name="Picture 3">
+            <a:extLst>
+              <a:ext uri="{FF2B5EF4-FFF2-40B4-BE49-F238E27FC236}">
+                <a16:creationId xmlns:a16="http://schemas.microsoft.com/office/drawing/2014/main" id="{A4C55331-1113-EAE2-A3BE-DD921DB02A1C}"/>
+              </a:ext>
+            </a:extLst>
+          </p:cNvPr>
+          <p:cNvPicPr>
+            <a:picLocks noChangeAspect="1"/>
+          </p:cNvPicPr>
+          <p:nvPr/>
+        </p:nvPicPr>
+        <p:blipFill rotWithShape="1">
+          <a:blip r:embed="rId3"/>
+          <a:srcRect b="11377"/>
+          <a:stretch/>
+        </p:blipFill>
+        <p:spPr>
+          <a:xfrm>
+            <a:off x="8843716" y="3482986"/>
+            <a:ext cx="2705478" cy="3157510"/>
+          </a:xfrm>
+          <a:prstGeom prst="rect">
+            <a:avLst/>
+          </a:prstGeom>
+        </p:spPr>
+      </p:pic>
     </p:spTree>
     <p:extLst>
       <p:ext uri="{BB962C8B-B14F-4D97-AF65-F5344CB8AC3E}">
@@ -4213,7 +5921,7 @@
           <p:cNvPr id="2" name="Title 1">
             <a:extLst>
               <a:ext uri="{FF2B5EF4-FFF2-40B4-BE49-F238E27FC236}">
-                <a16:creationId xmlns:a16="http://schemas.microsoft.com/office/drawing/2014/main" id="{9D6750B5-5788-4304-18B0-F49E1ADA00EB}"/>
+                <a16:creationId xmlns:a16="http://schemas.microsoft.com/office/drawing/2014/main" id="{78FF41BD-0F65-1EF4-10A6-BEB53982FF12}"/>
               </a:ext>
             </a:extLst>
           </p:cNvPr>
@@ -4224,14 +5932,21 @@
             <p:ph type="title"/>
           </p:nvPr>
         </p:nvSpPr>
-        <p:spPr/>
-        <p:txBody>
-          <a:bodyPr/>
+        <p:spPr>
+          <a:xfrm>
+            <a:off x="838200" y="365126"/>
+            <a:ext cx="10515600" cy="389884"/>
+          </a:xfrm>
+        </p:spPr>
+        <p:txBody>
+          <a:bodyPr>
+            <a:normAutofit fontScale="90000"/>
+          </a:bodyPr>
           <a:lstStyle/>
           <a:p>
             <a:r>
               <a:rPr lang="en-US" dirty="0"/>
-              <a:t>Approach I</a:t>
+              <a:t>Data Preparation </a:t>
             </a:r>
           </a:p>
         </p:txBody>
@@ -4241,7 +5956,7 @@
           <p:cNvPr id="3" name="Content Placeholder 2">
             <a:extLst>
               <a:ext uri="{FF2B5EF4-FFF2-40B4-BE49-F238E27FC236}">
-                <a16:creationId xmlns:a16="http://schemas.microsoft.com/office/drawing/2014/main" id="{521B01EE-3A27-7E0E-3ED6-FA2C53C209B8}"/>
+                <a16:creationId xmlns:a16="http://schemas.microsoft.com/office/drawing/2014/main" id="{FD847943-83C2-8F16-B06D-29310F6C0C39}"/>
               </a:ext>
             </a:extLst>
           </p:cNvPr>
@@ -4252,19 +5967,218 @@
             <p:ph idx="1"/>
           </p:nvPr>
         </p:nvSpPr>
-        <p:spPr/>
-        <p:txBody>
-          <a:bodyPr/>
-          <a:lstStyle/>
-          <a:p>
-            <a:endParaRPr lang="en-US"/>
-          </a:p>
-        </p:txBody>
-      </p:sp>
+        <p:spPr>
+          <a:xfrm>
+            <a:off x="838200" y="869025"/>
+            <a:ext cx="10515600" cy="5119950"/>
+          </a:xfrm>
+        </p:spPr>
+        <p:txBody>
+          <a:bodyPr>
+            <a:normAutofit/>
+          </a:bodyPr>
+          <a:lstStyle/>
+          <a:p>
+            <a:pPr algn="l"/>
+            <a:r>
+              <a:rPr lang="en-US" sz="1800" b="0" i="0" u="none" strike="noStrike" baseline="0" dirty="0">
+                <a:latin typeface="Times New Roman" panose="02020603050405020304" pitchFamily="18" charset="0"/>
+                <a:cs typeface="Times New Roman" panose="02020603050405020304" pitchFamily="18" charset="0"/>
+              </a:rPr>
+              <a:t>Uzbek language words are extracted from the </a:t>
+            </a:r>
+            <a:r>
+              <a:rPr lang="en-US" sz="1800" b="0" i="0" u="none" strike="noStrike" baseline="0" dirty="0" err="1">
+                <a:latin typeface="Times New Roman" panose="02020603050405020304" pitchFamily="18" charset="0"/>
+                <a:cs typeface="Times New Roman" panose="02020603050405020304" pitchFamily="18" charset="0"/>
+              </a:rPr>
+              <a:t>Madvaliyev</a:t>
+            </a:r>
+            <a:r>
+              <a:rPr lang="en-US" sz="1800" b="0" i="0" u="none" strike="noStrike" baseline="0" dirty="0">
+                <a:latin typeface="Times New Roman" panose="02020603050405020304" pitchFamily="18" charset="0"/>
+                <a:cs typeface="Times New Roman" panose="02020603050405020304" pitchFamily="18" charset="0"/>
+              </a:rPr>
+              <a:t> and </a:t>
+            </a:r>
+            <a:r>
+              <a:rPr lang="en-US" sz="1800" b="0" i="0" u="none" strike="noStrike" baseline="0" dirty="0" err="1">
+                <a:latin typeface="Times New Roman" panose="02020603050405020304" pitchFamily="18" charset="0"/>
+                <a:cs typeface="Times New Roman" panose="02020603050405020304" pitchFamily="18" charset="0"/>
+              </a:rPr>
+              <a:t>Begmatov</a:t>
+            </a:r>
+            <a:r>
+              <a:rPr lang="en-US" sz="1800" b="0" i="0" u="none" strike="noStrike" baseline="0" dirty="0">
+                <a:latin typeface="Times New Roman" panose="02020603050405020304" pitchFamily="18" charset="0"/>
+                <a:cs typeface="Times New Roman" panose="02020603050405020304" pitchFamily="18" charset="0"/>
+              </a:rPr>
+              <a:t> dictionary book. </a:t>
+            </a:r>
+          </a:p>
+          <a:p>
+            <a:pPr algn="l"/>
+            <a:r>
+              <a:rPr lang="en-US" sz="1800" b="0" i="0" u="none" strike="noStrike" baseline="0" dirty="0">
+                <a:latin typeface="Times New Roman" panose="02020603050405020304" pitchFamily="18" charset="0"/>
+                <a:cs typeface="Times New Roman" panose="02020603050405020304" pitchFamily="18" charset="0"/>
+              </a:rPr>
+              <a:t>In the Uzbek language digraph with diacritical signs, taking into the availability of letters, we will make several changes. g’, o’ denotes ¯g, ¯o. With these changes, we replace the digraph with one character, which is considered two characters in a word, and it helps to correctly calculate letter frequency. </a:t>
+            </a:r>
+          </a:p>
+          <a:p>
+            <a:pPr algn="l"/>
+            <a:r>
+              <a:rPr lang="en-US" sz="1800" dirty="0">
+                <a:latin typeface="Times New Roman" panose="02020603050405020304" pitchFamily="18" charset="0"/>
+                <a:cs typeface="Times New Roman" panose="02020603050405020304" pitchFamily="18" charset="0"/>
+              </a:rPr>
+              <a:t>D</a:t>
+            </a:r>
+            <a:r>
+              <a:rPr lang="en-US" sz="1800" b="0" i="0" u="none" strike="noStrike" baseline="0" dirty="0">
+                <a:latin typeface="Times New Roman" panose="02020603050405020304" pitchFamily="18" charset="0"/>
+                <a:cs typeface="Times New Roman" panose="02020603050405020304" pitchFamily="18" charset="0"/>
+              </a:rPr>
+              <a:t>igraph letters, </a:t>
+            </a:r>
+            <a:r>
+              <a:rPr lang="en-US" sz="1800" b="0" i="0" u="none" strike="noStrike" baseline="0" dirty="0" err="1">
+                <a:latin typeface="Times New Roman" panose="02020603050405020304" pitchFamily="18" charset="0"/>
+                <a:cs typeface="Times New Roman" panose="02020603050405020304" pitchFamily="18" charset="0"/>
+              </a:rPr>
+              <a:t>ch</a:t>
+            </a:r>
+            <a:r>
+              <a:rPr lang="en-US" sz="1800" b="0" i="0" u="none" strike="noStrike" baseline="0" dirty="0">
+                <a:latin typeface="Times New Roman" panose="02020603050405020304" pitchFamily="18" charset="0"/>
+                <a:cs typeface="Times New Roman" panose="02020603050405020304" pitchFamily="18" charset="0"/>
+              </a:rPr>
+              <a:t> and </a:t>
+            </a:r>
+            <a:r>
+              <a:rPr lang="en-US" sz="1800" b="0" i="0" u="none" strike="noStrike" baseline="0" dirty="0" err="1">
+                <a:latin typeface="Times New Roman" panose="02020603050405020304" pitchFamily="18" charset="0"/>
+                <a:cs typeface="Times New Roman" panose="02020603050405020304" pitchFamily="18" charset="0"/>
+              </a:rPr>
+              <a:t>sh</a:t>
+            </a:r>
+            <a:r>
+              <a:rPr lang="en-US" sz="1800" b="0" i="0" u="none" strike="noStrike" baseline="0" dirty="0">
+                <a:latin typeface="Times New Roman" panose="02020603050405020304" pitchFamily="18" charset="0"/>
+                <a:cs typeface="Times New Roman" panose="02020603050405020304" pitchFamily="18" charset="0"/>
+              </a:rPr>
+              <a:t>, is divided to s and h, two independent letters, while c is not a letter for the Uzbek alphabet. </a:t>
+            </a:r>
+          </a:p>
+          <a:p>
+            <a:pPr algn="l"/>
+            <a:r>
+              <a:rPr lang="en-US" sz="1800" b="0" i="0" u="none" strike="noStrike" baseline="0" dirty="0">
+                <a:latin typeface="Times New Roman" panose="02020603050405020304" pitchFamily="18" charset="0"/>
+                <a:cs typeface="Times New Roman" panose="02020603050405020304" pitchFamily="18" charset="0"/>
+              </a:rPr>
+              <a:t>Uzbek alphabet has the character that is called a phonetic glottal stop (native: </a:t>
+            </a:r>
+            <a:r>
+              <a:rPr lang="en-US" sz="1800" b="0" i="0" u="none" strike="noStrike" baseline="0" dirty="0" err="1">
+                <a:latin typeface="Times New Roman" panose="02020603050405020304" pitchFamily="18" charset="0"/>
+                <a:cs typeface="Times New Roman" panose="02020603050405020304" pitchFamily="18" charset="0"/>
+              </a:rPr>
+              <a:t>Tutuq</a:t>
+            </a:r>
+            <a:r>
+              <a:rPr lang="en-US" sz="1800" b="0" i="0" u="none" strike="noStrike" baseline="0" dirty="0">
+                <a:latin typeface="Times New Roman" panose="02020603050405020304" pitchFamily="18" charset="0"/>
+                <a:cs typeface="Times New Roman" panose="02020603050405020304" pitchFamily="18" charset="0"/>
+              </a:rPr>
+              <a:t> </a:t>
+            </a:r>
+            <a:r>
+              <a:rPr lang="en-US" sz="1800" b="0" i="0" u="none" strike="noStrike" baseline="0" dirty="0" err="1">
+                <a:latin typeface="Times New Roman" panose="02020603050405020304" pitchFamily="18" charset="0"/>
+                <a:cs typeface="Times New Roman" panose="02020603050405020304" pitchFamily="18" charset="0"/>
+              </a:rPr>
+              <a:t>belgisi</a:t>
+            </a:r>
+            <a:r>
+              <a:rPr lang="en-US" sz="1800" b="0" i="0" u="none" strike="noStrike" baseline="0" dirty="0">
+                <a:latin typeface="Times New Roman" panose="02020603050405020304" pitchFamily="18" charset="0"/>
+                <a:cs typeface="Times New Roman" panose="02020603050405020304" pitchFamily="18" charset="0"/>
+              </a:rPr>
+              <a:t>), and although it is not a real letter. In our dataset, the words with this character consist of too few counts (18 words), therefore we omitted these words while filtering words as the dataset. </a:t>
+            </a:r>
+          </a:p>
+          <a:p>
+            <a:pPr algn="l"/>
+            <a:r>
+              <a:rPr lang="en-US" sz="1800" b="0" i="0" u="none" strike="noStrike" baseline="0" dirty="0">
+                <a:latin typeface="Times New Roman" panose="02020603050405020304" pitchFamily="18" charset="0"/>
+                <a:cs typeface="Times New Roman" panose="02020603050405020304" pitchFamily="18" charset="0"/>
+              </a:rPr>
+              <a:t>After these normalizations, left 7948 words within length 3-5 characters. This list of words was filtered by a</a:t>
+            </a:r>
+          </a:p>
+          <a:p>
+            <a:pPr algn="l"/>
+            <a:r>
+              <a:rPr lang="en-US" sz="1800" b="0" i="0" u="none" strike="noStrike" baseline="0" dirty="0">
+                <a:latin typeface="Times New Roman" panose="02020603050405020304" pitchFamily="18" charset="0"/>
+                <a:cs typeface="Times New Roman" panose="02020603050405020304" pitchFamily="18" charset="0"/>
+              </a:rPr>
+              <a:t>native Uzbek speaker. Purpose of the filtering is removing very rare words and an unfamiliar words to child.</a:t>
+            </a:r>
+          </a:p>
+          <a:p>
+            <a:pPr algn="l"/>
+            <a:r>
+              <a:rPr lang="en-US" sz="1800" b="0" i="0" u="none" strike="noStrike" baseline="0" dirty="0">
+                <a:latin typeface="Times New Roman" panose="02020603050405020304" pitchFamily="18" charset="0"/>
+                <a:cs typeface="Times New Roman" panose="02020603050405020304" pitchFamily="18" charset="0"/>
+              </a:rPr>
+              <a:t>To check the accuracy of our model in other language, English dataset was obtained from ESL Forums online web page (https://eslforums.com) that designed for young children to learn English language. It is contain list of common words that have 3-5 letters in English.</a:t>
+            </a:r>
+            <a:endParaRPr lang="en-US" dirty="0">
+              <a:latin typeface="Times New Roman" panose="02020603050405020304" pitchFamily="18" charset="0"/>
+              <a:cs typeface="Times New Roman" panose="02020603050405020304" pitchFamily="18" charset="0"/>
+            </a:endParaRPr>
+          </a:p>
+        </p:txBody>
+      </p:sp>
+      <p:pic>
+        <p:nvPicPr>
+          <p:cNvPr id="4" name="Picture 3">
+            <a:extLst>
+              <a:ext uri="{FF2B5EF4-FFF2-40B4-BE49-F238E27FC236}">
+                <a16:creationId xmlns:a16="http://schemas.microsoft.com/office/drawing/2014/main" id="{777B1467-9DD7-8139-1D32-8A1DF275FD24}"/>
+              </a:ext>
+            </a:extLst>
+          </p:cNvPr>
+          <p:cNvPicPr>
+            <a:picLocks noChangeAspect="1"/>
+          </p:cNvPicPr>
+          <p:nvPr/>
+        </p:nvPicPr>
+        <p:blipFill>
+          <a:blip r:embed="rId2"/>
+          <a:stretch>
+            <a:fillRect/>
+          </a:stretch>
+        </p:blipFill>
+        <p:spPr>
+          <a:xfrm>
+            <a:off x="2112857" y="5207192"/>
+            <a:ext cx="7983064" cy="1419423"/>
+          </a:xfrm>
+          <a:prstGeom prst="rect">
+            <a:avLst/>
+          </a:prstGeom>
+        </p:spPr>
+      </p:pic>
     </p:spTree>
     <p:extLst>
       <p:ext uri="{BB962C8B-B14F-4D97-AF65-F5344CB8AC3E}">
-        <p14:creationId xmlns:p14="http://schemas.microsoft.com/office/powerpoint/2010/main" val="478147198"/>
+        <p14:creationId xmlns:p14="http://schemas.microsoft.com/office/powerpoint/2010/main" val="2637110431"/>
       </p:ext>
     </p:extLst>
   </p:cSld>
@@ -4296,7 +6210,7 @@
           <p:cNvPr id="2" name="Title 1">
             <a:extLst>
               <a:ext uri="{FF2B5EF4-FFF2-40B4-BE49-F238E27FC236}">
-                <a16:creationId xmlns:a16="http://schemas.microsoft.com/office/drawing/2014/main" id="{8A715065-159D-CF14-4FE2-0B9AEC91BE96}"/>
+                <a16:creationId xmlns:a16="http://schemas.microsoft.com/office/drawing/2014/main" id="{EC9B6288-6C48-C2B1-3674-3EE5DE410EE1}"/>
               </a:ext>
             </a:extLst>
           </p:cNvPr>
@@ -4314,7 +6228,7 @@
           <a:p>
             <a:r>
               <a:rPr lang="en-US" dirty="0"/>
-              <a:t>Approach II</a:t>
+              <a:t>Vowel Patterns</a:t>
             </a:r>
           </a:p>
         </p:txBody>
@@ -4324,7 +6238,7 @@
           <p:cNvPr id="3" name="Content Placeholder 2">
             <a:extLst>
               <a:ext uri="{FF2B5EF4-FFF2-40B4-BE49-F238E27FC236}">
-                <a16:creationId xmlns:a16="http://schemas.microsoft.com/office/drawing/2014/main" id="{E5EEDAED-9EAB-AD47-471B-1EE63127A8E6}"/>
+                <a16:creationId xmlns:a16="http://schemas.microsoft.com/office/drawing/2014/main" id="{BE054A32-6263-2B26-95CA-AF457B041354}"/>
               </a:ext>
             </a:extLst>
           </p:cNvPr>
@@ -4344,10 +6258,40 @@
           </a:p>
         </p:txBody>
       </p:sp>
+      <p:pic>
+        <p:nvPicPr>
+          <p:cNvPr id="4" name="Picture 3">
+            <a:extLst>
+              <a:ext uri="{FF2B5EF4-FFF2-40B4-BE49-F238E27FC236}">
+                <a16:creationId xmlns:a16="http://schemas.microsoft.com/office/drawing/2014/main" id="{E683DF9B-35F8-3E7E-A7FE-F0AD4ECB3EB4}"/>
+              </a:ext>
+            </a:extLst>
+          </p:cNvPr>
+          <p:cNvPicPr>
+            <a:picLocks noChangeAspect="1"/>
+          </p:cNvPicPr>
+          <p:nvPr/>
+        </p:nvPicPr>
+        <p:blipFill>
+          <a:blip r:embed="rId2"/>
+          <a:stretch>
+            <a:fillRect/>
+          </a:stretch>
+        </p:blipFill>
+        <p:spPr>
+          <a:xfrm>
+            <a:off x="426468" y="1861372"/>
+            <a:ext cx="11339063" cy="4022689"/>
+          </a:xfrm>
+          <a:prstGeom prst="rect">
+            <a:avLst/>
+          </a:prstGeom>
+        </p:spPr>
+      </p:pic>
     </p:spTree>
     <p:extLst>
       <p:ext uri="{BB962C8B-B14F-4D97-AF65-F5344CB8AC3E}">
-        <p14:creationId xmlns:p14="http://schemas.microsoft.com/office/powerpoint/2010/main" val="3928132161"/>
+        <p14:creationId xmlns:p14="http://schemas.microsoft.com/office/powerpoint/2010/main" val="1044558186"/>
       </p:ext>
     </p:extLst>
   </p:cSld>
@@ -4379,7 +6323,7 @@
           <p:cNvPr id="2" name="Title 1">
             <a:extLst>
               <a:ext uri="{FF2B5EF4-FFF2-40B4-BE49-F238E27FC236}">
-                <a16:creationId xmlns:a16="http://schemas.microsoft.com/office/drawing/2014/main" id="{3E26CEF4-2ECA-10ED-E75C-BB14FF72DA00}"/>
+                <a16:creationId xmlns:a16="http://schemas.microsoft.com/office/drawing/2014/main" id="{6C3916CA-D002-8DA8-4E43-E6972054BBA9}"/>
               </a:ext>
             </a:extLst>
           </p:cNvPr>
@@ -4390,14 +6334,19 @@
             <p:ph type="title"/>
           </p:nvPr>
         </p:nvSpPr>
-        <p:spPr/>
+        <p:spPr>
+          <a:xfrm>
+            <a:off x="838200" y="365126"/>
+            <a:ext cx="10515600" cy="1086170"/>
+          </a:xfrm>
+        </p:spPr>
         <p:txBody>
           <a:bodyPr/>
           <a:lstStyle/>
           <a:p>
             <a:r>
               <a:rPr lang="en-US" dirty="0"/>
-              <a:t>Results</a:t>
+              <a:t>Restrictions</a:t>
             </a:r>
           </a:p>
         </p:txBody>
@@ -4407,7 +6356,7 @@
           <p:cNvPr id="3" name="Content Placeholder 2">
             <a:extLst>
               <a:ext uri="{FF2B5EF4-FFF2-40B4-BE49-F238E27FC236}">
-                <a16:creationId xmlns:a16="http://schemas.microsoft.com/office/drawing/2014/main" id="{3FB37BED-B43F-C509-49FB-1676C8B5A5B1}"/>
+                <a16:creationId xmlns:a16="http://schemas.microsoft.com/office/drawing/2014/main" id="{6AB69F8B-5FBB-D2FE-56CB-CE478DC9272E}"/>
               </a:ext>
             </a:extLst>
           </p:cNvPr>
@@ -4418,19 +6367,78 @@
             <p:ph idx="1"/>
           </p:nvPr>
         </p:nvSpPr>
-        <p:spPr/>
-        <p:txBody>
-          <a:bodyPr/>
-          <a:lstStyle/>
-          <a:p>
-            <a:endParaRPr lang="en-US"/>
+        <p:spPr>
+          <a:xfrm>
+            <a:off x="1098259" y="1690688"/>
+            <a:ext cx="9505426" cy="4351338"/>
+          </a:xfrm>
+        </p:spPr>
+        <p:txBody>
+          <a:bodyPr>
+            <a:normAutofit/>
+          </a:bodyPr>
+          <a:lstStyle/>
+          <a:p>
+            <a:pPr algn="l"/>
+            <a:r>
+              <a:rPr lang="en-US" sz="2200" b="1" i="0" u="none" strike="noStrike" baseline="0" dirty="0">
+                <a:latin typeface="Times New Roman" panose="02020603050405020304" pitchFamily="18" charset="0"/>
+                <a:cs typeface="Times New Roman" panose="02020603050405020304" pitchFamily="18" charset="0"/>
+              </a:rPr>
+              <a:t>All letters from the alphabet of the language must take a place in the set of cubes. </a:t>
+            </a:r>
+            <a:r>
+              <a:rPr lang="en-US" sz="2200" b="0" i="0" u="none" strike="noStrike" baseline="0" dirty="0">
+                <a:latin typeface="Times New Roman" panose="02020603050405020304" pitchFamily="18" charset="0"/>
+                <a:cs typeface="Times New Roman" panose="02020603050405020304" pitchFamily="18" charset="0"/>
+              </a:rPr>
+              <a:t>Since the game is designed to improve the work of letters in young children, when they play with cubes during the game, they will get acquainted with all the letters in the alphabet of the language.</a:t>
+            </a:r>
+          </a:p>
+          <a:p>
+            <a:pPr algn="l"/>
+            <a:r>
+              <a:rPr lang="en-US" sz="2200" b="1" i="0" u="none" strike="noStrike" baseline="0" dirty="0">
+                <a:latin typeface="Times New Roman" panose="02020603050405020304" pitchFamily="18" charset="0"/>
+                <a:cs typeface="Times New Roman" panose="02020603050405020304" pitchFamily="18" charset="0"/>
+              </a:rPr>
+              <a:t>A letter can not be placed two times or more on a single cube.  </a:t>
+            </a:r>
+            <a:r>
+              <a:rPr lang="en-US" sz="2200" b="0" i="0" u="none" strike="noStrike" baseline="0" dirty="0">
+                <a:latin typeface="Times New Roman" panose="02020603050405020304" pitchFamily="18" charset="0"/>
+                <a:cs typeface="Times New Roman" panose="02020603050405020304" pitchFamily="18" charset="0"/>
+              </a:rPr>
+              <a:t>During the matching letters of the word, a player can use only one side of a cube while forming a word, according to this fact when a letter is placed more than one time on the cube it is ineffective. According to placing different letters, we should make as many words as possible. </a:t>
+            </a:r>
+            <a:endParaRPr lang="en-US" sz="2200" dirty="0">
+              <a:latin typeface="Times New Roman" panose="02020603050405020304" pitchFamily="18" charset="0"/>
+              <a:cs typeface="Times New Roman" panose="02020603050405020304" pitchFamily="18" charset="0"/>
+            </a:endParaRPr>
+          </a:p>
+          <a:p>
+            <a:pPr algn="l"/>
+            <a:r>
+              <a:rPr lang="en-US" sz="2200" b="1" i="0" u="none" strike="noStrike" baseline="0" dirty="0">
+                <a:latin typeface="Times New Roman" panose="02020603050405020304" pitchFamily="18" charset="0"/>
+                <a:cs typeface="Times New Roman" panose="02020603050405020304" pitchFamily="18" charset="0"/>
+              </a:rPr>
+              <a:t>The count of vowel letters for each cube is two</a:t>
+            </a:r>
+            <a:r>
+              <a:rPr lang="en-US" sz="2200" b="0" i="0" u="none" strike="noStrike" baseline="0" dirty="0">
+                <a:latin typeface="Times New Roman" panose="02020603050405020304" pitchFamily="18" charset="0"/>
+                <a:cs typeface="Times New Roman" panose="02020603050405020304" pitchFamily="18" charset="0"/>
+              </a:rPr>
+              <a:t> (or three, depending on the method). This restriction provides an almost equal number of vowel letters for different cubes.</a:t>
+            </a:r>
           </a:p>
         </p:txBody>
       </p:sp>
     </p:spTree>
     <p:extLst>
       <p:ext uri="{BB962C8B-B14F-4D97-AF65-F5344CB8AC3E}">
-        <p14:creationId xmlns:p14="http://schemas.microsoft.com/office/powerpoint/2010/main" val="2196441568"/>
+        <p14:creationId xmlns:p14="http://schemas.microsoft.com/office/powerpoint/2010/main" val="521745817"/>
       </p:ext>
     </p:extLst>
   </p:cSld>

--- a/Presentation.pptx
+++ b/Presentation.pptx
@@ -3385,31 +3385,6 @@
           </a:p>
         </p:txBody>
       </p:sp>
-      <p:sp>
-        <p:nvSpPr>
-          <p:cNvPr id="3" name="Subtitle 2">
-            <a:extLst>
-              <a:ext uri="{FF2B5EF4-FFF2-40B4-BE49-F238E27FC236}">
-                <a16:creationId xmlns:a16="http://schemas.microsoft.com/office/drawing/2014/main" id="{CF3009B5-D234-0915-7759-CE139226796F}"/>
-              </a:ext>
-            </a:extLst>
-          </p:cNvPr>
-          <p:cNvSpPr>
-            <a:spLocks noGrp="1"/>
-          </p:cNvSpPr>
-          <p:nvPr>
-            <p:ph type="subTitle" idx="1"/>
-          </p:nvPr>
-        </p:nvSpPr>
-        <p:spPr/>
-        <p:txBody>
-          <a:bodyPr/>
-          <a:lstStyle/>
-          <a:p>
-            <a:endParaRPr lang="en-US" dirty="0"/>
-          </a:p>
-        </p:txBody>
-      </p:sp>
     </p:spTree>
     <p:extLst>
       <p:ext uri="{BB962C8B-B14F-4D97-AF65-F5344CB8AC3E}">
@@ -3468,31 +3443,68 @@
           </a:p>
         </p:txBody>
       </p:sp>
-      <p:sp>
-        <p:nvSpPr>
-          <p:cNvPr id="3" name="Content Placeholder 2">
-            <a:extLst>
-              <a:ext uri="{FF2B5EF4-FFF2-40B4-BE49-F238E27FC236}">
-                <a16:creationId xmlns:a16="http://schemas.microsoft.com/office/drawing/2014/main" id="{521B01EE-3A27-7E0E-3ED6-FA2C53C209B8}"/>
-              </a:ext>
-            </a:extLst>
-          </p:cNvPr>
-          <p:cNvSpPr>
-            <a:spLocks noGrp="1"/>
-          </p:cNvSpPr>
+      <p:pic>
+        <p:nvPicPr>
+          <p:cNvPr id="4" name="Picture 3">
+            <a:extLst>
+              <a:ext uri="{FF2B5EF4-FFF2-40B4-BE49-F238E27FC236}">
+                <a16:creationId xmlns:a16="http://schemas.microsoft.com/office/drawing/2014/main" id="{A00D39A8-D0F9-1951-EEEF-1FD1E27FE6CA}"/>
+              </a:ext>
+            </a:extLst>
+          </p:cNvPr>
+          <p:cNvPicPr>
+            <a:picLocks noChangeAspect="1"/>
+          </p:cNvPicPr>
+          <p:nvPr/>
+        </p:nvPicPr>
+        <p:blipFill>
+          <a:blip r:embed="rId2"/>
+          <a:stretch>
+            <a:fillRect/>
+          </a:stretch>
+        </p:blipFill>
+        <p:spPr>
+          <a:xfrm>
+            <a:off x="443917" y="1782967"/>
+            <a:ext cx="8020574" cy="3985501"/>
+          </a:xfrm>
+          <a:prstGeom prst="rect">
+            <a:avLst/>
+          </a:prstGeom>
+        </p:spPr>
+      </p:pic>
+      <p:pic>
+        <p:nvPicPr>
+          <p:cNvPr id="5" name="Content Placeholder 4">
+            <a:extLst>
+              <a:ext uri="{FF2B5EF4-FFF2-40B4-BE49-F238E27FC236}">
+                <a16:creationId xmlns:a16="http://schemas.microsoft.com/office/drawing/2014/main" id="{AF9FA0AD-E3C2-6C2E-7D34-3070BC7BA069}"/>
+              </a:ext>
+            </a:extLst>
+          </p:cNvPr>
+          <p:cNvPicPr>
+            <a:picLocks noGrp="1" noChangeAspect="1"/>
+          </p:cNvPicPr>
           <p:nvPr>
             <p:ph idx="1"/>
           </p:nvPr>
-        </p:nvSpPr>
-        <p:spPr/>
-        <p:txBody>
-          <a:bodyPr/>
-          <a:lstStyle/>
-          <a:p>
-            <a:endParaRPr lang="en-US"/>
-          </a:p>
-        </p:txBody>
-      </p:sp>
+        </p:nvPicPr>
+        <p:blipFill>
+          <a:blip r:embed="rId3"/>
+          <a:stretch>
+            <a:fillRect/>
+          </a:stretch>
+        </p:blipFill>
+        <p:spPr>
+          <a:xfrm>
+            <a:off x="8737918" y="1998336"/>
+            <a:ext cx="3172268" cy="2495898"/>
+          </a:xfrm>
+          <a:prstGeom prst="rect">
+            <a:avLst/>
+          </a:prstGeom>
+        </p:spPr>
+      </p:pic>
     </p:spTree>
     <p:extLst>
       <p:ext uri="{BB962C8B-B14F-4D97-AF65-F5344CB8AC3E}">
@@ -3598,7 +3610,7 @@
         </p:blipFill>
         <p:spPr>
           <a:xfrm>
-            <a:off x="9553324" y="1825625"/>
+            <a:off x="9796605" y="1690688"/>
             <a:ext cx="1800476" cy="3296110"/>
           </a:xfrm>
           <a:prstGeom prst="rect">
@@ -3608,10 +3620,10 @@
       </p:pic>
       <p:pic>
         <p:nvPicPr>
-          <p:cNvPr id="5" name="Picture 4">
-            <a:extLst>
-              <a:ext uri="{FF2B5EF4-FFF2-40B4-BE49-F238E27FC236}">
-                <a16:creationId xmlns:a16="http://schemas.microsoft.com/office/drawing/2014/main" id="{13A76E44-2DB1-2148-D25C-A2812B19E666}"/>
+          <p:cNvPr id="6" name="Picture 5">
+            <a:extLst>
+              <a:ext uri="{FF2B5EF4-FFF2-40B4-BE49-F238E27FC236}">
+                <a16:creationId xmlns:a16="http://schemas.microsoft.com/office/drawing/2014/main" id="{641752BF-E721-836F-7459-FA41ACC1B997}"/>
               </a:ext>
             </a:extLst>
           </p:cNvPr>
@@ -3628,8 +3640,8 @@
         </p:blipFill>
         <p:spPr>
           <a:xfrm>
-            <a:off x="6243157" y="1825625"/>
-            <a:ext cx="3172268" cy="2495898"/>
+            <a:off x="723057" y="1780945"/>
+            <a:ext cx="8699707" cy="3296110"/>
           </a:xfrm>
           <a:prstGeom prst="rect">
             <a:avLst/>
@@ -4629,205 +4641,355 @@
           <a:lstStyle/>
           <a:p>
             <a:r>
-              <a:rPr lang="en-US" sz="2200" dirty="0"/>
+              <a:rPr lang="en-US" sz="2200" dirty="0">
+                <a:latin typeface="Times New Roman" panose="02020603050405020304" pitchFamily="18" charset="0"/>
+                <a:cs typeface="Times New Roman" panose="02020603050405020304" pitchFamily="18" charset="0"/>
+              </a:rPr>
               <a:t>Approach1 – </a:t>
             </a:r>
             <a:r>
-              <a:rPr lang="en-US" sz="2200" dirty="0" err="1"/>
+              <a:rPr lang="en-US" sz="2200" dirty="0" err="1">
+                <a:latin typeface="Times New Roman" panose="02020603050405020304" pitchFamily="18" charset="0"/>
+                <a:cs typeface="Times New Roman" panose="02020603050405020304" pitchFamily="18" charset="0"/>
+              </a:rPr>
               <a:t>Xarflar</a:t>
             </a:r>
             <a:r>
-              <a:rPr lang="en-US" sz="2200" dirty="0"/>
+              <a:rPr lang="en-US" sz="2200" dirty="0">
+                <a:latin typeface="Times New Roman" panose="02020603050405020304" pitchFamily="18" charset="0"/>
+                <a:cs typeface="Times New Roman" panose="02020603050405020304" pitchFamily="18" charset="0"/>
+              </a:rPr>
               <a:t> </a:t>
             </a:r>
             <a:r>
-              <a:rPr lang="en-US" sz="2200" dirty="0" err="1"/>
+              <a:rPr lang="en-US" sz="2200" dirty="0" err="1">
+                <a:latin typeface="Times New Roman" panose="02020603050405020304" pitchFamily="18" charset="0"/>
+                <a:cs typeface="Times New Roman" panose="02020603050405020304" pitchFamily="18" charset="0"/>
+              </a:rPr>
               <a:t>to’plamidan</a:t>
             </a:r>
             <a:r>
-              <a:rPr lang="en-US" sz="2200" dirty="0"/>
+              <a:rPr lang="en-US" sz="2200" dirty="0">
+                <a:latin typeface="Times New Roman" panose="02020603050405020304" pitchFamily="18" charset="0"/>
+                <a:cs typeface="Times New Roman" panose="02020603050405020304" pitchFamily="18" charset="0"/>
+              </a:rPr>
               <a:t> </a:t>
             </a:r>
             <a:r>
-              <a:rPr lang="en-US" sz="2200" dirty="0" err="1"/>
+              <a:rPr lang="en-US" sz="2200" dirty="0" err="1">
+                <a:latin typeface="Times New Roman" panose="02020603050405020304" pitchFamily="18" charset="0"/>
+                <a:cs typeface="Times New Roman" panose="02020603050405020304" pitchFamily="18" charset="0"/>
+              </a:rPr>
               <a:t>tasodifiy</a:t>
             </a:r>
             <a:r>
-              <a:rPr lang="en-US" sz="2200" dirty="0"/>
+              <a:rPr lang="en-US" sz="2200" dirty="0">
+                <a:latin typeface="Times New Roman" panose="02020603050405020304" pitchFamily="18" charset="0"/>
+                <a:cs typeface="Times New Roman" panose="02020603050405020304" pitchFamily="18" charset="0"/>
+              </a:rPr>
               <a:t> </a:t>
             </a:r>
             <a:r>
-              <a:rPr lang="en-US" sz="2200" dirty="0" err="1"/>
+              <a:rPr lang="en-US" sz="2200" dirty="0" err="1">
+                <a:latin typeface="Times New Roman" panose="02020603050405020304" pitchFamily="18" charset="0"/>
+                <a:cs typeface="Times New Roman" panose="02020603050405020304" pitchFamily="18" charset="0"/>
+              </a:rPr>
               <a:t>tanlab</a:t>
             </a:r>
             <a:r>
-              <a:rPr lang="en-US" sz="2200" dirty="0"/>
+              <a:rPr lang="en-US" sz="2200" dirty="0">
+                <a:latin typeface="Times New Roman" panose="02020603050405020304" pitchFamily="18" charset="0"/>
+                <a:cs typeface="Times New Roman" panose="02020603050405020304" pitchFamily="18" charset="0"/>
+              </a:rPr>
               <a:t> </a:t>
             </a:r>
             <a:r>
-              <a:rPr lang="en-US" sz="2200" dirty="0" err="1"/>
+              <a:rPr lang="en-US" sz="2200" dirty="0" err="1">
+                <a:latin typeface="Times New Roman" panose="02020603050405020304" pitchFamily="18" charset="0"/>
+                <a:cs typeface="Times New Roman" panose="02020603050405020304" pitchFamily="18" charset="0"/>
+              </a:rPr>
               <a:t>olingan</a:t>
             </a:r>
             <a:r>
-              <a:rPr lang="en-US" sz="2200" dirty="0"/>
+              <a:rPr lang="en-US" sz="2200" dirty="0">
+                <a:latin typeface="Times New Roman" panose="02020603050405020304" pitchFamily="18" charset="0"/>
+                <a:cs typeface="Times New Roman" panose="02020603050405020304" pitchFamily="18" charset="0"/>
+              </a:rPr>
               <a:t> </a:t>
             </a:r>
             <a:r>
-              <a:rPr lang="en-US" sz="2200" dirty="0" err="1"/>
+              <a:rPr lang="en-US" sz="2200" dirty="0" err="1">
+                <a:latin typeface="Times New Roman" panose="02020603050405020304" pitchFamily="18" charset="0"/>
+                <a:cs typeface="Times New Roman" panose="02020603050405020304" pitchFamily="18" charset="0"/>
+              </a:rPr>
               <a:t>holda</a:t>
             </a:r>
             <a:r>
-              <a:rPr lang="en-US" sz="2200" dirty="0"/>
+              <a:rPr lang="en-US" sz="2200" dirty="0">
+                <a:latin typeface="Times New Roman" panose="02020603050405020304" pitchFamily="18" charset="0"/>
+                <a:cs typeface="Times New Roman" panose="02020603050405020304" pitchFamily="18" charset="0"/>
+              </a:rPr>
               <a:t> </a:t>
             </a:r>
             <a:r>
-              <a:rPr lang="en-US" sz="2200" dirty="0" err="1"/>
+              <a:rPr lang="en-US" sz="2200" dirty="0" err="1">
+                <a:latin typeface="Times New Roman" panose="02020603050405020304" pitchFamily="18" charset="0"/>
+                <a:cs typeface="Times New Roman" panose="02020603050405020304" pitchFamily="18" charset="0"/>
+              </a:rPr>
               <a:t>yasaladi</a:t>
             </a:r>
             <a:r>
-              <a:rPr lang="en-US" sz="2200" dirty="0"/>
+              <a:rPr lang="en-US" sz="2200" dirty="0">
+                <a:latin typeface="Times New Roman" panose="02020603050405020304" pitchFamily="18" charset="0"/>
+                <a:cs typeface="Times New Roman" panose="02020603050405020304" pitchFamily="18" charset="0"/>
+              </a:rPr>
               <a:t>.</a:t>
             </a:r>
           </a:p>
           <a:p>
-            <a:endParaRPr lang="en-US" sz="2200" dirty="0"/>
-          </a:p>
-          <a:p>
-            <a:r>
-              <a:rPr lang="en-US" sz="2200" dirty="0"/>
+            <a:endParaRPr lang="en-US" sz="2200" dirty="0">
+              <a:latin typeface="Times New Roman" panose="02020603050405020304" pitchFamily="18" charset="0"/>
+              <a:cs typeface="Times New Roman" panose="02020603050405020304" pitchFamily="18" charset="0"/>
+            </a:endParaRPr>
+          </a:p>
+          <a:p>
+            <a:r>
+              <a:rPr lang="en-US" sz="2200" dirty="0">
+                <a:latin typeface="Times New Roman" panose="02020603050405020304" pitchFamily="18" charset="0"/>
+                <a:cs typeface="Times New Roman" panose="02020603050405020304" pitchFamily="18" charset="0"/>
+              </a:rPr>
               <a:t>Approach2 – </a:t>
             </a:r>
             <a:r>
-              <a:rPr lang="en-US" sz="2200" dirty="0" err="1"/>
+              <a:rPr lang="en-US" sz="2200" dirty="0" err="1">
+                <a:latin typeface="Times New Roman" panose="02020603050405020304" pitchFamily="18" charset="0"/>
+                <a:cs typeface="Times New Roman" panose="02020603050405020304" pitchFamily="18" charset="0"/>
+              </a:rPr>
               <a:t>Kubiklar</a:t>
             </a:r>
             <a:r>
-              <a:rPr lang="en-US" sz="2200" dirty="0"/>
+              <a:rPr lang="en-US" sz="2200" dirty="0">
+                <a:latin typeface="Times New Roman" panose="02020603050405020304" pitchFamily="18" charset="0"/>
+                <a:cs typeface="Times New Roman" panose="02020603050405020304" pitchFamily="18" charset="0"/>
+              </a:rPr>
               <a:t> </a:t>
             </a:r>
             <a:r>
-              <a:rPr lang="en-US" sz="2200" dirty="0" err="1"/>
+              <a:rPr lang="en-US" sz="2200" dirty="0" err="1">
+                <a:latin typeface="Times New Roman" panose="02020603050405020304" pitchFamily="18" charset="0"/>
+                <a:cs typeface="Times New Roman" panose="02020603050405020304" pitchFamily="18" charset="0"/>
+              </a:rPr>
               <a:t>yasash</a:t>
             </a:r>
             <a:r>
-              <a:rPr lang="en-US" sz="2200" dirty="0"/>
+              <a:rPr lang="en-US" sz="2200" dirty="0">
+                <a:latin typeface="Times New Roman" panose="02020603050405020304" pitchFamily="18" charset="0"/>
+                <a:cs typeface="Times New Roman" panose="02020603050405020304" pitchFamily="18" charset="0"/>
+              </a:rPr>
               <a:t> </a:t>
             </a:r>
             <a:r>
-              <a:rPr lang="en-US" sz="2200" dirty="0" err="1"/>
+              <a:rPr lang="en-US" sz="2200" dirty="0" err="1">
+                <a:latin typeface="Times New Roman" panose="02020603050405020304" pitchFamily="18" charset="0"/>
+                <a:cs typeface="Times New Roman" panose="02020603050405020304" pitchFamily="18" charset="0"/>
+              </a:rPr>
               <a:t>uchun</a:t>
             </a:r>
             <a:r>
-              <a:rPr lang="en-US" sz="2200" dirty="0"/>
+              <a:rPr lang="en-US" sz="2200" dirty="0">
+                <a:latin typeface="Times New Roman" panose="02020603050405020304" pitchFamily="18" charset="0"/>
+                <a:cs typeface="Times New Roman" panose="02020603050405020304" pitchFamily="18" charset="0"/>
+              </a:rPr>
               <a:t> </a:t>
             </a:r>
             <a:r>
-              <a:rPr lang="en-US" sz="2200" dirty="0" err="1"/>
+              <a:rPr lang="en-US" sz="2200" dirty="0" err="1">
+                <a:latin typeface="Times New Roman" panose="02020603050405020304" pitchFamily="18" charset="0"/>
+                <a:cs typeface="Times New Roman" panose="02020603050405020304" pitchFamily="18" charset="0"/>
+              </a:rPr>
               <a:t>yetarlicha</a:t>
             </a:r>
             <a:r>
-              <a:rPr lang="en-US" sz="2200" dirty="0"/>
+              <a:rPr lang="en-US" sz="2200" dirty="0">
+                <a:latin typeface="Times New Roman" panose="02020603050405020304" pitchFamily="18" charset="0"/>
+                <a:cs typeface="Times New Roman" panose="02020603050405020304" pitchFamily="18" charset="0"/>
+              </a:rPr>
               <a:t> </a:t>
             </a:r>
             <a:r>
-              <a:rPr lang="en-US" sz="2200" dirty="0" err="1"/>
+              <a:rPr lang="en-US" sz="2200" dirty="0" err="1">
+                <a:latin typeface="Times New Roman" panose="02020603050405020304" pitchFamily="18" charset="0"/>
+                <a:cs typeface="Times New Roman" panose="02020603050405020304" pitchFamily="18" charset="0"/>
+              </a:rPr>
               <a:t>bo’lgan</a:t>
             </a:r>
             <a:r>
-              <a:rPr lang="en-US" sz="2200" dirty="0"/>
+              <a:rPr lang="en-US" sz="2200" dirty="0">
+                <a:latin typeface="Times New Roman" panose="02020603050405020304" pitchFamily="18" charset="0"/>
+                <a:cs typeface="Times New Roman" panose="02020603050405020304" pitchFamily="18" charset="0"/>
+              </a:rPr>
               <a:t> </a:t>
             </a:r>
             <a:r>
-              <a:rPr lang="en-US" sz="2200" dirty="0" err="1"/>
+              <a:rPr lang="en-US" sz="2200" dirty="0" err="1">
+                <a:latin typeface="Times New Roman" panose="02020603050405020304" pitchFamily="18" charset="0"/>
+                <a:cs typeface="Times New Roman" panose="02020603050405020304" pitchFamily="18" charset="0"/>
+              </a:rPr>
               <a:t>xarflar</a:t>
             </a:r>
             <a:r>
-              <a:rPr lang="en-US" sz="2200" dirty="0"/>
+              <a:rPr lang="en-US" sz="2200" dirty="0">
+                <a:latin typeface="Times New Roman" panose="02020603050405020304" pitchFamily="18" charset="0"/>
+                <a:cs typeface="Times New Roman" panose="02020603050405020304" pitchFamily="18" charset="0"/>
+              </a:rPr>
               <a:t> </a:t>
             </a:r>
             <a:r>
-              <a:rPr lang="en-US" sz="2200" dirty="0" err="1"/>
+              <a:rPr lang="en-US" sz="2200" dirty="0" err="1">
+                <a:latin typeface="Times New Roman" panose="02020603050405020304" pitchFamily="18" charset="0"/>
+                <a:cs typeface="Times New Roman" panose="02020603050405020304" pitchFamily="18" charset="0"/>
+              </a:rPr>
               <a:t>to’plamidan</a:t>
             </a:r>
             <a:r>
-              <a:rPr lang="en-US" sz="2200" dirty="0"/>
+              <a:rPr lang="en-US" sz="2200" dirty="0">
+                <a:latin typeface="Times New Roman" panose="02020603050405020304" pitchFamily="18" charset="0"/>
+                <a:cs typeface="Times New Roman" panose="02020603050405020304" pitchFamily="18" charset="0"/>
+              </a:rPr>
               <a:t> </a:t>
             </a:r>
             <a:r>
-              <a:rPr lang="en-US" sz="2200" dirty="0" err="1"/>
+              <a:rPr lang="en-US" sz="2200" dirty="0" err="1">
+                <a:latin typeface="Times New Roman" panose="02020603050405020304" pitchFamily="18" charset="0"/>
+                <a:cs typeface="Times New Roman" panose="02020603050405020304" pitchFamily="18" charset="0"/>
+              </a:rPr>
               <a:t>tasodifiy</a:t>
             </a:r>
             <a:r>
-              <a:rPr lang="en-US" sz="2200" dirty="0"/>
+              <a:rPr lang="en-US" sz="2200" dirty="0">
+                <a:latin typeface="Times New Roman" panose="02020603050405020304" pitchFamily="18" charset="0"/>
+                <a:cs typeface="Times New Roman" panose="02020603050405020304" pitchFamily="18" charset="0"/>
+              </a:rPr>
               <a:t> </a:t>
             </a:r>
             <a:r>
-              <a:rPr lang="en-US" sz="2200" dirty="0" err="1"/>
+              <a:rPr lang="en-US" sz="2200" dirty="0" err="1">
+                <a:latin typeface="Times New Roman" panose="02020603050405020304" pitchFamily="18" charset="0"/>
+                <a:cs typeface="Times New Roman" panose="02020603050405020304" pitchFamily="18" charset="0"/>
+              </a:rPr>
               <a:t>tanlab</a:t>
             </a:r>
             <a:r>
-              <a:rPr lang="en-US" sz="2200" dirty="0"/>
+              <a:rPr lang="en-US" sz="2200" dirty="0">
+                <a:latin typeface="Times New Roman" panose="02020603050405020304" pitchFamily="18" charset="0"/>
+                <a:cs typeface="Times New Roman" panose="02020603050405020304" pitchFamily="18" charset="0"/>
+              </a:rPr>
               <a:t> </a:t>
             </a:r>
             <a:r>
-              <a:rPr lang="en-US" sz="2200" dirty="0" err="1"/>
+              <a:rPr lang="en-US" sz="2200" dirty="0" err="1">
+                <a:latin typeface="Times New Roman" panose="02020603050405020304" pitchFamily="18" charset="0"/>
+                <a:cs typeface="Times New Roman" panose="02020603050405020304" pitchFamily="18" charset="0"/>
+              </a:rPr>
               <a:t>olingan</a:t>
             </a:r>
             <a:r>
-              <a:rPr lang="en-US" sz="2200" dirty="0"/>
+              <a:rPr lang="en-US" sz="2200" dirty="0">
+                <a:latin typeface="Times New Roman" panose="02020603050405020304" pitchFamily="18" charset="0"/>
+                <a:cs typeface="Times New Roman" panose="02020603050405020304" pitchFamily="18" charset="0"/>
+              </a:rPr>
               <a:t> element </a:t>
             </a:r>
             <a:r>
-              <a:rPr lang="en-US" sz="2200" dirty="0" err="1"/>
+              <a:rPr lang="en-US" sz="2200" dirty="0" err="1">
+                <a:latin typeface="Times New Roman" panose="02020603050405020304" pitchFamily="18" charset="0"/>
+                <a:cs typeface="Times New Roman" panose="02020603050405020304" pitchFamily="18" charset="0"/>
+              </a:rPr>
               <a:t>kubik</a:t>
             </a:r>
             <a:r>
-              <a:rPr lang="en-US" sz="2200" dirty="0"/>
+              <a:rPr lang="en-US" sz="2200" dirty="0">
+                <a:latin typeface="Times New Roman" panose="02020603050405020304" pitchFamily="18" charset="0"/>
+                <a:cs typeface="Times New Roman" panose="02020603050405020304" pitchFamily="18" charset="0"/>
+              </a:rPr>
               <a:t> </a:t>
             </a:r>
             <a:r>
-              <a:rPr lang="en-US" sz="2200" dirty="0" err="1"/>
+              <a:rPr lang="en-US" sz="2200" dirty="0" err="1">
+                <a:latin typeface="Times New Roman" panose="02020603050405020304" pitchFamily="18" charset="0"/>
+                <a:cs typeface="Times New Roman" panose="02020603050405020304" pitchFamily="18" charset="0"/>
+              </a:rPr>
               <a:t>yasashda</a:t>
             </a:r>
             <a:r>
-              <a:rPr lang="en-US" sz="2200" dirty="0"/>
+              <a:rPr lang="en-US" sz="2200" dirty="0">
+                <a:latin typeface="Times New Roman" panose="02020603050405020304" pitchFamily="18" charset="0"/>
+                <a:cs typeface="Times New Roman" panose="02020603050405020304" pitchFamily="18" charset="0"/>
+              </a:rPr>
               <a:t> </a:t>
             </a:r>
             <a:r>
-              <a:rPr lang="en-US" sz="2200" dirty="0" err="1"/>
+              <a:rPr lang="en-US" sz="2200" dirty="0" err="1">
+                <a:latin typeface="Times New Roman" panose="02020603050405020304" pitchFamily="18" charset="0"/>
+                <a:cs typeface="Times New Roman" panose="02020603050405020304" pitchFamily="18" charset="0"/>
+              </a:rPr>
               <a:t>qatnashadi</a:t>
             </a:r>
             <a:r>
-              <a:rPr lang="en-US" sz="2200" dirty="0"/>
+              <a:rPr lang="en-US" sz="2200" dirty="0">
+                <a:latin typeface="Times New Roman" panose="02020603050405020304" pitchFamily="18" charset="0"/>
+                <a:cs typeface="Times New Roman" panose="02020603050405020304" pitchFamily="18" charset="0"/>
+              </a:rPr>
               <a:t> </a:t>
             </a:r>
             <a:r>
-              <a:rPr lang="en-US" sz="2200" dirty="0" err="1"/>
+              <a:rPr lang="en-US" sz="2200" dirty="0" err="1">
+                <a:latin typeface="Times New Roman" panose="02020603050405020304" pitchFamily="18" charset="0"/>
+                <a:cs typeface="Times New Roman" panose="02020603050405020304" pitchFamily="18" charset="0"/>
+              </a:rPr>
               <a:t>va</a:t>
             </a:r>
             <a:r>
-              <a:rPr lang="en-US" sz="2200" dirty="0"/>
+              <a:rPr lang="en-US" sz="2200" dirty="0">
+                <a:latin typeface="Times New Roman" panose="02020603050405020304" pitchFamily="18" charset="0"/>
+                <a:cs typeface="Times New Roman" panose="02020603050405020304" pitchFamily="18" charset="0"/>
+              </a:rPr>
               <a:t> </a:t>
             </a:r>
             <a:r>
-              <a:rPr lang="en-US" sz="2200" dirty="0" err="1"/>
+              <a:rPr lang="en-US" sz="2200" dirty="0" err="1">
+                <a:latin typeface="Times New Roman" panose="02020603050405020304" pitchFamily="18" charset="0"/>
+                <a:cs typeface="Times New Roman" panose="02020603050405020304" pitchFamily="18" charset="0"/>
+              </a:rPr>
               <a:t>to’plamdan</a:t>
             </a:r>
             <a:r>
-              <a:rPr lang="en-US" sz="2200" dirty="0"/>
+              <a:rPr lang="en-US" sz="2200" dirty="0">
+                <a:latin typeface="Times New Roman" panose="02020603050405020304" pitchFamily="18" charset="0"/>
+                <a:cs typeface="Times New Roman" panose="02020603050405020304" pitchFamily="18" charset="0"/>
+              </a:rPr>
               <a:t> </a:t>
             </a:r>
             <a:r>
-              <a:rPr lang="en-US" sz="2200" dirty="0" err="1"/>
+              <a:rPr lang="en-US" sz="2200" dirty="0" err="1">
+                <a:latin typeface="Times New Roman" panose="02020603050405020304" pitchFamily="18" charset="0"/>
+                <a:cs typeface="Times New Roman" panose="02020603050405020304" pitchFamily="18" charset="0"/>
+              </a:rPr>
               <a:t>o’chiriladi</a:t>
             </a:r>
             <a:r>
-              <a:rPr lang="en-US" sz="2200" dirty="0"/>
+              <a:rPr lang="en-US" sz="2200" dirty="0">
+                <a:latin typeface="Times New Roman" panose="02020603050405020304" pitchFamily="18" charset="0"/>
+                <a:cs typeface="Times New Roman" panose="02020603050405020304" pitchFamily="18" charset="0"/>
+              </a:rPr>
               <a:t>.</a:t>
             </a:r>
           </a:p>
           <a:p>
-            <a:endParaRPr lang="en-US" sz="2200" dirty="0"/>
+            <a:endParaRPr lang="en-US" sz="2200" dirty="0">
+              <a:latin typeface="Times New Roman" panose="02020603050405020304" pitchFamily="18" charset="0"/>
+              <a:cs typeface="Times New Roman" panose="02020603050405020304" pitchFamily="18" charset="0"/>
+            </a:endParaRPr>
           </a:p>
         </p:txBody>
       </p:sp>
@@ -4943,7 +5105,7 @@
         </p:blipFill>
         <p:spPr>
           <a:xfrm>
-            <a:off x="201905" y="1671957"/>
+            <a:off x="201905" y="1495788"/>
             <a:ext cx="11788189" cy="4485934"/>
           </a:xfrm>
           <a:prstGeom prst="rect">
@@ -5365,76 +5527,112 @@
           <a:lstStyle/>
           <a:p>
             <a:r>
-              <a:rPr lang="en-US" dirty="0"/>
+              <a:rPr lang="en-US" dirty="0">
+                <a:latin typeface="Times New Roman" panose="02020603050405020304" pitchFamily="18" charset="0"/>
+                <a:cs typeface="Times New Roman" panose="02020603050405020304" pitchFamily="18" charset="0"/>
+              </a:rPr>
               <a:t>Terminology</a:t>
             </a:r>
           </a:p>
           <a:p>
             <a:r>
-              <a:rPr lang="en-US" dirty="0"/>
+              <a:rPr lang="en-US" dirty="0">
+                <a:latin typeface="Times New Roman" panose="02020603050405020304" pitchFamily="18" charset="0"/>
+                <a:cs typeface="Times New Roman" panose="02020603050405020304" pitchFamily="18" charset="0"/>
+              </a:rPr>
               <a:t>Introduction</a:t>
             </a:r>
           </a:p>
           <a:p>
             <a:r>
-              <a:rPr lang="en-US" dirty="0"/>
+              <a:rPr lang="en-US" dirty="0">
+                <a:latin typeface="Times New Roman" panose="02020603050405020304" pitchFamily="18" charset="0"/>
+                <a:cs typeface="Times New Roman" panose="02020603050405020304" pitchFamily="18" charset="0"/>
+              </a:rPr>
               <a:t>Problem Statement</a:t>
             </a:r>
           </a:p>
           <a:p>
             <a:r>
-              <a:rPr lang="en-US" dirty="0"/>
+              <a:rPr lang="en-US" dirty="0">
+                <a:latin typeface="Times New Roman" panose="02020603050405020304" pitchFamily="18" charset="0"/>
+                <a:cs typeface="Times New Roman" panose="02020603050405020304" pitchFamily="18" charset="0"/>
+              </a:rPr>
               <a:t>Methodology</a:t>
             </a:r>
           </a:p>
           <a:p>
             <a:pPr lvl="1"/>
             <a:r>
-              <a:rPr lang="en-US" dirty="0"/>
+              <a:rPr lang="en-US" dirty="0">
+                <a:latin typeface="Times New Roman" panose="02020603050405020304" pitchFamily="18" charset="0"/>
+                <a:cs typeface="Times New Roman" panose="02020603050405020304" pitchFamily="18" charset="0"/>
+              </a:rPr>
               <a:t>Data Preparation</a:t>
             </a:r>
           </a:p>
           <a:p>
             <a:pPr lvl="1"/>
             <a:r>
-              <a:rPr lang="en-US" dirty="0"/>
+              <a:rPr lang="en-US" dirty="0">
+                <a:latin typeface="Times New Roman" panose="02020603050405020304" pitchFamily="18" charset="0"/>
+                <a:cs typeface="Times New Roman" panose="02020603050405020304" pitchFamily="18" charset="0"/>
+              </a:rPr>
               <a:t>Vowel Patterns</a:t>
             </a:r>
           </a:p>
           <a:p>
             <a:pPr lvl="1"/>
             <a:r>
-              <a:rPr lang="en-US" dirty="0"/>
+              <a:rPr lang="en-US" dirty="0">
+                <a:latin typeface="Times New Roman" panose="02020603050405020304" pitchFamily="18" charset="0"/>
+                <a:cs typeface="Times New Roman" panose="02020603050405020304" pitchFamily="18" charset="0"/>
+              </a:rPr>
               <a:t>Restrictions</a:t>
             </a:r>
           </a:p>
           <a:p>
             <a:pPr lvl="1"/>
             <a:r>
-              <a:rPr lang="en-US" dirty="0"/>
+              <a:rPr lang="en-US" dirty="0">
+                <a:latin typeface="Times New Roman" panose="02020603050405020304" pitchFamily="18" charset="0"/>
+                <a:cs typeface="Times New Roman" panose="02020603050405020304" pitchFamily="18" charset="0"/>
+              </a:rPr>
               <a:t>Approaches</a:t>
             </a:r>
           </a:p>
           <a:p>
             <a:r>
-              <a:rPr lang="en-US" dirty="0"/>
+              <a:rPr lang="en-US" dirty="0">
+                <a:latin typeface="Times New Roman" panose="02020603050405020304" pitchFamily="18" charset="0"/>
+                <a:cs typeface="Times New Roman" panose="02020603050405020304" pitchFamily="18" charset="0"/>
+              </a:rPr>
               <a:t>Results</a:t>
             </a:r>
           </a:p>
           <a:p>
             <a:r>
-              <a:rPr lang="en-US" dirty="0"/>
+              <a:rPr lang="en-US" dirty="0">
+                <a:latin typeface="Times New Roman" panose="02020603050405020304" pitchFamily="18" charset="0"/>
+                <a:cs typeface="Times New Roman" panose="02020603050405020304" pitchFamily="18" charset="0"/>
+              </a:rPr>
               <a:t>Conclusion</a:t>
             </a:r>
           </a:p>
           <a:p>
             <a:r>
-              <a:rPr lang="en-US" dirty="0"/>
+              <a:rPr lang="en-US" dirty="0">
+                <a:latin typeface="Times New Roman" panose="02020603050405020304" pitchFamily="18" charset="0"/>
+                <a:cs typeface="Times New Roman" panose="02020603050405020304" pitchFamily="18" charset="0"/>
+              </a:rPr>
               <a:t>Appendix</a:t>
             </a:r>
           </a:p>
           <a:p>
-            <a:endParaRPr lang="en-US" dirty="0"/>
+            <a:endParaRPr lang="en-US" dirty="0">
+              <a:latin typeface="Times New Roman" panose="02020603050405020304" pitchFamily="18" charset="0"/>
+              <a:cs typeface="Times New Roman" panose="02020603050405020304" pitchFamily="18" charset="0"/>
+            </a:endParaRPr>
           </a:p>
         </p:txBody>
       </p:sp>
@@ -5609,7 +5807,12 @@
             <p:ph type="title"/>
           </p:nvPr>
         </p:nvSpPr>
-        <p:spPr/>
+        <p:spPr>
+          <a:xfrm>
+            <a:off x="447413" y="217504"/>
+            <a:ext cx="10515600" cy="933080"/>
+          </a:xfrm>
+        </p:spPr>
         <p:txBody>
           <a:bodyPr/>
           <a:lstStyle/>
@@ -5637,12 +5840,67 @@
             <p:ph idx="1"/>
           </p:nvPr>
         </p:nvSpPr>
-        <p:spPr/>
-        <p:txBody>
-          <a:bodyPr/>
-          <a:lstStyle/>
-          <a:p>
-            <a:endParaRPr lang="en-US" dirty="0"/>
+        <p:spPr>
+          <a:xfrm>
+            <a:off x="568038" y="1397787"/>
+            <a:ext cx="5881381" cy="4351338"/>
+          </a:xfrm>
+        </p:spPr>
+        <p:txBody>
+          <a:bodyPr>
+            <a:noAutofit/>
+          </a:bodyPr>
+          <a:lstStyle/>
+          <a:p>
+            <a:pPr algn="l"/>
+            <a:r>
+              <a:rPr lang="en-US" sz="1900" b="0" i="0" u="none" strike="noStrike" baseline="0" dirty="0">
+                <a:latin typeface="Times New Roman" panose="02020603050405020304" pitchFamily="18" charset="0"/>
+                <a:cs typeface="Times New Roman" panose="02020603050405020304" pitchFamily="18" charset="0"/>
+              </a:rPr>
+              <a:t>The word game modeling is identifying a set of letters to implement in a matching letter game toy. The game consists of a predefined number of cubes with a letter on every six sides, and word cards to form those words using a combination of cubes. </a:t>
+            </a:r>
+          </a:p>
+          <a:p>
+            <a:pPr algn="l"/>
+            <a:r>
+              <a:rPr lang="en-US" sz="1900" b="0" i="0" u="none" strike="noStrike" baseline="0" dirty="0">
+                <a:latin typeface="Times New Roman" panose="02020603050405020304" pitchFamily="18" charset="0"/>
+                <a:cs typeface="Times New Roman" panose="02020603050405020304" pitchFamily="18" charset="0"/>
+              </a:rPr>
+              <a:t>It is specially designed for a different level of difficulty that is customized for 3-12 years old. </a:t>
+            </a:r>
+          </a:p>
+          <a:p>
+            <a:pPr algn="l"/>
+            <a:r>
+              <a:rPr lang="en-US" sz="1900" b="0" i="0" u="none" strike="noStrike" baseline="0" dirty="0">
+                <a:latin typeface="Times New Roman" panose="02020603050405020304" pitchFamily="18" charset="0"/>
+                <a:cs typeface="Times New Roman" panose="02020603050405020304" pitchFamily="18" charset="0"/>
+              </a:rPr>
+              <a:t>This matching letter game is very suitable for early childhood education and entertainment. It can improve children’s learning enlightenment ability, word formation ability, and early vocabulary recognition ability.</a:t>
+            </a:r>
+          </a:p>
+          <a:p>
+            <a:pPr algn="l"/>
+            <a:r>
+              <a:rPr lang="en-US" sz="1900" b="0" i="0" u="none" strike="noStrike" baseline="0" dirty="0">
+                <a:latin typeface="Times New Roman" panose="02020603050405020304" pitchFamily="18" charset="0"/>
+                <a:cs typeface="Times New Roman" panose="02020603050405020304" pitchFamily="18" charset="0"/>
+              </a:rPr>
+              <a:t>Most of them consisted of 8 to 16 letter cubes with options forming up to 64 words from given word flashcards and the length of the words are in 3-4 letters.</a:t>
+            </a:r>
+            <a:endParaRPr lang="en-US" sz="1900" dirty="0">
+              <a:latin typeface="Times New Roman" panose="02020603050405020304" pitchFamily="18" charset="0"/>
+              <a:cs typeface="Times New Roman" panose="02020603050405020304" pitchFamily="18" charset="0"/>
+            </a:endParaRPr>
+          </a:p>
+          <a:p>
+            <a:pPr algn="l"/>
+            <a:endParaRPr lang="en-US" sz="1900" dirty="0">
+              <a:latin typeface="Times New Roman" panose="02020603050405020304" pitchFamily="18" charset="0"/>
+              <a:cs typeface="Times New Roman" panose="02020603050405020304" pitchFamily="18" charset="0"/>
+            </a:endParaRPr>
           </a:p>
         </p:txBody>
       </p:sp>
@@ -5673,7 +5931,7 @@
         </p:blipFill>
         <p:spPr bwMode="auto">
           <a:xfrm>
-            <a:off x="7701006" y="141298"/>
+            <a:off x="7990834" y="195283"/>
             <a:ext cx="4043581" cy="3233717"/>
           </a:xfrm>
           <a:prstGeom prst="rect">
@@ -5712,8 +5970,38 @@
         </p:blipFill>
         <p:spPr>
           <a:xfrm>
-            <a:off x="8843716" y="3482986"/>
-            <a:ext cx="2705478" cy="3157510"/>
+            <a:off x="9529892" y="3830941"/>
+            <a:ext cx="2360801" cy="2755244"/>
+          </a:xfrm>
+          <a:prstGeom prst="rect">
+            <a:avLst/>
+          </a:prstGeom>
+        </p:spPr>
+      </p:pic>
+      <p:pic>
+        <p:nvPicPr>
+          <p:cNvPr id="6" name="Picture 5">
+            <a:extLst>
+              <a:ext uri="{FF2B5EF4-FFF2-40B4-BE49-F238E27FC236}">
+                <a16:creationId xmlns:a16="http://schemas.microsoft.com/office/drawing/2014/main" id="{2DABFE09-6EE9-3EF7-D2FF-17B40A577CE2}"/>
+              </a:ext>
+            </a:extLst>
+          </p:cNvPr>
+          <p:cNvPicPr>
+            <a:picLocks noChangeAspect="1"/>
+          </p:cNvPicPr>
+          <p:nvPr/>
+        </p:nvPicPr>
+        <p:blipFill>
+          <a:blip r:embed="rId4"/>
+          <a:stretch>
+            <a:fillRect/>
+          </a:stretch>
+        </p:blipFill>
+        <p:spPr>
+          <a:xfrm>
+            <a:off x="6638094" y="2491530"/>
+            <a:ext cx="2705479" cy="3855903"/>
           </a:xfrm>
           <a:prstGeom prst="rect">
             <a:avLst/>
@@ -5794,12 +6082,63 @@
             <p:ph idx="1"/>
           </p:nvPr>
         </p:nvSpPr>
-        <p:spPr/>
-        <p:txBody>
-          <a:bodyPr/>
-          <a:lstStyle/>
-          <a:p>
-            <a:endParaRPr lang="en-US"/>
+        <p:spPr>
+          <a:xfrm>
+            <a:off x="838200" y="1607511"/>
+            <a:ext cx="10515600" cy="4351338"/>
+          </a:xfrm>
+        </p:spPr>
+        <p:txBody>
+          <a:bodyPr>
+            <a:normAutofit/>
+          </a:bodyPr>
+          <a:lstStyle/>
+          <a:p>
+            <a:pPr algn="l"/>
+            <a:r>
+              <a:rPr lang="en-US" sz="2300" b="0" i="0" u="none" strike="noStrike" baseline="0" dirty="0">
+                <a:latin typeface="Times New Roman" panose="02020603050405020304" pitchFamily="18" charset="0"/>
+                <a:cs typeface="Times New Roman" panose="02020603050405020304" pitchFamily="18" charset="0"/>
+              </a:rPr>
+              <a:t>The task is to suggest a set of letters to be described in cubes for the matching letter game. There are six sides of a</a:t>
+            </a:r>
+          </a:p>
+          <a:p>
+            <a:pPr algn="l"/>
+            <a:r>
+              <a:rPr lang="en-US" sz="2300" b="0" i="0" u="none" strike="noStrike" baseline="0" dirty="0">
+                <a:latin typeface="Times New Roman" panose="02020603050405020304" pitchFamily="18" charset="0"/>
+                <a:cs typeface="Times New Roman" panose="02020603050405020304" pitchFamily="18" charset="0"/>
+              </a:rPr>
+              <a:t>cube, and a letter will be placed on each side of it. Before the design, a game needs to identify the count of cubes. We planned the count of cubes for cases of five, six, seven and eight, it is made up of a small number of cubes, and there will be three-letter, four-letter and five-letter words.</a:t>
+            </a:r>
+          </a:p>
+          <a:p>
+            <a:pPr algn="l"/>
+            <a:r>
+              <a:rPr lang="en-US" sz="2300" b="0" i="0" u="none" strike="noStrike" baseline="0" dirty="0">
+                <a:latin typeface="Times New Roman" panose="02020603050405020304" pitchFamily="18" charset="0"/>
+                <a:cs typeface="Times New Roman" panose="02020603050405020304" pitchFamily="18" charset="0"/>
+              </a:rPr>
+              <a:t>The result of the proposed methods  should provide the opportunity to make as many words as possible from the words in the selected dataset. The number of cubes should be fewer.</a:t>
+            </a:r>
+          </a:p>
+          <a:p>
+            <a:pPr algn="l"/>
+            <a:r>
+              <a:rPr lang="en-US" sz="2300" dirty="0">
+                <a:latin typeface="Times New Roman" panose="02020603050405020304" pitchFamily="18" charset="0"/>
+                <a:cs typeface="Times New Roman" panose="02020603050405020304" pitchFamily="18" charset="0"/>
+              </a:rPr>
+              <a:t>Performing evaluation </a:t>
+            </a:r>
+            <a:r>
+              <a:rPr lang="en-US" sz="2300" b="0" i="0" u="none" strike="noStrike" baseline="0" dirty="0">
+                <a:latin typeface="Times New Roman" panose="02020603050405020304" pitchFamily="18" charset="0"/>
+                <a:cs typeface="Times New Roman" panose="02020603050405020304" pitchFamily="18" charset="0"/>
+              </a:rPr>
+              <a:t>of the model accuracy on selected datasets (Uzbek and English) in the cases of 7-8 cubes. Both datasets included 3-5 letter words.</a:t>
+            </a:r>
           </a:p>
         </p:txBody>
       </p:sp>
@@ -5879,10 +6218,93 @@
         </p:nvSpPr>
         <p:spPr/>
         <p:txBody>
-          <a:bodyPr/>
-          <a:lstStyle/>
-          <a:p>
-            <a:endParaRPr lang="en-US"/>
+          <a:bodyPr>
+            <a:normAutofit/>
+          </a:bodyPr>
+          <a:lstStyle/>
+          <a:p>
+            <a:pPr algn="l"/>
+            <a:r>
+              <a:rPr lang="en-US" sz="2200" b="0" i="0" u="none" strike="noStrike" baseline="0" dirty="0">
+                <a:latin typeface="Times New Roman" panose="02020603050405020304" pitchFamily="18" charset="0"/>
+                <a:cs typeface="Times New Roman" panose="02020603050405020304" pitchFamily="18" charset="0"/>
+              </a:rPr>
+              <a:t>Our proposed approach consists of two methods that include the following steps: </a:t>
+            </a:r>
+          </a:p>
+          <a:p>
+            <a:pPr lvl="1"/>
+            <a:r>
+              <a:rPr lang="en-US" sz="1900" b="0" i="0" u="none" strike="noStrike" baseline="0" dirty="0">
+                <a:latin typeface="Times New Roman" panose="02020603050405020304" pitchFamily="18" charset="0"/>
+                <a:cs typeface="Times New Roman" panose="02020603050405020304" pitchFamily="18" charset="0"/>
+              </a:rPr>
+              <a:t>Data preparation, </a:t>
+            </a:r>
+          </a:p>
+          <a:p>
+            <a:pPr lvl="1"/>
+            <a:r>
+              <a:rPr lang="en-US" sz="1900" b="0" i="0" u="none" strike="noStrike" baseline="0" dirty="0">
+                <a:latin typeface="Times New Roman" panose="02020603050405020304" pitchFamily="18" charset="0"/>
+                <a:cs typeface="Times New Roman" panose="02020603050405020304" pitchFamily="18" charset="0"/>
+              </a:rPr>
+              <a:t>Statistics, </a:t>
+            </a:r>
+          </a:p>
+          <a:p>
+            <a:pPr lvl="1"/>
+            <a:r>
+              <a:rPr lang="en-US" sz="1900" b="0" i="0" u="none" strike="noStrike" baseline="0" dirty="0">
+                <a:latin typeface="Times New Roman" panose="02020603050405020304" pitchFamily="18" charset="0"/>
+                <a:cs typeface="Times New Roman" panose="02020603050405020304" pitchFamily="18" charset="0"/>
+              </a:rPr>
+              <a:t>Methods and </a:t>
+            </a:r>
+          </a:p>
+          <a:p>
+            <a:pPr lvl="1"/>
+            <a:r>
+              <a:rPr lang="en-US" sz="1900" b="0" i="0" u="none" strike="noStrike" baseline="0" dirty="0">
+                <a:latin typeface="Times New Roman" panose="02020603050405020304" pitchFamily="18" charset="0"/>
+                <a:cs typeface="Times New Roman" panose="02020603050405020304" pitchFamily="18" charset="0"/>
+              </a:rPr>
+              <a:t>Fine-tuning. </a:t>
+            </a:r>
+          </a:p>
+          <a:p>
+            <a:pPr algn="l"/>
+            <a:r>
+              <a:rPr lang="en-US" sz="2200" b="0" i="0" u="none" strike="noStrike" baseline="0" dirty="0">
+                <a:latin typeface="Times New Roman" panose="02020603050405020304" pitchFamily="18" charset="0"/>
+                <a:cs typeface="Times New Roman" panose="02020603050405020304" pitchFamily="18" charset="0"/>
+              </a:rPr>
+              <a:t>The dataset for training was generated and normalized for game modeling stages. </a:t>
+            </a:r>
+          </a:p>
+          <a:p>
+            <a:pPr algn="l"/>
+            <a:r>
+              <a:rPr lang="en-US" sz="2200" b="0" i="0" u="none" strike="noStrike" baseline="0" dirty="0">
+                <a:latin typeface="Times New Roman" panose="02020603050405020304" pitchFamily="18" charset="0"/>
+                <a:cs typeface="Times New Roman" panose="02020603050405020304" pitchFamily="18" charset="0"/>
+              </a:rPr>
+              <a:t>The frequency of letters in the dataset has been studied, analyzed of the pattern of the occurrence of vowels and consonants in the words and character-level B-gram language for words. </a:t>
+            </a:r>
+          </a:p>
+          <a:p>
+            <a:pPr algn="l"/>
+            <a:r>
+              <a:rPr lang="en-US" sz="2200" b="0" i="0" u="none" strike="noStrike" baseline="0" dirty="0">
+                <a:latin typeface="Times New Roman" panose="02020603050405020304" pitchFamily="18" charset="0"/>
+                <a:cs typeface="Times New Roman" panose="02020603050405020304" pitchFamily="18" charset="0"/>
+              </a:rPr>
+              <a:t>To increase the efficiency of the model, fine-tuning replacements of letters in a cube are carried out.</a:t>
+            </a:r>
+            <a:endParaRPr lang="en-US" sz="2200" dirty="0">
+              <a:latin typeface="Times New Roman" panose="02020603050405020304" pitchFamily="18" charset="0"/>
+              <a:cs typeface="Times New Roman" panose="02020603050405020304" pitchFamily="18" charset="0"/>
+            </a:endParaRPr>
           </a:p>
         </p:txBody>
       </p:sp>

--- a/Presentation.pptx
+++ b/Presentation.pptx
@@ -13,14 +13,17 @@
     <p:sldId id="261" r:id="rId7"/>
     <p:sldId id="272" r:id="rId8"/>
     <p:sldId id="271" r:id="rId9"/>
-    <p:sldId id="269" r:id="rId10"/>
-    <p:sldId id="262" r:id="rId11"/>
-    <p:sldId id="263" r:id="rId12"/>
-    <p:sldId id="264" r:id="rId13"/>
-    <p:sldId id="270" r:id="rId14"/>
-    <p:sldId id="265" r:id="rId15"/>
-    <p:sldId id="267" r:id="rId16"/>
-    <p:sldId id="268" r:id="rId17"/>
+    <p:sldId id="273" r:id="rId10"/>
+    <p:sldId id="274" r:id="rId11"/>
+    <p:sldId id="269" r:id="rId12"/>
+    <p:sldId id="262" r:id="rId13"/>
+    <p:sldId id="263" r:id="rId14"/>
+    <p:sldId id="264" r:id="rId15"/>
+    <p:sldId id="275" r:id="rId16"/>
+    <p:sldId id="270" r:id="rId17"/>
+    <p:sldId id="265" r:id="rId18"/>
+    <p:sldId id="267" r:id="rId19"/>
+    <p:sldId id="268" r:id="rId20"/>
   </p:sldIdLst>
   <p:sldSz cx="12192000" cy="6858000"/>
   <p:notesSz cx="6858000" cy="9144000"/>
@@ -128,7 +131,7 @@
 </file>
 
 <file path=ppt/slideLayouts/slideLayout1.xml><?xml version="1.0" encoding="utf-8"?>
-<p:sldLayout xmlns:a="http://schemas.openxmlformats.org/drawingml/2006/main" xmlns:r="http://schemas.openxmlformats.org/officeDocument/2006/relationships" xmlns:p="http://schemas.openxmlformats.org/presentationml/2006/main" type="title" preserve="1">
+<p:sldLayout xmlns:a="http://schemas.openxmlformats.org/drawingml/2006/main" xmlns:r="http://schemas.openxmlformats.org/officeDocument/2006/relationships" xmlns:p="http://schemas.openxmlformats.org/presentationml/2006/main" showMasterSp="0" type="title" preserve="1">
   <p:cSld name="Title Slide">
     <p:spTree>
       <p:nvGrpSpPr>
@@ -274,7 +277,7 @@
           <a:p>
             <a:fld id="{B54ACBCE-E5F6-4B38-A981-DA2BCDB020AA}" type="datetimeFigureOut">
               <a:rPr lang="en-US" smtClean="0"/>
-              <a:t>10/10/2022</a:t>
+              <a:t>10/11/2022</a:t>
             </a:fld>
             <a:endParaRPr lang="en-US"/>
           </a:p>
@@ -348,7 +351,7 @@
 </file>
 
 <file path=ppt/slideLayouts/slideLayout10.xml><?xml version="1.0" encoding="utf-8"?>
-<p:sldLayout xmlns:a="http://schemas.openxmlformats.org/drawingml/2006/main" xmlns:r="http://schemas.openxmlformats.org/officeDocument/2006/relationships" xmlns:p="http://schemas.openxmlformats.org/presentationml/2006/main" type="vertTx" preserve="1">
+<p:sldLayout xmlns:a="http://schemas.openxmlformats.org/drawingml/2006/main" xmlns:r="http://schemas.openxmlformats.org/officeDocument/2006/relationships" xmlns:p="http://schemas.openxmlformats.org/presentationml/2006/main" showMasterSp="0" type="vertTx" preserve="1">
   <p:cSld name="Title and Vertical Text">
     <p:spTree>
       <p:nvGrpSpPr>
@@ -472,7 +475,7 @@
           <a:p>
             <a:fld id="{B54ACBCE-E5F6-4B38-A981-DA2BCDB020AA}" type="datetimeFigureOut">
               <a:rPr lang="en-US" smtClean="0"/>
-              <a:t>10/10/2022</a:t>
+              <a:t>10/11/2022</a:t>
             </a:fld>
             <a:endParaRPr lang="en-US"/>
           </a:p>
@@ -546,7 +549,7 @@
 </file>
 
 <file path=ppt/slideLayouts/slideLayout11.xml><?xml version="1.0" encoding="utf-8"?>
-<p:sldLayout xmlns:a="http://schemas.openxmlformats.org/drawingml/2006/main" xmlns:r="http://schemas.openxmlformats.org/officeDocument/2006/relationships" xmlns:p="http://schemas.openxmlformats.org/presentationml/2006/main" type="vertTitleAndTx" preserve="1">
+<p:sldLayout xmlns:a="http://schemas.openxmlformats.org/drawingml/2006/main" xmlns:r="http://schemas.openxmlformats.org/officeDocument/2006/relationships" xmlns:p="http://schemas.openxmlformats.org/presentationml/2006/main" showMasterSp="0" type="vertTitleAndTx" preserve="1">
   <p:cSld name="Vertical Title and Text">
     <p:spTree>
       <p:nvGrpSpPr>
@@ -680,7 +683,7 @@
           <a:p>
             <a:fld id="{B54ACBCE-E5F6-4B38-A981-DA2BCDB020AA}" type="datetimeFigureOut">
               <a:rPr lang="en-US" smtClean="0"/>
-              <a:t>10/10/2022</a:t>
+              <a:t>10/11/2022</a:t>
             </a:fld>
             <a:endParaRPr lang="en-US"/>
           </a:p>
@@ -754,7 +757,7 @@
 </file>
 
 <file path=ppt/slideLayouts/slideLayout2.xml><?xml version="1.0" encoding="utf-8"?>
-<p:sldLayout xmlns:a="http://schemas.openxmlformats.org/drawingml/2006/main" xmlns:r="http://schemas.openxmlformats.org/officeDocument/2006/relationships" xmlns:p="http://schemas.openxmlformats.org/presentationml/2006/main" type="obj" preserve="1">
+<p:sldLayout xmlns:a="http://schemas.openxmlformats.org/drawingml/2006/main" xmlns:r="http://schemas.openxmlformats.org/officeDocument/2006/relationships" xmlns:p="http://schemas.openxmlformats.org/presentationml/2006/main" showMasterSp="0" type="obj" preserve="1">
   <p:cSld name="Title and Content">
     <p:spTree>
       <p:nvGrpSpPr>
@@ -878,7 +881,7 @@
           <a:p>
             <a:fld id="{B54ACBCE-E5F6-4B38-A981-DA2BCDB020AA}" type="datetimeFigureOut">
               <a:rPr lang="en-US" smtClean="0"/>
-              <a:t>10/10/2022</a:t>
+              <a:t>10/11/2022</a:t>
             </a:fld>
             <a:endParaRPr lang="en-US"/>
           </a:p>
@@ -952,7 +955,7 @@
 </file>
 
 <file path=ppt/slideLayouts/slideLayout3.xml><?xml version="1.0" encoding="utf-8"?>
-<p:sldLayout xmlns:a="http://schemas.openxmlformats.org/drawingml/2006/main" xmlns:r="http://schemas.openxmlformats.org/officeDocument/2006/relationships" xmlns:p="http://schemas.openxmlformats.org/presentationml/2006/main" type="secHead" preserve="1">
+<p:sldLayout xmlns:a="http://schemas.openxmlformats.org/drawingml/2006/main" xmlns:r="http://schemas.openxmlformats.org/officeDocument/2006/relationships" xmlns:p="http://schemas.openxmlformats.org/presentationml/2006/main" showMasterSp="0" type="secHead" preserve="1">
   <p:cSld name="Section Header">
     <p:spTree>
       <p:nvGrpSpPr>
@@ -1153,7 +1156,7 @@
           <a:p>
             <a:fld id="{B54ACBCE-E5F6-4B38-A981-DA2BCDB020AA}" type="datetimeFigureOut">
               <a:rPr lang="en-US" smtClean="0"/>
-              <a:t>10/10/2022</a:t>
+              <a:t>10/11/2022</a:t>
             </a:fld>
             <a:endParaRPr lang="en-US"/>
           </a:p>
@@ -1227,7 +1230,7 @@
 </file>
 
 <file path=ppt/slideLayouts/slideLayout4.xml><?xml version="1.0" encoding="utf-8"?>
-<p:sldLayout xmlns:a="http://schemas.openxmlformats.org/drawingml/2006/main" xmlns:r="http://schemas.openxmlformats.org/officeDocument/2006/relationships" xmlns:p="http://schemas.openxmlformats.org/presentationml/2006/main" type="twoObj" preserve="1">
+<p:sldLayout xmlns:a="http://schemas.openxmlformats.org/drawingml/2006/main" xmlns:r="http://schemas.openxmlformats.org/officeDocument/2006/relationships" xmlns:p="http://schemas.openxmlformats.org/presentationml/2006/main" showMasterSp="0" type="twoObj" preserve="1">
   <p:cSld name="Two Content">
     <p:spTree>
       <p:nvGrpSpPr>
@@ -1418,7 +1421,7 @@
           <a:p>
             <a:fld id="{B54ACBCE-E5F6-4B38-A981-DA2BCDB020AA}" type="datetimeFigureOut">
               <a:rPr lang="en-US" smtClean="0"/>
-              <a:t>10/10/2022</a:t>
+              <a:t>10/11/2022</a:t>
             </a:fld>
             <a:endParaRPr lang="en-US"/>
           </a:p>
@@ -1492,7 +1495,7 @@
 </file>
 
 <file path=ppt/slideLayouts/slideLayout5.xml><?xml version="1.0" encoding="utf-8"?>
-<p:sldLayout xmlns:a="http://schemas.openxmlformats.org/drawingml/2006/main" xmlns:r="http://schemas.openxmlformats.org/officeDocument/2006/relationships" xmlns:p="http://schemas.openxmlformats.org/presentationml/2006/main" type="twoTxTwoObj" preserve="1">
+<p:sldLayout xmlns:a="http://schemas.openxmlformats.org/drawingml/2006/main" xmlns:r="http://schemas.openxmlformats.org/officeDocument/2006/relationships" xmlns:p="http://schemas.openxmlformats.org/presentationml/2006/main" showMasterSp="0" type="twoTxTwoObj" preserve="1">
   <p:cSld name="Comparison">
     <p:spTree>
       <p:nvGrpSpPr>
@@ -1830,7 +1833,7 @@
           <a:p>
             <a:fld id="{B54ACBCE-E5F6-4B38-A981-DA2BCDB020AA}" type="datetimeFigureOut">
               <a:rPr lang="en-US" smtClean="0"/>
-              <a:t>10/10/2022</a:t>
+              <a:t>10/11/2022</a:t>
             </a:fld>
             <a:endParaRPr lang="en-US"/>
           </a:p>
@@ -1904,7 +1907,7 @@
 </file>
 
 <file path=ppt/slideLayouts/slideLayout6.xml><?xml version="1.0" encoding="utf-8"?>
-<p:sldLayout xmlns:a="http://schemas.openxmlformats.org/drawingml/2006/main" xmlns:r="http://schemas.openxmlformats.org/officeDocument/2006/relationships" xmlns:p="http://schemas.openxmlformats.org/presentationml/2006/main" type="titleOnly" preserve="1">
+<p:sldLayout xmlns:a="http://schemas.openxmlformats.org/drawingml/2006/main" xmlns:r="http://schemas.openxmlformats.org/officeDocument/2006/relationships" xmlns:p="http://schemas.openxmlformats.org/presentationml/2006/main" showMasterSp="0" type="titleOnly" preserve="1">
   <p:cSld name="Title Only">
     <p:spTree>
       <p:nvGrpSpPr>
@@ -1971,7 +1974,7 @@
           <a:p>
             <a:fld id="{B54ACBCE-E5F6-4B38-A981-DA2BCDB020AA}" type="datetimeFigureOut">
               <a:rPr lang="en-US" smtClean="0"/>
-              <a:t>10/10/2022</a:t>
+              <a:t>10/11/2022</a:t>
             </a:fld>
             <a:endParaRPr lang="en-US"/>
           </a:p>
@@ -2045,7 +2048,7 @@
 </file>
 
 <file path=ppt/slideLayouts/slideLayout7.xml><?xml version="1.0" encoding="utf-8"?>
-<p:sldLayout xmlns:a="http://schemas.openxmlformats.org/drawingml/2006/main" xmlns:r="http://schemas.openxmlformats.org/officeDocument/2006/relationships" xmlns:p="http://schemas.openxmlformats.org/presentationml/2006/main" type="blank" preserve="1">
+<p:sldLayout xmlns:a="http://schemas.openxmlformats.org/drawingml/2006/main" xmlns:r="http://schemas.openxmlformats.org/officeDocument/2006/relationships" xmlns:p="http://schemas.openxmlformats.org/presentationml/2006/main" showMasterSp="0" type="blank" preserve="1">
   <p:cSld name="Blank">
     <p:spTree>
       <p:nvGrpSpPr>
@@ -2084,7 +2087,7 @@
           <a:p>
             <a:fld id="{B54ACBCE-E5F6-4B38-A981-DA2BCDB020AA}" type="datetimeFigureOut">
               <a:rPr lang="en-US" smtClean="0"/>
-              <a:t>10/10/2022</a:t>
+              <a:t>10/11/2022</a:t>
             </a:fld>
             <a:endParaRPr lang="en-US"/>
           </a:p>
@@ -2158,7 +2161,7 @@
 </file>
 
 <file path=ppt/slideLayouts/slideLayout8.xml><?xml version="1.0" encoding="utf-8"?>
-<p:sldLayout xmlns:a="http://schemas.openxmlformats.org/drawingml/2006/main" xmlns:r="http://schemas.openxmlformats.org/officeDocument/2006/relationships" xmlns:p="http://schemas.openxmlformats.org/presentationml/2006/main" type="objTx" preserve="1">
+<p:sldLayout xmlns:a="http://schemas.openxmlformats.org/drawingml/2006/main" xmlns:r="http://schemas.openxmlformats.org/officeDocument/2006/relationships" xmlns:p="http://schemas.openxmlformats.org/presentationml/2006/main" showMasterSp="0" type="objTx" preserve="1">
   <p:cSld name="Content with Caption">
     <p:spTree>
       <p:nvGrpSpPr>
@@ -2395,7 +2398,7 @@
           <a:p>
             <a:fld id="{B54ACBCE-E5F6-4B38-A981-DA2BCDB020AA}" type="datetimeFigureOut">
               <a:rPr lang="en-US" smtClean="0"/>
-              <a:t>10/10/2022</a:t>
+              <a:t>10/11/2022</a:t>
             </a:fld>
             <a:endParaRPr lang="en-US"/>
           </a:p>
@@ -2469,7 +2472,7 @@
 </file>
 
 <file path=ppt/slideLayouts/slideLayout9.xml><?xml version="1.0" encoding="utf-8"?>
-<p:sldLayout xmlns:a="http://schemas.openxmlformats.org/drawingml/2006/main" xmlns:r="http://schemas.openxmlformats.org/officeDocument/2006/relationships" xmlns:p="http://schemas.openxmlformats.org/presentationml/2006/main" type="picTx" preserve="1">
+<p:sldLayout xmlns:a="http://schemas.openxmlformats.org/drawingml/2006/main" xmlns:r="http://schemas.openxmlformats.org/officeDocument/2006/relationships" xmlns:p="http://schemas.openxmlformats.org/presentationml/2006/main" showMasterSp="0" type="picTx" preserve="1">
   <p:cSld name="Picture with Caption">
     <p:spTree>
       <p:nvGrpSpPr>
@@ -2683,7 +2686,7 @@
           <a:p>
             <a:fld id="{B54ACBCE-E5F6-4B38-A981-DA2BCDB020AA}" type="datetimeFigureOut">
               <a:rPr lang="en-US" smtClean="0"/>
-              <a:t>10/10/2022</a:t>
+              <a:t>10/11/2022</a:t>
             </a:fld>
             <a:endParaRPr lang="en-US"/>
           </a:p>
@@ -2760,9 +2763,14 @@
 <p:sldMaster xmlns:a="http://schemas.openxmlformats.org/drawingml/2006/main" xmlns:r="http://schemas.openxmlformats.org/officeDocument/2006/relationships" xmlns:p="http://schemas.openxmlformats.org/presentationml/2006/main">
   <p:cSld>
     <p:bg>
-      <p:bgRef idx="1001">
-        <a:schemeClr val="bg1"/>
-      </p:bgRef>
+      <p:bgPr>
+        <a:solidFill>
+          <a:srgbClr val="CFFAFF">
+            <a:alpha val="14000"/>
+          </a:srgbClr>
+        </a:solidFill>
+        <a:effectLst/>
+      </p:bgPr>
     </p:bg>
     <p:spTree>
       <p:nvGrpSpPr>
@@ -2924,7 +2932,7 @@
           <a:p>
             <a:fld id="{B54ACBCE-E5F6-4B38-A981-DA2BCDB020AA}" type="datetimeFigureOut">
               <a:rPr lang="en-US" smtClean="0"/>
-              <a:t>10/10/2022</a:t>
+              <a:t>10/11/2022</a:t>
             </a:fld>
             <a:endParaRPr lang="en-US"/>
           </a:p>
@@ -3325,7 +3333,7 @@
 </file>
 
 <file path=ppt/slides/slide1.xml><?xml version="1.0" encoding="utf-8"?>
-<p:sld xmlns:a="http://schemas.openxmlformats.org/drawingml/2006/main" xmlns:r="http://schemas.openxmlformats.org/officeDocument/2006/relationships" xmlns:p="http://schemas.openxmlformats.org/presentationml/2006/main">
+<p:sld xmlns:a="http://schemas.openxmlformats.org/drawingml/2006/main" xmlns:r="http://schemas.openxmlformats.org/officeDocument/2006/relationships" xmlns:p="http://schemas.openxmlformats.org/presentationml/2006/main" showMasterSp="0">
   <p:cSld>
     <p:spTree>
       <p:nvGrpSpPr>
@@ -3399,7 +3407,7 @@
 </file>
 
 <file path=ppt/slides/slide10.xml><?xml version="1.0" encoding="utf-8"?>
-<p:sld xmlns:a="http://schemas.openxmlformats.org/drawingml/2006/main" xmlns:r="http://schemas.openxmlformats.org/officeDocument/2006/relationships" xmlns:p="http://schemas.openxmlformats.org/presentationml/2006/main">
+<p:sld xmlns:a="http://schemas.openxmlformats.org/drawingml/2006/main" xmlns:r="http://schemas.openxmlformats.org/officeDocument/2006/relationships" xmlns:p="http://schemas.openxmlformats.org/presentationml/2006/main" showMasterSp="0">
   <p:cSld>
     <p:spTree>
       <p:nvGrpSpPr>
@@ -3420,6 +3428,573 @@
           <p:cNvPr id="2" name="Title 1">
             <a:extLst>
               <a:ext uri="{FF2B5EF4-FFF2-40B4-BE49-F238E27FC236}">
+                <a16:creationId xmlns:a16="http://schemas.microsoft.com/office/drawing/2014/main" id="{5BE68DB5-0089-1A6D-3F7D-0D82D6B8DE57}"/>
+              </a:ext>
+            </a:extLst>
+          </p:cNvPr>
+          <p:cNvSpPr>
+            <a:spLocks noGrp="1"/>
+          </p:cNvSpPr>
+          <p:nvPr>
+            <p:ph type="title"/>
+          </p:nvPr>
+        </p:nvSpPr>
+        <p:spPr/>
+        <p:txBody>
+          <a:bodyPr/>
+          <a:lstStyle/>
+          <a:p>
+            <a:r>
+              <a:rPr lang="en-US" dirty="0"/>
+              <a:t>Statistics (EN: LF, N-gram)</a:t>
+            </a:r>
+          </a:p>
+        </p:txBody>
+      </p:sp>
+      <p:sp>
+        <p:nvSpPr>
+          <p:cNvPr id="4" name="TextBox 3">
+            <a:extLst>
+              <a:ext uri="{FF2B5EF4-FFF2-40B4-BE49-F238E27FC236}">
+                <a16:creationId xmlns:a16="http://schemas.microsoft.com/office/drawing/2014/main" id="{1B9CDF6E-12B8-7729-22FE-F1976D208801}"/>
+              </a:ext>
+            </a:extLst>
+          </p:cNvPr>
+          <p:cNvSpPr txBox="1"/>
+          <p:nvPr/>
+        </p:nvSpPr>
+        <p:spPr>
+          <a:xfrm>
+            <a:off x="984308" y="1917889"/>
+            <a:ext cx="10369492" cy="4524315"/>
+          </a:xfrm>
+          <a:prstGeom prst="rect">
+            <a:avLst/>
+          </a:prstGeom>
+          <a:noFill/>
+        </p:spPr>
+        <p:txBody>
+          <a:bodyPr wrap="square">
+            <a:spAutoFit/>
+          </a:bodyPr>
+          <a:lstStyle/>
+          <a:p>
+            <a:r>
+              <a:rPr lang="en-US" dirty="0"/>
+              <a:t>{'e': 2160, 'a': 1892, 's': 1731, 'o': 1506, 'r': 1247, 't': 1129, 'l': 1114, '</a:t>
+            </a:r>
+            <a:r>
+              <a:rPr lang="en-US" dirty="0" err="1"/>
+              <a:t>i</a:t>
+            </a:r>
+            <a:r>
+              <a:rPr lang="en-US" dirty="0"/>
+              <a:t>': 1104, 'd': 932, 'n': 873, 'c': 822, 'u': 753, 'b': 716, 'p': 671, 'm': 594, 'h': 544, 'g': 508, 'f': 462, 'y': 436, 'k': 398, 'w': 358, 'v': 217, 'x': 105, 'z': 88, 'j': 82, 'q': 22}</a:t>
+            </a:r>
+          </a:p>
+          <a:p>
+            <a:endParaRPr lang="en-US" dirty="0"/>
+          </a:p>
+          <a:p>
+            <a:r>
+              <a:rPr lang="en-US" dirty="0"/>
+              <a:t>{'</a:t>
+            </a:r>
+            <a:r>
+              <a:rPr lang="en-US" dirty="0" err="1"/>
+              <a:t>ar</a:t>
+            </a:r>
+            <a:r>
+              <a:rPr lang="en-US" dirty="0"/>
+              <a:t>': 222, 'es': 213, 'er': 188, 'in': 186, 're': 177, 'al': 163, 'le': 160, '</a:t>
+            </a:r>
+            <a:r>
+              <a:rPr lang="en-US" dirty="0" err="1"/>
+              <a:t>ra</a:t>
+            </a:r>
+            <a:r>
+              <a:rPr lang="en-US" dirty="0"/>
+              <a:t>': 156, 'ed': 156, '</a:t>
+            </a:r>
+            <a:r>
+              <a:rPr lang="en-US" dirty="0" err="1"/>
+              <a:t>ea</a:t>
+            </a:r>
+            <a:r>
+              <a:rPr lang="en-US" dirty="0"/>
+              <a:t>': 156, 'an': 149, 'la': 149, 'co': 148, 'de': 136, '</a:t>
+            </a:r>
+            <a:r>
+              <a:rPr lang="en-US" dirty="0" err="1"/>
+              <a:t>ro</a:t>
+            </a:r>
+            <a:r>
+              <a:rPr lang="en-US" dirty="0"/>
+              <a:t>': 135, 'as': 135, 'or': 135, '</a:t>
+            </a:r>
+            <a:r>
+              <a:rPr lang="en-US" dirty="0" err="1"/>
+              <a:t>te</a:t>
+            </a:r>
+            <a:r>
+              <a:rPr lang="en-US" dirty="0"/>
+              <a:t>': 134, 'at': 132, '</a:t>
+            </a:r>
+            <a:r>
+              <a:rPr lang="en-US" dirty="0" err="1"/>
+              <a:t>ee</a:t>
+            </a:r>
+            <a:r>
+              <a:rPr lang="en-US" dirty="0"/>
+              <a:t>': 130, 'on': 129, 'ca': 129, 'lo': 126, '</a:t>
+            </a:r>
+            <a:r>
+              <a:rPr lang="en-US" dirty="0" err="1"/>
+              <a:t>st</a:t>
+            </a:r>
+            <a:r>
+              <a:rPr lang="en-US" dirty="0"/>
+              <a:t>': 125, 'se': 122, '</a:t>
+            </a:r>
+            <a:r>
+              <a:rPr lang="en-US" dirty="0" err="1"/>
+              <a:t>ch</a:t>
+            </a:r>
+            <a:r>
+              <a:rPr lang="en-US" dirty="0"/>
+              <a:t>': 122, '</a:t>
+            </a:r>
+            <a:r>
+              <a:rPr lang="en-US" dirty="0" err="1"/>
+              <a:t>ts</a:t>
+            </a:r>
+            <a:r>
+              <a:rPr lang="en-US" dirty="0"/>
+              <a:t>': 120, '</a:t>
+            </a:r>
+            <a:r>
+              <a:rPr lang="en-US" dirty="0" err="1"/>
+              <a:t>ri</a:t>
+            </a:r>
+            <a:r>
+              <a:rPr lang="en-US" dirty="0"/>
+              <a:t>': 116, '</a:t>
+            </a:r>
+            <a:r>
+              <a:rPr lang="en-US" dirty="0" err="1"/>
+              <a:t>en</a:t>
+            </a:r>
+            <a:r>
+              <a:rPr lang="en-US" dirty="0"/>
+              <a:t>': 114, '</a:t>
+            </a:r>
+            <a:r>
+              <a:rPr lang="en-US" dirty="0" err="1"/>
+              <a:t>el</a:t>
+            </a:r>
+            <a:r>
+              <a:rPr lang="en-US" dirty="0"/>
+              <a:t>': 113, '</a:t>
+            </a:r>
+            <a:r>
+              <a:rPr lang="en-US" dirty="0" err="1"/>
+              <a:t>oo</a:t>
+            </a:r>
+            <a:r>
+              <a:rPr lang="en-US" dirty="0"/>
+              <a:t>': 111, 'am': 109, '</a:t>
+            </a:r>
+            <a:r>
+              <a:rPr lang="en-US" dirty="0" err="1"/>
+              <a:t>bo</a:t>
+            </a:r>
+            <a:r>
+              <a:rPr lang="en-US" dirty="0"/>
+              <a:t>': 109, 'il': 105, 'pe': 104, '</a:t>
+            </a:r>
+            <a:r>
+              <a:rPr lang="en-US" dirty="0" err="1"/>
+              <a:t>ba</a:t>
+            </a:r>
+            <a:r>
+              <a:rPr lang="en-US" dirty="0"/>
+              <a:t>': 102, 'do': 102, 've': 101, 'be': 99, 'll': 99, '</a:t>
+            </a:r>
+            <a:r>
+              <a:rPr lang="en-US" dirty="0" err="1"/>
+              <a:t>ur</a:t>
+            </a:r>
+            <a:r>
+              <a:rPr lang="en-US" dirty="0"/>
+              <a:t>': 97, 'ne': 97, 'it': 97, 'ad': 96, '</a:t>
+            </a:r>
+            <a:r>
+              <a:rPr lang="en-US" dirty="0" err="1"/>
+              <a:t>ot</a:t>
+            </a:r>
+            <a:r>
+              <a:rPr lang="en-US" dirty="0"/>
+              <a:t>': 95, '</a:t>
+            </a:r>
+            <a:r>
+              <a:rPr lang="en-US" dirty="0" err="1"/>
+              <a:t>ol</a:t>
+            </a:r>
+            <a:r>
+              <a:rPr lang="en-US" dirty="0"/>
+              <a:t>': 94, 'me': 92, 'ho': 90, 'li': 88, 'ai': 87, 'he': 86, 'ow': 85, 'to': 85, 'ha': 85, 'ta': 84, 'ma': 82, 'un': 82, 'id': 80, '</a:t>
+            </a:r>
+            <a:r>
+              <a:rPr lang="en-US" dirty="0" err="1"/>
+              <a:t>ke</a:t>
+            </a:r>
+            <a:r>
+              <a:rPr lang="en-US" dirty="0"/>
+              <a:t>': 79, 'et': 79, '</a:t>
+            </a:r>
+            <a:r>
+              <a:rPr lang="en-US" dirty="0" err="1"/>
+              <a:t>os</a:t>
+            </a:r>
+            <a:r>
+              <a:rPr lang="en-US" dirty="0"/>
+              <a:t>': 79, '</a:t>
+            </a:r>
+            <a:r>
+              <a:rPr lang="en-US" dirty="0" err="1"/>
+              <a:t>sh</a:t>
+            </a:r>
+            <a:r>
+              <a:rPr lang="en-US" dirty="0"/>
+              <a:t>': 79, '</a:t>
+            </a:r>
+            <a:r>
+              <a:rPr lang="en-US" dirty="0" err="1"/>
+              <a:t>ic</a:t>
+            </a:r>
+            <a:r>
+              <a:rPr lang="en-US" dirty="0"/>
+              <a:t>': 79, 'po': 77, 'ap': 77, 'ns': 76, 'ac': 76, '</a:t>
+            </a:r>
+            <a:r>
+              <a:rPr lang="en-US" dirty="0" err="1"/>
+              <a:t>bu</a:t>
+            </a:r>
+            <a:r>
+              <a:rPr lang="en-US" dirty="0"/>
+              <a:t>': 76, '</a:t>
+            </a:r>
+            <a:r>
+              <a:rPr lang="en-US" dirty="0" err="1"/>
+              <a:t>th</a:t>
+            </a:r>
+            <a:r>
+              <a:rPr lang="en-US" dirty="0"/>
+              <a:t>': 74, 'di': 74, 'pa': 73, 'ck': 73, 'us': 73, 'fa': 71, '</a:t>
+            </a:r>
+            <a:r>
+              <a:rPr lang="en-US" dirty="0" err="1"/>
+              <a:t>ou</a:t>
+            </a:r>
+            <a:r>
+              <a:rPr lang="en-US" dirty="0"/>
+              <a:t>': 71, '</a:t>
+            </a:r>
+            <a:r>
+              <a:rPr lang="en-US" dirty="0" err="1"/>
+              <a:t>ge</a:t>
+            </a:r>
+            <a:r>
+              <a:rPr lang="en-US" dirty="0"/>
+              <a:t>': 70, '</a:t>
+            </a:r>
+            <a:r>
+              <a:rPr lang="en-US" dirty="0" err="1"/>
+              <a:t>cr</a:t>
+            </a:r>
+            <a:r>
+              <a:rPr lang="en-US" dirty="0"/>
+              <a:t>': 69, 'is': 69, 'op': 68, '</a:t>
+            </a:r>
+            <a:r>
+              <a:rPr lang="en-US" dirty="0" err="1"/>
+              <a:t>mo</a:t>
+            </a:r>
+            <a:r>
+              <a:rPr lang="en-US" dirty="0"/>
+              <a:t>': 67, 'ng': 65, 'ds': 65, '</a:t>
+            </a:r>
+            <a:r>
+              <a:rPr lang="en-US" dirty="0" err="1"/>
+              <a:t>fe</a:t>
+            </a:r>
+            <a:r>
+              <a:rPr lang="en-US" dirty="0"/>
+              <a:t>': 64, 'fi': 64, '</a:t>
+            </a:r>
+            <a:r>
+              <a:rPr lang="en-US" dirty="0" err="1"/>
+              <a:t>ps</a:t>
+            </a:r>
+            <a:r>
+              <a:rPr lang="en-US" dirty="0"/>
+              <a:t>': 64, '</a:t>
+            </a:r>
+            <a:r>
+              <a:rPr lang="en-US" dirty="0" err="1"/>
+              <a:t>ut</a:t>
+            </a:r>
+            <a:r>
+              <a:rPr lang="en-US" dirty="0"/>
+              <a:t>': 64, 'da': 63, '</a:t>
+            </a:r>
+            <a:r>
+              <a:rPr lang="en-US" dirty="0" err="1"/>
+              <a:t>ce</a:t>
+            </a:r>
+            <a:r>
+              <a:rPr lang="en-US" dirty="0"/>
+              <a:t>': 62, 'ls': 62, '</a:t>
+            </a:r>
+            <a:r>
+              <a:rPr lang="en-US" dirty="0" err="1"/>
+              <a:t>nd</a:t>
+            </a:r>
+            <a:r>
+              <a:rPr lang="en-US" dirty="0"/>
+              <a:t>': 62, '</a:t>
+            </a:r>
+            <a:r>
+              <a:rPr lang="en-US" dirty="0" err="1"/>
+              <a:t>wa</a:t>
+            </a:r>
+            <a:r>
+              <a:rPr lang="en-US" dirty="0"/>
+              <a:t>': 62, 'hi': 62, '</a:t>
+            </a:r>
+            <a:r>
+              <a:rPr lang="en-US" dirty="0" err="1"/>
+              <a:t>nt</a:t>
+            </a:r>
+            <a:r>
+              <a:rPr lang="en-US" dirty="0"/>
+              <a:t>': 62,…}</a:t>
+            </a:r>
+          </a:p>
+          <a:p>
+            <a:endParaRPr lang="en-US" dirty="0"/>
+          </a:p>
+          <a:p>
+            <a:r>
+              <a:rPr lang="en-US" dirty="0" err="1"/>
+              <a:t>ind</a:t>
+            </a:r>
+            <a:r>
+              <a:rPr lang="en-US" dirty="0"/>
+              <a:t>: 236</a:t>
+            </a:r>
+          </a:p>
+          <a:p>
+            <a:endParaRPr lang="en-US" dirty="0"/>
+          </a:p>
+          <a:p>
+            <a:r>
+              <a:rPr lang="en-US" dirty="0"/>
+              <a:t>['e', 'a', 'o', '</a:t>
+            </a:r>
+            <a:r>
+              <a:rPr lang="en-US" dirty="0" err="1"/>
+              <a:t>i</a:t>
+            </a:r>
+            <a:r>
+              <a:rPr lang="en-US" dirty="0"/>
+              <a:t>']  (Vowels that LF Value &gt;=5%)</a:t>
+            </a:r>
+          </a:p>
+        </p:txBody>
+      </p:sp>
+    </p:spTree>
+    <p:extLst>
+      <p:ext uri="{BB962C8B-B14F-4D97-AF65-F5344CB8AC3E}">
+        <p14:creationId xmlns:p14="http://schemas.microsoft.com/office/powerpoint/2010/main" val="2601551901"/>
+      </p:ext>
+    </p:extLst>
+  </p:cSld>
+  <p:clrMapOvr>
+    <a:masterClrMapping/>
+  </p:clrMapOvr>
+</p:sld>
+</file>
+
+<file path=ppt/slides/slide11.xml><?xml version="1.0" encoding="utf-8"?>
+<p:sld xmlns:a="http://schemas.openxmlformats.org/drawingml/2006/main" xmlns:r="http://schemas.openxmlformats.org/officeDocument/2006/relationships" xmlns:p="http://schemas.openxmlformats.org/presentationml/2006/main" showMasterSp="0">
+  <p:cSld>
+    <p:spTree>
+      <p:nvGrpSpPr>
+        <p:cNvPr id="1" name=""/>
+        <p:cNvGrpSpPr/>
+        <p:nvPr/>
+      </p:nvGrpSpPr>
+      <p:grpSpPr>
+        <a:xfrm>
+          <a:off x="0" y="0"/>
+          <a:ext cx="0" cy="0"/>
+          <a:chOff x="0" y="0"/>
+          <a:chExt cx="0" cy="0"/>
+        </a:xfrm>
+      </p:grpSpPr>
+      <p:sp>
+        <p:nvSpPr>
+          <p:cNvPr id="2" name="Title 1">
+            <a:extLst>
+              <a:ext uri="{FF2B5EF4-FFF2-40B4-BE49-F238E27FC236}">
+                <a16:creationId xmlns:a16="http://schemas.microsoft.com/office/drawing/2014/main" id="{6C3916CA-D002-8DA8-4E43-E6972054BBA9}"/>
+              </a:ext>
+            </a:extLst>
+          </p:cNvPr>
+          <p:cNvSpPr>
+            <a:spLocks noGrp="1"/>
+          </p:cNvSpPr>
+          <p:nvPr>
+            <p:ph type="title"/>
+          </p:nvPr>
+        </p:nvSpPr>
+        <p:spPr>
+          <a:xfrm>
+            <a:off x="838200" y="365126"/>
+            <a:ext cx="10515600" cy="1086170"/>
+          </a:xfrm>
+        </p:spPr>
+        <p:txBody>
+          <a:bodyPr/>
+          <a:lstStyle/>
+          <a:p>
+            <a:r>
+              <a:rPr lang="en-US" dirty="0"/>
+              <a:t>Restrictions</a:t>
+            </a:r>
+          </a:p>
+        </p:txBody>
+      </p:sp>
+      <p:sp>
+        <p:nvSpPr>
+          <p:cNvPr id="3" name="Content Placeholder 2">
+            <a:extLst>
+              <a:ext uri="{FF2B5EF4-FFF2-40B4-BE49-F238E27FC236}">
+                <a16:creationId xmlns:a16="http://schemas.microsoft.com/office/drawing/2014/main" id="{6AB69F8B-5FBB-D2FE-56CB-CE478DC9272E}"/>
+              </a:ext>
+            </a:extLst>
+          </p:cNvPr>
+          <p:cNvSpPr>
+            <a:spLocks noGrp="1"/>
+          </p:cNvSpPr>
+          <p:nvPr>
+            <p:ph idx="1"/>
+          </p:nvPr>
+        </p:nvSpPr>
+        <p:spPr>
+          <a:xfrm>
+            <a:off x="1098259" y="1690688"/>
+            <a:ext cx="9505426" cy="4351338"/>
+          </a:xfrm>
+        </p:spPr>
+        <p:txBody>
+          <a:bodyPr>
+            <a:normAutofit/>
+          </a:bodyPr>
+          <a:lstStyle/>
+          <a:p>
+            <a:pPr algn="l"/>
+            <a:r>
+              <a:rPr lang="en-US" sz="2200" b="1" i="0" u="none" strike="noStrike" baseline="0" dirty="0">
+                <a:latin typeface="Times New Roman" panose="02020603050405020304" pitchFamily="18" charset="0"/>
+                <a:cs typeface="Times New Roman" panose="02020603050405020304" pitchFamily="18" charset="0"/>
+              </a:rPr>
+              <a:t>All letters from the alphabet of the language must take a place in the set of cubes. </a:t>
+            </a:r>
+            <a:r>
+              <a:rPr lang="en-US" sz="2200" b="0" i="0" u="none" strike="noStrike" baseline="0" dirty="0">
+                <a:latin typeface="Times New Roman" panose="02020603050405020304" pitchFamily="18" charset="0"/>
+                <a:cs typeface="Times New Roman" panose="02020603050405020304" pitchFamily="18" charset="0"/>
+              </a:rPr>
+              <a:t>Since the game is designed to improve the work of letters in young children, when they play with cubes during the game, they will get acquainted with all the letters in the alphabet of the language.</a:t>
+            </a:r>
+          </a:p>
+          <a:p>
+            <a:pPr algn="l"/>
+            <a:r>
+              <a:rPr lang="en-US" sz="2200" b="1" i="0" u="none" strike="noStrike" baseline="0" dirty="0">
+                <a:latin typeface="Times New Roman" panose="02020603050405020304" pitchFamily="18" charset="0"/>
+                <a:cs typeface="Times New Roman" panose="02020603050405020304" pitchFamily="18" charset="0"/>
+              </a:rPr>
+              <a:t>A letter can not be placed two times or more on a single cube.  </a:t>
+            </a:r>
+            <a:r>
+              <a:rPr lang="en-US" sz="2200" b="0" i="0" u="none" strike="noStrike" baseline="0" dirty="0">
+                <a:latin typeface="Times New Roman" panose="02020603050405020304" pitchFamily="18" charset="0"/>
+                <a:cs typeface="Times New Roman" panose="02020603050405020304" pitchFamily="18" charset="0"/>
+              </a:rPr>
+              <a:t>During the matching letters of the word, a player can use only one side of a cube while forming a word, according to this fact when a letter is placed more than one time on the cube it is ineffective. According to placing different letters, we should make as many words as possible. </a:t>
+            </a:r>
+            <a:endParaRPr lang="en-US" sz="2200" dirty="0">
+              <a:latin typeface="Times New Roman" panose="02020603050405020304" pitchFamily="18" charset="0"/>
+              <a:cs typeface="Times New Roman" panose="02020603050405020304" pitchFamily="18" charset="0"/>
+            </a:endParaRPr>
+          </a:p>
+          <a:p>
+            <a:pPr algn="l"/>
+            <a:r>
+              <a:rPr lang="en-US" sz="2200" b="1" i="0" u="none" strike="noStrike" baseline="0" dirty="0">
+                <a:latin typeface="Times New Roman" panose="02020603050405020304" pitchFamily="18" charset="0"/>
+                <a:cs typeface="Times New Roman" panose="02020603050405020304" pitchFamily="18" charset="0"/>
+              </a:rPr>
+              <a:t>The count of vowel letters for each cube is two</a:t>
+            </a:r>
+            <a:r>
+              <a:rPr lang="en-US" sz="2200" b="0" i="0" u="none" strike="noStrike" baseline="0" dirty="0">
+                <a:latin typeface="Times New Roman" panose="02020603050405020304" pitchFamily="18" charset="0"/>
+                <a:cs typeface="Times New Roman" panose="02020603050405020304" pitchFamily="18" charset="0"/>
+              </a:rPr>
+              <a:t> (or three, depending on the method). This restriction provides an almost equal number of vowel letters for different cubes.</a:t>
+            </a:r>
+          </a:p>
+        </p:txBody>
+      </p:sp>
+    </p:spTree>
+    <p:extLst>
+      <p:ext uri="{BB962C8B-B14F-4D97-AF65-F5344CB8AC3E}">
+        <p14:creationId xmlns:p14="http://schemas.microsoft.com/office/powerpoint/2010/main" val="521745817"/>
+      </p:ext>
+    </p:extLst>
+  </p:cSld>
+  <p:clrMapOvr>
+    <a:masterClrMapping/>
+  </p:clrMapOvr>
+</p:sld>
+</file>
+
+<file path=ppt/slides/slide12.xml><?xml version="1.0" encoding="utf-8"?>
+<p:sld xmlns:a="http://schemas.openxmlformats.org/drawingml/2006/main" xmlns:r="http://schemas.openxmlformats.org/officeDocument/2006/relationships" xmlns:p="http://schemas.openxmlformats.org/presentationml/2006/main" showMasterSp="0">
+  <p:cSld>
+    <p:spTree>
+      <p:nvGrpSpPr>
+        <p:cNvPr id="1" name=""/>
+        <p:cNvGrpSpPr/>
+        <p:nvPr/>
+      </p:nvGrpSpPr>
+      <p:grpSpPr>
+        <a:xfrm>
+          <a:off x="0" y="0"/>
+          <a:ext cx="0" cy="0"/>
+          <a:chOff x="0" y="0"/>
+          <a:chExt cx="0" cy="0"/>
+        </a:xfrm>
+      </p:grpSpPr>
+      <p:sp>
+        <p:nvSpPr>
+          <p:cNvPr id="2" name="Title 1">
+            <a:extLst>
+              <a:ext uri="{FF2B5EF4-FFF2-40B4-BE49-F238E27FC236}">
                 <a16:creationId xmlns:a16="http://schemas.microsoft.com/office/drawing/2014/main" id="{9D6750B5-5788-4304-18B0-F49E1ADA00EB}"/>
               </a:ext>
             </a:extLst>
@@ -3465,7 +4040,7 @@
         </p:blipFill>
         <p:spPr>
           <a:xfrm>
-            <a:off x="443917" y="1782967"/>
+            <a:off x="443917" y="1380295"/>
             <a:ext cx="8020574" cy="3985501"/>
           </a:xfrm>
           <a:prstGeom prst="rect">
@@ -3497,8 +4072,38 @@
         </p:blipFill>
         <p:spPr>
           <a:xfrm>
-            <a:off x="8737918" y="1998336"/>
+            <a:off x="8704363" y="689653"/>
             <a:ext cx="3172268" cy="2495898"/>
+          </a:xfrm>
+          <a:prstGeom prst="rect">
+            <a:avLst/>
+          </a:prstGeom>
+        </p:spPr>
+      </p:pic>
+      <p:pic>
+        <p:nvPicPr>
+          <p:cNvPr id="7" name="Picture 6">
+            <a:extLst>
+              <a:ext uri="{FF2B5EF4-FFF2-40B4-BE49-F238E27FC236}">
+                <a16:creationId xmlns:a16="http://schemas.microsoft.com/office/drawing/2014/main" id="{DD879CEB-E4A9-0BED-F4DA-FA574D8598E6}"/>
+              </a:ext>
+            </a:extLst>
+          </p:cNvPr>
+          <p:cNvPicPr>
+            <a:picLocks noChangeAspect="1"/>
+          </p:cNvPicPr>
+          <p:nvPr/>
+        </p:nvPicPr>
+        <p:blipFill>
+          <a:blip r:embed="rId4"/>
+          <a:stretch>
+            <a:fillRect/>
+          </a:stretch>
+        </p:blipFill>
+        <p:spPr>
+          <a:xfrm>
+            <a:off x="9947607" y="3373045"/>
+            <a:ext cx="1800476" cy="3296110"/>
           </a:xfrm>
           <a:prstGeom prst="rect">
             <a:avLst/>
@@ -3518,8 +4123,8 @@
 </p:sld>
 </file>
 
-<file path=ppt/slides/slide11.xml><?xml version="1.0" encoding="utf-8"?>
-<p:sld xmlns:a="http://schemas.openxmlformats.org/drawingml/2006/main" xmlns:r="http://schemas.openxmlformats.org/officeDocument/2006/relationships" xmlns:p="http://schemas.openxmlformats.org/presentationml/2006/main">
+<file path=ppt/slides/slide13.xml><?xml version="1.0" encoding="utf-8"?>
+<p:sld xmlns:a="http://schemas.openxmlformats.org/drawingml/2006/main" xmlns:r="http://schemas.openxmlformats.org/officeDocument/2006/relationships" xmlns:p="http://schemas.openxmlformats.org/presentationml/2006/main" showMasterSp="0">
   <p:cSld>
     <p:spTree>
       <p:nvGrpSpPr>
@@ -3590,10 +4195,10 @@
       </p:sp>
       <p:pic>
         <p:nvPicPr>
-          <p:cNvPr id="4" name="Picture 3">
-            <a:extLst>
-              <a:ext uri="{FF2B5EF4-FFF2-40B4-BE49-F238E27FC236}">
-                <a16:creationId xmlns:a16="http://schemas.microsoft.com/office/drawing/2014/main" id="{38F62446-74A4-543A-4959-621F3CCC7FC2}"/>
+          <p:cNvPr id="6" name="Picture 5">
+            <a:extLst>
+              <a:ext uri="{FF2B5EF4-FFF2-40B4-BE49-F238E27FC236}">
+                <a16:creationId xmlns:a16="http://schemas.microsoft.com/office/drawing/2014/main" id="{641752BF-E721-836F-7459-FA41ACC1B997}"/>
               </a:ext>
             </a:extLst>
           </p:cNvPr>
@@ -3604,36 +4209,6 @@
         </p:nvPicPr>
         <p:blipFill>
           <a:blip r:embed="rId2"/>
-          <a:stretch>
-            <a:fillRect/>
-          </a:stretch>
-        </p:blipFill>
-        <p:spPr>
-          <a:xfrm>
-            <a:off x="9796605" y="1690688"/>
-            <a:ext cx="1800476" cy="3296110"/>
-          </a:xfrm>
-          <a:prstGeom prst="rect">
-            <a:avLst/>
-          </a:prstGeom>
-        </p:spPr>
-      </p:pic>
-      <p:pic>
-        <p:nvPicPr>
-          <p:cNvPr id="6" name="Picture 5">
-            <a:extLst>
-              <a:ext uri="{FF2B5EF4-FFF2-40B4-BE49-F238E27FC236}">
-                <a16:creationId xmlns:a16="http://schemas.microsoft.com/office/drawing/2014/main" id="{641752BF-E721-836F-7459-FA41ACC1B997}"/>
-              </a:ext>
-            </a:extLst>
-          </p:cNvPr>
-          <p:cNvPicPr>
-            <a:picLocks noChangeAspect="1"/>
-          </p:cNvPicPr>
-          <p:nvPr/>
-        </p:nvPicPr>
-        <p:blipFill>
-          <a:blip r:embed="rId3"/>
           <a:stretch>
             <a:fillRect/>
           </a:stretch>
@@ -3661,8 +4236,8 @@
 </p:sld>
 </file>
 
-<file path=ppt/slides/slide12.xml><?xml version="1.0" encoding="utf-8"?>
-<p:sld xmlns:a="http://schemas.openxmlformats.org/drawingml/2006/main" xmlns:r="http://schemas.openxmlformats.org/officeDocument/2006/relationships" xmlns:p="http://schemas.openxmlformats.org/presentationml/2006/main">
+<file path=ppt/slides/slide14.xml><?xml version="1.0" encoding="utf-8"?>
+<p:sld xmlns:a="http://schemas.openxmlformats.org/drawingml/2006/main" xmlns:r="http://schemas.openxmlformats.org/officeDocument/2006/relationships" xmlns:p="http://schemas.openxmlformats.org/presentationml/2006/main" showMasterSp="0">
   <p:cSld>
     <p:spTree>
       <p:nvGrpSpPr>
@@ -3708,10 +4283,10 @@
       </p:sp>
       <p:pic>
         <p:nvPicPr>
-          <p:cNvPr id="4" name="Picture 3">
-            <a:extLst>
-              <a:ext uri="{FF2B5EF4-FFF2-40B4-BE49-F238E27FC236}">
-                <a16:creationId xmlns:a16="http://schemas.microsoft.com/office/drawing/2014/main" id="{F9C1C9ED-AE5D-C72A-7E6F-398D6BB4DCFC}"/>
+          <p:cNvPr id="5" name="Picture 4">
+            <a:extLst>
+              <a:ext uri="{FF2B5EF4-FFF2-40B4-BE49-F238E27FC236}">
+                <a16:creationId xmlns:a16="http://schemas.microsoft.com/office/drawing/2014/main" id="{AE72D157-BBE0-BA39-EDB8-DF8FD1B1E0C5}"/>
               </a:ext>
             </a:extLst>
           </p:cNvPr>
@@ -3728,38 +4303,8 @@
         </p:blipFill>
         <p:spPr>
           <a:xfrm>
-            <a:off x="838200" y="4071644"/>
-            <a:ext cx="8992855" cy="2105319"/>
-          </a:xfrm>
-          <a:prstGeom prst="rect">
-            <a:avLst/>
-          </a:prstGeom>
-        </p:spPr>
-      </p:pic>
-      <p:pic>
-        <p:nvPicPr>
-          <p:cNvPr id="6" name="Picture 5">
-            <a:extLst>
-              <a:ext uri="{FF2B5EF4-FFF2-40B4-BE49-F238E27FC236}">
-                <a16:creationId xmlns:a16="http://schemas.microsoft.com/office/drawing/2014/main" id="{F92BD8C4-3926-5E04-519E-46321FCED0FA}"/>
-              </a:ext>
-            </a:extLst>
-          </p:cNvPr>
-          <p:cNvPicPr>
-            <a:picLocks noChangeAspect="1"/>
-          </p:cNvPicPr>
-          <p:nvPr/>
-        </p:nvPicPr>
-        <p:blipFill>
-          <a:blip r:embed="rId3"/>
-          <a:stretch>
-            <a:fillRect/>
-          </a:stretch>
-        </p:blipFill>
-        <p:spPr>
-          <a:xfrm>
-            <a:off x="838200" y="1683857"/>
-            <a:ext cx="9240540" cy="2095792"/>
+            <a:off x="908418" y="1489051"/>
+            <a:ext cx="10047604" cy="4698520"/>
           </a:xfrm>
           <a:prstGeom prst="rect">
             <a:avLst/>
@@ -3779,8 +4324,151 @@
 </p:sld>
 </file>
 
-<file path=ppt/slides/slide13.xml><?xml version="1.0" encoding="utf-8"?>
-<p:sld xmlns:a="http://schemas.openxmlformats.org/drawingml/2006/main" xmlns:r="http://schemas.openxmlformats.org/officeDocument/2006/relationships" xmlns:p="http://schemas.openxmlformats.org/presentationml/2006/main">
+<file path=ppt/slides/slide15.xml><?xml version="1.0" encoding="utf-8"?>
+<p:sld xmlns:a="http://schemas.openxmlformats.org/drawingml/2006/main" xmlns:r="http://schemas.openxmlformats.org/officeDocument/2006/relationships" xmlns:p="http://schemas.openxmlformats.org/presentationml/2006/main" showMasterSp="0">
+  <p:cSld>
+    <p:spTree>
+      <p:nvGrpSpPr>
+        <p:cNvPr id="1" name=""/>
+        <p:cNvGrpSpPr/>
+        <p:nvPr/>
+      </p:nvGrpSpPr>
+      <p:grpSpPr>
+        <a:xfrm>
+          <a:off x="0" y="0"/>
+          <a:ext cx="0" cy="0"/>
+          <a:chOff x="0" y="0"/>
+          <a:chExt cx="0" cy="0"/>
+        </a:xfrm>
+      </p:grpSpPr>
+      <p:sp>
+        <p:nvSpPr>
+          <p:cNvPr id="2" name="Title 1">
+            <a:extLst>
+              <a:ext uri="{FF2B5EF4-FFF2-40B4-BE49-F238E27FC236}">
+                <a16:creationId xmlns:a16="http://schemas.microsoft.com/office/drawing/2014/main" id="{FDFF235D-DE6D-C173-2807-3704E8376F33}"/>
+              </a:ext>
+            </a:extLst>
+          </p:cNvPr>
+          <p:cNvSpPr>
+            <a:spLocks noGrp="1"/>
+          </p:cNvSpPr>
+          <p:nvPr>
+            <p:ph type="title"/>
+          </p:nvPr>
+        </p:nvSpPr>
+        <p:spPr/>
+        <p:txBody>
+          <a:bodyPr/>
+          <a:lstStyle/>
+          <a:p>
+            <a:r>
+              <a:rPr lang="en-US" dirty="0"/>
+              <a:t>Results</a:t>
+            </a:r>
+          </a:p>
+        </p:txBody>
+      </p:sp>
+      <p:sp>
+        <p:nvSpPr>
+          <p:cNvPr id="3" name="Content Placeholder 2">
+            <a:extLst>
+              <a:ext uri="{FF2B5EF4-FFF2-40B4-BE49-F238E27FC236}">
+                <a16:creationId xmlns:a16="http://schemas.microsoft.com/office/drawing/2014/main" id="{4447948F-06EC-4382-5A32-3F0A4F4FE446}"/>
+              </a:ext>
+            </a:extLst>
+          </p:cNvPr>
+          <p:cNvSpPr>
+            <a:spLocks noGrp="1"/>
+          </p:cNvSpPr>
+          <p:nvPr>
+            <p:ph idx="1"/>
+          </p:nvPr>
+        </p:nvSpPr>
+        <p:spPr/>
+        <p:txBody>
+          <a:bodyPr/>
+          <a:lstStyle/>
+          <a:p>
+            <a:endParaRPr lang="en-US"/>
+          </a:p>
+        </p:txBody>
+      </p:sp>
+      <p:pic>
+        <p:nvPicPr>
+          <p:cNvPr id="4" name="Picture 3">
+            <a:extLst>
+              <a:ext uri="{FF2B5EF4-FFF2-40B4-BE49-F238E27FC236}">
+                <a16:creationId xmlns:a16="http://schemas.microsoft.com/office/drawing/2014/main" id="{270F4589-7C23-AA36-2DDF-A202891AC2AE}"/>
+              </a:ext>
+            </a:extLst>
+          </p:cNvPr>
+          <p:cNvPicPr>
+            <a:picLocks noChangeAspect="1"/>
+          </p:cNvPicPr>
+          <p:nvPr/>
+        </p:nvPicPr>
+        <p:blipFill>
+          <a:blip r:embed="rId2"/>
+          <a:stretch>
+            <a:fillRect/>
+          </a:stretch>
+        </p:blipFill>
+        <p:spPr>
+          <a:xfrm>
+            <a:off x="818413" y="1397074"/>
+            <a:ext cx="10555173" cy="2381582"/>
+          </a:xfrm>
+          <a:prstGeom prst="rect">
+            <a:avLst/>
+          </a:prstGeom>
+        </p:spPr>
+      </p:pic>
+      <p:pic>
+        <p:nvPicPr>
+          <p:cNvPr id="5" name="Picture 4">
+            <a:extLst>
+              <a:ext uri="{FF2B5EF4-FFF2-40B4-BE49-F238E27FC236}">
+                <a16:creationId xmlns:a16="http://schemas.microsoft.com/office/drawing/2014/main" id="{FD7138E7-2898-853E-2330-659C04E9AA39}"/>
+              </a:ext>
+            </a:extLst>
+          </p:cNvPr>
+          <p:cNvPicPr>
+            <a:picLocks noChangeAspect="1"/>
+          </p:cNvPicPr>
+          <p:nvPr/>
+        </p:nvPicPr>
+        <p:blipFill>
+          <a:blip r:embed="rId3"/>
+          <a:stretch>
+            <a:fillRect/>
+          </a:stretch>
+        </p:blipFill>
+        <p:spPr>
+          <a:xfrm>
+            <a:off x="787866" y="3778656"/>
+            <a:ext cx="10593278" cy="2333951"/>
+          </a:xfrm>
+          <a:prstGeom prst="rect">
+            <a:avLst/>
+          </a:prstGeom>
+        </p:spPr>
+      </p:pic>
+    </p:spTree>
+    <p:extLst>
+      <p:ext uri="{BB962C8B-B14F-4D97-AF65-F5344CB8AC3E}">
+        <p14:creationId xmlns:p14="http://schemas.microsoft.com/office/powerpoint/2010/main" val="3354725436"/>
+      </p:ext>
+    </p:extLst>
+  </p:cSld>
+  <p:clrMapOvr>
+    <a:masterClrMapping/>
+  </p:clrMapOvr>
+</p:sld>
+</file>
+
+<file path=ppt/slides/slide16.xml><?xml version="1.0" encoding="utf-8"?>
+<p:sld xmlns:a="http://schemas.openxmlformats.org/drawingml/2006/main" xmlns:r="http://schemas.openxmlformats.org/officeDocument/2006/relationships" xmlns:p="http://schemas.openxmlformats.org/presentationml/2006/main" showMasterSp="0">
   <p:cSld>
     <p:spTree>
       <p:nvGrpSpPr>
@@ -4993,6 +5681,44 @@
           </a:p>
         </p:txBody>
       </p:sp>
+      <p:sp>
+        <p:nvSpPr>
+          <p:cNvPr id="3" name="TextBox 2">
+            <a:extLst>
+              <a:ext uri="{FF2B5EF4-FFF2-40B4-BE49-F238E27FC236}">
+                <a16:creationId xmlns:a16="http://schemas.microsoft.com/office/drawing/2014/main" id="{74C24463-89F2-662F-4D94-19EB7F5B42D3}"/>
+              </a:ext>
+            </a:extLst>
+          </p:cNvPr>
+          <p:cNvSpPr txBox="1"/>
+          <p:nvPr/>
+        </p:nvSpPr>
+        <p:spPr>
+          <a:xfrm>
+            <a:off x="2529186" y="5314847"/>
+            <a:ext cx="1717137" cy="369332"/>
+          </a:xfrm>
+          <a:prstGeom prst="rect">
+            <a:avLst/>
+          </a:prstGeom>
+          <a:noFill/>
+        </p:spPr>
+        <p:txBody>
+          <a:bodyPr wrap="none" rtlCol="0">
+            <a:spAutoFit/>
+          </a:bodyPr>
+          <a:lstStyle/>
+          <a:p>
+            <a:r>
+              <a:rPr lang="en-US" dirty="0">
+                <a:latin typeface="Times New Roman" panose="02020603050405020304" pitchFamily="18" charset="0"/>
+                <a:cs typeface="Times New Roman" panose="02020603050405020304" pitchFamily="18" charset="0"/>
+              </a:rPr>
+              <a:t>For 8 cubes case</a:t>
+            </a:r>
+          </a:p>
+        </p:txBody>
+      </p:sp>
     </p:spTree>
     <p:extLst>
       <p:ext uri="{BB962C8B-B14F-4D97-AF65-F5344CB8AC3E}">
@@ -5006,8 +5732,8 @@
 </p:sld>
 </file>
 
-<file path=ppt/slides/slide14.xml><?xml version="1.0" encoding="utf-8"?>
-<p:sld xmlns:a="http://schemas.openxmlformats.org/drawingml/2006/main" xmlns:r="http://schemas.openxmlformats.org/officeDocument/2006/relationships" xmlns:p="http://schemas.openxmlformats.org/presentationml/2006/main">
+<file path=ppt/slides/slide17.xml><?xml version="1.0" encoding="utf-8"?>
+<p:sld xmlns:a="http://schemas.openxmlformats.org/drawingml/2006/main" xmlns:r="http://schemas.openxmlformats.org/officeDocument/2006/relationships" xmlns:p="http://schemas.openxmlformats.org/presentationml/2006/main" showMasterSp="0">
   <p:cSld>
     <p:spTree>
       <p:nvGrpSpPr>
@@ -5126,8 +5852,8 @@
 </p:sld>
 </file>
 
-<file path=ppt/slides/slide15.xml><?xml version="1.0" encoding="utf-8"?>
-<p:sld xmlns:a="http://schemas.openxmlformats.org/drawingml/2006/main" xmlns:r="http://schemas.openxmlformats.org/officeDocument/2006/relationships" xmlns:p="http://schemas.openxmlformats.org/presentationml/2006/main">
+<file path=ppt/slides/slide18.xml><?xml version="1.0" encoding="utf-8"?>
+<p:sld xmlns:a="http://schemas.openxmlformats.org/drawingml/2006/main" xmlns:r="http://schemas.openxmlformats.org/officeDocument/2006/relationships" xmlns:p="http://schemas.openxmlformats.org/presentationml/2006/main" showMasterSp="0">
   <p:cSld>
     <p:spTree>
       <p:nvGrpSpPr>
@@ -5369,8 +6095,8 @@
 </p:sld>
 </file>
 
-<file path=ppt/slides/slide16.xml><?xml version="1.0" encoding="utf-8"?>
-<p:sld xmlns:a="http://schemas.openxmlformats.org/drawingml/2006/main" xmlns:r="http://schemas.openxmlformats.org/officeDocument/2006/relationships" xmlns:p="http://schemas.openxmlformats.org/presentationml/2006/main">
+<file path=ppt/slides/slide19.xml><?xml version="1.0" encoding="utf-8"?>
+<p:sld xmlns:a="http://schemas.openxmlformats.org/drawingml/2006/main" xmlns:r="http://schemas.openxmlformats.org/officeDocument/2006/relationships" xmlns:p="http://schemas.openxmlformats.org/presentationml/2006/main" showMasterSp="0">
   <p:cSld>
     <p:spTree>
       <p:nvGrpSpPr>
@@ -5459,7 +6185,7 @@
 </file>
 
 <file path=ppt/slides/slide2.xml><?xml version="1.0" encoding="utf-8"?>
-<p:sld xmlns:a="http://schemas.openxmlformats.org/drawingml/2006/main" xmlns:r="http://schemas.openxmlformats.org/officeDocument/2006/relationships" xmlns:p="http://schemas.openxmlformats.org/presentationml/2006/main">
+<p:sld xmlns:a="http://schemas.openxmlformats.org/drawingml/2006/main" xmlns:r="http://schemas.openxmlformats.org/officeDocument/2006/relationships" xmlns:p="http://schemas.openxmlformats.org/presentationml/2006/main" showMasterSp="0">
   <p:cSld>
     <p:spTree>
       <p:nvGrpSpPr>
@@ -5578,7 +6304,7 @@
                 <a:latin typeface="Times New Roman" panose="02020603050405020304" pitchFamily="18" charset="0"/>
                 <a:cs typeface="Times New Roman" panose="02020603050405020304" pitchFamily="18" charset="0"/>
               </a:rPr>
-              <a:t>Vowel Patterns</a:t>
+              <a:t>Statistics</a:t>
             </a:r>
           </a:p>
           <a:p>
@@ -5650,7 +6376,7 @@
 </file>
 
 <file path=ppt/slides/slide3.xml><?xml version="1.0" encoding="utf-8"?>
-<p:sld xmlns:a="http://schemas.openxmlformats.org/drawingml/2006/main" xmlns:r="http://schemas.openxmlformats.org/officeDocument/2006/relationships" xmlns:p="http://schemas.openxmlformats.org/presentationml/2006/main">
+<p:sld xmlns:a="http://schemas.openxmlformats.org/drawingml/2006/main" xmlns:r="http://schemas.openxmlformats.org/officeDocument/2006/relationships" xmlns:p="http://schemas.openxmlformats.org/presentationml/2006/main" showMasterSp="0">
   <p:cSld>
     <p:spTree>
       <p:nvGrpSpPr>
@@ -5775,7 +6501,7 @@
 </file>
 
 <file path=ppt/slides/slide4.xml><?xml version="1.0" encoding="utf-8"?>
-<p:sld xmlns:a="http://schemas.openxmlformats.org/drawingml/2006/main" xmlns:r="http://schemas.openxmlformats.org/officeDocument/2006/relationships" xmlns:p="http://schemas.openxmlformats.org/presentationml/2006/main">
+<p:sld xmlns:a="http://schemas.openxmlformats.org/drawingml/2006/main" xmlns:r="http://schemas.openxmlformats.org/officeDocument/2006/relationships" xmlns:p="http://schemas.openxmlformats.org/presentationml/2006/main" showMasterSp="0">
   <p:cSld>
     <p:spTree>
       <p:nvGrpSpPr>
@@ -6022,7 +6748,7 @@
 </file>
 
 <file path=ppt/slides/slide5.xml><?xml version="1.0" encoding="utf-8"?>
-<p:sld xmlns:a="http://schemas.openxmlformats.org/drawingml/2006/main" xmlns:r="http://schemas.openxmlformats.org/officeDocument/2006/relationships" xmlns:p="http://schemas.openxmlformats.org/presentationml/2006/main">
+<p:sld xmlns:a="http://schemas.openxmlformats.org/drawingml/2006/main" xmlns:r="http://schemas.openxmlformats.org/officeDocument/2006/relationships" xmlns:p="http://schemas.openxmlformats.org/presentationml/2006/main" showMasterSp="0">
   <p:cSld>
     <p:spTree>
       <p:nvGrpSpPr>
@@ -6156,7 +6882,7 @@
 </file>
 
 <file path=ppt/slides/slide6.xml><?xml version="1.0" encoding="utf-8"?>
-<p:sld xmlns:a="http://schemas.openxmlformats.org/drawingml/2006/main" xmlns:r="http://schemas.openxmlformats.org/officeDocument/2006/relationships" xmlns:p="http://schemas.openxmlformats.org/presentationml/2006/main">
+<p:sld xmlns:a="http://schemas.openxmlformats.org/drawingml/2006/main" xmlns:r="http://schemas.openxmlformats.org/officeDocument/2006/relationships" xmlns:p="http://schemas.openxmlformats.org/presentationml/2006/main" showMasterSp="0">
   <p:cSld>
     <p:spTree>
       <p:nvGrpSpPr>
@@ -6322,7 +7048,7 @@
 </file>
 
 <file path=ppt/slides/slide7.xml><?xml version="1.0" encoding="utf-8"?>
-<p:sld xmlns:a="http://schemas.openxmlformats.org/drawingml/2006/main" xmlns:r="http://schemas.openxmlformats.org/officeDocument/2006/relationships" xmlns:p="http://schemas.openxmlformats.org/presentationml/2006/main">
+<p:sld xmlns:a="http://schemas.openxmlformats.org/drawingml/2006/main" xmlns:r="http://schemas.openxmlformats.org/officeDocument/2006/relationships" xmlns:p="http://schemas.openxmlformats.org/presentationml/2006/main" showMasterSp="0">
   <p:cSld>
     <p:spTree>
       <p:nvGrpSpPr>
@@ -6611,7 +7337,7 @@
 </file>
 
 <file path=ppt/slides/slide8.xml><?xml version="1.0" encoding="utf-8"?>
-<p:sld xmlns:a="http://schemas.openxmlformats.org/drawingml/2006/main" xmlns:r="http://schemas.openxmlformats.org/officeDocument/2006/relationships" xmlns:p="http://schemas.openxmlformats.org/presentationml/2006/main">
+<p:sld xmlns:a="http://schemas.openxmlformats.org/drawingml/2006/main" xmlns:r="http://schemas.openxmlformats.org/officeDocument/2006/relationships" xmlns:p="http://schemas.openxmlformats.org/presentationml/2006/main" showMasterSp="0">
   <p:cSld>
     <p:spTree>
       <p:nvGrpSpPr>
@@ -6650,7 +7376,7 @@
           <a:p>
             <a:r>
               <a:rPr lang="en-US" dirty="0"/>
-              <a:t>Vowel Patterns</a:t>
+              <a:t>Statistics (Vowel Patterns)</a:t>
             </a:r>
           </a:p>
         </p:txBody>
@@ -6724,7 +7450,7 @@
 </file>
 
 <file path=ppt/slides/slide9.xml><?xml version="1.0" encoding="utf-8"?>
-<p:sld xmlns:a="http://schemas.openxmlformats.org/drawingml/2006/main" xmlns:r="http://schemas.openxmlformats.org/officeDocument/2006/relationships" xmlns:p="http://schemas.openxmlformats.org/presentationml/2006/main">
+<p:sld xmlns:a="http://schemas.openxmlformats.org/drawingml/2006/main" xmlns:r="http://schemas.openxmlformats.org/officeDocument/2006/relationships" xmlns:p="http://schemas.openxmlformats.org/presentationml/2006/main" showMasterSp="0">
   <p:cSld>
     <p:spTree>
       <p:nvGrpSpPr>
@@ -6745,7 +7471,7 @@
           <p:cNvPr id="2" name="Title 1">
             <a:extLst>
               <a:ext uri="{FF2B5EF4-FFF2-40B4-BE49-F238E27FC236}">
-                <a16:creationId xmlns:a16="http://schemas.microsoft.com/office/drawing/2014/main" id="{6C3916CA-D002-8DA8-4E43-E6972054BBA9}"/>
+                <a16:creationId xmlns:a16="http://schemas.microsoft.com/office/drawing/2014/main" id="{23522780-72EE-A7B9-1810-B4B16B2860C2}"/>
               </a:ext>
             </a:extLst>
           </p:cNvPr>
@@ -6755,104 +7481,565 @@
           <p:nvPr>
             <p:ph type="title"/>
           </p:nvPr>
+        </p:nvSpPr>
+        <p:spPr/>
+        <p:txBody>
+          <a:bodyPr/>
+          <a:lstStyle/>
+          <a:p>
+            <a:r>
+              <a:rPr lang="en-US" dirty="0"/>
+              <a:t>Statistics (UZ: LF, N-gram)</a:t>
+            </a:r>
+          </a:p>
+        </p:txBody>
+      </p:sp>
+      <p:sp>
+        <p:nvSpPr>
+          <p:cNvPr id="5" name="TextBox 4">
+            <a:extLst>
+              <a:ext uri="{FF2B5EF4-FFF2-40B4-BE49-F238E27FC236}">
+                <a16:creationId xmlns:a16="http://schemas.microsoft.com/office/drawing/2014/main" id="{AF8A6B64-4439-EC45-DE79-3B3354974645}"/>
+              </a:ext>
+            </a:extLst>
+          </p:cNvPr>
+          <p:cNvSpPr txBox="1"/>
+          <p:nvPr/>
         </p:nvSpPr>
         <p:spPr>
           <a:xfrm>
-            <a:off x="838200" y="365126"/>
-            <a:ext cx="10515600" cy="1086170"/>
+            <a:off x="838200" y="1478845"/>
+            <a:ext cx="10101044" cy="5078313"/>
           </a:xfrm>
+          <a:prstGeom prst="rect">
+            <a:avLst/>
+          </a:prstGeom>
+          <a:noFill/>
         </p:spPr>
         <p:txBody>
-          <a:bodyPr/>
-          <a:lstStyle/>
-          <a:p>
-            <a:r>
-              <a:rPr lang="en-US" dirty="0"/>
-              <a:t>Restrictions</a:t>
-            </a:r>
-          </a:p>
-        </p:txBody>
-      </p:sp>
-      <p:sp>
-        <p:nvSpPr>
-          <p:cNvPr id="3" name="Content Placeholder 2">
-            <a:extLst>
-              <a:ext uri="{FF2B5EF4-FFF2-40B4-BE49-F238E27FC236}">
-                <a16:creationId xmlns:a16="http://schemas.microsoft.com/office/drawing/2014/main" id="{6AB69F8B-5FBB-D2FE-56CB-CE478DC9272E}"/>
-              </a:ext>
-            </a:extLst>
-          </p:cNvPr>
-          <p:cNvSpPr>
-            <a:spLocks noGrp="1"/>
-          </p:cNvSpPr>
-          <p:nvPr>
-            <p:ph idx="1"/>
-          </p:nvPr>
-        </p:nvSpPr>
-        <p:spPr>
-          <a:xfrm>
-            <a:off x="1098259" y="1690688"/>
-            <a:ext cx="9505426" cy="4351338"/>
-          </a:xfrm>
-        </p:spPr>
-        <p:txBody>
-          <a:bodyPr>
-            <a:normAutofit/>
+          <a:bodyPr wrap="square">
+            <a:spAutoFit/>
           </a:bodyPr>
           <a:lstStyle/>
           <a:p>
-            <a:pPr algn="l"/>
-            <a:r>
-              <a:rPr lang="en-US" sz="2200" b="1" i="0" u="none" strike="noStrike" baseline="0" dirty="0">
-                <a:latin typeface="Times New Roman" panose="02020603050405020304" pitchFamily="18" charset="0"/>
-                <a:cs typeface="Times New Roman" panose="02020603050405020304" pitchFamily="18" charset="0"/>
-              </a:rPr>
-              <a:t>All letters from the alphabet of the language must take a place in the set of cubes. </a:t>
-            </a:r>
-            <a:r>
-              <a:rPr lang="en-US" sz="2200" b="0" i="0" u="none" strike="noStrike" baseline="0" dirty="0">
-                <a:latin typeface="Times New Roman" panose="02020603050405020304" pitchFamily="18" charset="0"/>
-                <a:cs typeface="Times New Roman" panose="02020603050405020304" pitchFamily="18" charset="0"/>
-              </a:rPr>
-              <a:t>Since the game is designed to improve the work of letters in young children, when they play with cubes during the game, they will get acquainted with all the letters in the alphabet of the language.</a:t>
-            </a:r>
-          </a:p>
-          <a:p>
-            <a:pPr algn="l"/>
-            <a:r>
-              <a:rPr lang="en-US" sz="2200" b="1" i="0" u="none" strike="noStrike" baseline="0" dirty="0">
-                <a:latin typeface="Times New Roman" panose="02020603050405020304" pitchFamily="18" charset="0"/>
-                <a:cs typeface="Times New Roman" panose="02020603050405020304" pitchFamily="18" charset="0"/>
-              </a:rPr>
-              <a:t>A letter can not be placed two times or more on a single cube.  </a:t>
-            </a:r>
-            <a:r>
-              <a:rPr lang="en-US" sz="2200" b="0" i="0" u="none" strike="noStrike" baseline="0" dirty="0">
-                <a:latin typeface="Times New Roman" panose="02020603050405020304" pitchFamily="18" charset="0"/>
-                <a:cs typeface="Times New Roman" panose="02020603050405020304" pitchFamily="18" charset="0"/>
-              </a:rPr>
-              <a:t>During the matching letters of the word, a player can use only one side of a cube while forming a word, according to this fact when a letter is placed more than one time on the cube it is ineffective. According to placing different letters, we should make as many words as possible. </a:t>
-            </a:r>
-            <a:endParaRPr lang="en-US" sz="2200" dirty="0">
-              <a:latin typeface="Times New Roman" panose="02020603050405020304" pitchFamily="18" charset="0"/>
-              <a:cs typeface="Times New Roman" panose="02020603050405020304" pitchFamily="18" charset="0"/>
-            </a:endParaRPr>
-          </a:p>
-          <a:p>
-            <a:pPr algn="l"/>
-            <a:r>
-              <a:rPr lang="en-US" sz="2200" b="1" i="0" u="none" strike="noStrike" baseline="0" dirty="0">
-                <a:latin typeface="Times New Roman" panose="02020603050405020304" pitchFamily="18" charset="0"/>
-                <a:cs typeface="Times New Roman" panose="02020603050405020304" pitchFamily="18" charset="0"/>
-              </a:rPr>
-              <a:t>The count of vowel letters for each cube is two</a:t>
-            </a:r>
-            <a:r>
-              <a:rPr lang="en-US" sz="2200" b="0" i="0" u="none" strike="noStrike" baseline="0" dirty="0">
-                <a:latin typeface="Times New Roman" panose="02020603050405020304" pitchFamily="18" charset="0"/>
-                <a:cs typeface="Times New Roman" panose="02020603050405020304" pitchFamily="18" charset="0"/>
-              </a:rPr>
-              <a:t> (or three, depending on the method). This restriction provides an almost equal number of vowel letters for different cubes.</a:t>
+            <a:r>
+              <a:rPr lang="en-US" dirty="0"/>
+              <a:t>{'a': 2316, 'o': 1368, '</a:t>
+            </a:r>
+            <a:r>
+              <a:rPr lang="en-US" dirty="0" err="1"/>
+              <a:t>i</a:t>
+            </a:r>
+            <a:r>
+              <a:rPr lang="en-US" dirty="0"/>
+              <a:t>': 1368, 'r': 989, 'l': 838, 't': 828, 's': 819, 'u': 790, 'n': 711, 'm': 605, 'q': 587, 'k': 566, 'y': 509, 'b': 493, 'h': 487, 'e': 418, 'z': 400, 'd': 394, 'v': 348, 'ō': 328, 'f': 233, 'p': 232, 'g': 212, 'j': 198, 'ḡ': 181, 'x': 164, 'c': 92}</a:t>
+            </a:r>
+          </a:p>
+          <a:p>
+            <a:endParaRPr lang="en-US" dirty="0"/>
+          </a:p>
+          <a:p>
+            <a:r>
+              <a:rPr lang="en-US" dirty="0"/>
+              <a:t>{'</a:t>
+            </a:r>
+            <a:r>
+              <a:rPr lang="en-US" dirty="0" err="1"/>
+              <a:t>ar</a:t>
+            </a:r>
+            <a:r>
+              <a:rPr lang="en-US" dirty="0"/>
+              <a:t>': 217, 'la': 202, 'ta': 172, '</a:t>
+            </a:r>
+            <a:r>
+              <a:rPr lang="en-US" dirty="0" err="1"/>
+              <a:t>ra</a:t>
+            </a:r>
+            <a:r>
+              <a:rPr lang="en-US" dirty="0"/>
+              <a:t>': 167, 'an': 166, '</a:t>
+            </a:r>
+            <a:r>
+              <a:rPr lang="en-US" dirty="0" err="1"/>
+              <a:t>ir</a:t>
+            </a:r>
+            <a:r>
+              <a:rPr lang="en-US" dirty="0"/>
+              <a:t>': 162, '</a:t>
+            </a:r>
+            <a:r>
+              <a:rPr lang="en-US" dirty="0" err="1"/>
+              <a:t>sh</a:t>
+            </a:r>
+            <a:r>
+              <a:rPr lang="en-US" dirty="0"/>
+              <a:t>': 162, 'al': 159, 'ma': 157, 'on': 148, 'or': 131, 'in': 127, 'il': 127, 'li': 126, '</a:t>
+            </a:r>
+            <a:r>
+              <a:rPr lang="en-US" dirty="0" err="1"/>
+              <a:t>ur</a:t>
+            </a:r>
+            <a:r>
+              <a:rPr lang="en-US" dirty="0"/>
+              <a:t>': 123, 'ha': 122, '</a:t>
+            </a:r>
+            <a:r>
+              <a:rPr lang="en-US" dirty="0" err="1"/>
+              <a:t>na</a:t>
+            </a:r>
+            <a:r>
+              <a:rPr lang="en-US" dirty="0"/>
+              <a:t>': 120, 'ka': 119, 'ay': 119, '</a:t>
+            </a:r>
+            <a:r>
+              <a:rPr lang="en-US" dirty="0" err="1"/>
+              <a:t>oq</a:t>
+            </a:r>
+            <a:r>
+              <a:rPr lang="en-US" dirty="0"/>
+              <a:t>': 116, '</a:t>
+            </a:r>
+            <a:r>
+              <a:rPr lang="en-US" dirty="0" err="1"/>
+              <a:t>qa</a:t>
+            </a:r>
+            <a:r>
+              <a:rPr lang="en-US" dirty="0"/>
+              <a:t>': 115, 'as': 114, '</a:t>
+            </a:r>
+            <a:r>
+              <a:rPr lang="en-US" dirty="0" err="1"/>
+              <a:t>sa</a:t>
+            </a:r>
+            <a:r>
+              <a:rPr lang="en-US" dirty="0"/>
+              <a:t>': 113, '</a:t>
+            </a:r>
+            <a:r>
+              <a:rPr lang="en-US" dirty="0" err="1"/>
+              <a:t>ak</a:t>
+            </a:r>
+            <a:r>
+              <a:rPr lang="en-US" dirty="0"/>
+              <a:t>': 109, 'da': 109, 'at': 108, '</a:t>
+            </a:r>
+            <a:r>
+              <a:rPr lang="en-US" dirty="0" err="1"/>
+              <a:t>ro</a:t>
+            </a:r>
+            <a:r>
+              <a:rPr lang="en-US" dirty="0"/>
+              <a:t>': 105, '</a:t>
+            </a:r>
+            <a:r>
+              <a:rPr lang="en-US" dirty="0" err="1"/>
+              <a:t>ol</a:t>
+            </a:r>
+            <a:r>
+              <a:rPr lang="en-US" dirty="0"/>
+              <a:t>': 103, 'am': 102, '</a:t>
+            </a:r>
+            <a:r>
+              <a:rPr lang="en-US" dirty="0" err="1"/>
+              <a:t>ov</a:t>
+            </a:r>
+            <a:r>
+              <a:rPr lang="en-US" dirty="0"/>
+              <a:t>': 102, '</a:t>
+            </a:r>
+            <a:r>
+              <a:rPr lang="en-US" dirty="0" err="1"/>
+              <a:t>ti</a:t>
+            </a:r>
+            <a:r>
+              <a:rPr lang="en-US" dirty="0"/>
+              <a:t>': 96, '</a:t>
+            </a:r>
+            <a:r>
+              <a:rPr lang="en-US" dirty="0" err="1"/>
+              <a:t>si</a:t>
+            </a:r>
+            <a:r>
+              <a:rPr lang="en-US" dirty="0"/>
+              <a:t>': 95, 'to': 94, '</a:t>
+            </a:r>
+            <a:r>
+              <a:rPr lang="en-US" dirty="0" err="1"/>
+              <a:t>yo</a:t>
+            </a:r>
+            <a:r>
+              <a:rPr lang="en-US" dirty="0"/>
+              <a:t>': 93, '</a:t>
+            </a:r>
+            <a:r>
+              <a:rPr lang="en-US" dirty="0" err="1"/>
+              <a:t>ch</a:t>
+            </a:r>
+            <a:r>
+              <a:rPr lang="en-US" dirty="0"/>
+              <a:t>': 92, 'is': 92, 'lo': 92, '</a:t>
+            </a:r>
+            <a:r>
+              <a:rPr lang="en-US" dirty="0" err="1"/>
+              <a:t>ri</a:t>
+            </a:r>
+            <a:r>
+              <a:rPr lang="en-US" dirty="0"/>
+              <a:t>': 91, '</a:t>
+            </a:r>
+            <a:r>
+              <a:rPr lang="en-US" dirty="0" err="1"/>
+              <a:t>im</a:t>
+            </a:r>
+            <a:r>
+              <a:rPr lang="en-US" dirty="0"/>
+              <a:t>': 90, '</a:t>
+            </a:r>
+            <a:r>
+              <a:rPr lang="en-US" dirty="0" err="1"/>
+              <a:t>iq</a:t>
+            </a:r>
+            <a:r>
+              <a:rPr lang="en-US" dirty="0"/>
+              <a:t>': 90, 'za': 87, '</a:t>
+            </a:r>
+            <a:r>
+              <a:rPr lang="en-US" dirty="0" err="1"/>
+              <a:t>tu</a:t>
+            </a:r>
+            <a:r>
+              <a:rPr lang="en-US" dirty="0"/>
+              <a:t>': 84, '</a:t>
+            </a:r>
+            <a:r>
+              <a:rPr lang="en-US" dirty="0" err="1"/>
+              <a:t>mo</a:t>
+            </a:r>
+            <a:r>
+              <a:rPr lang="en-US" dirty="0"/>
+              <a:t>': 83, '</a:t>
+            </a:r>
+            <a:r>
+              <a:rPr lang="en-US" dirty="0" err="1"/>
+              <a:t>ba</a:t>
+            </a:r>
+            <a:r>
+              <a:rPr lang="en-US" dirty="0"/>
+              <a:t>': 83, 'qi': 83, '</a:t>
+            </a:r>
+            <a:r>
+              <a:rPr lang="en-US" dirty="0" err="1"/>
+              <a:t>uv</a:t>
+            </a:r>
+            <a:r>
+              <a:rPr lang="en-US" dirty="0"/>
+              <a:t>': 80, '</a:t>
+            </a:r>
+            <a:r>
+              <a:rPr lang="en-US" dirty="0" err="1"/>
+              <a:t>iy</a:t>
+            </a:r>
+            <a:r>
+              <a:rPr lang="en-US" dirty="0"/>
+              <a:t>': 80, '</a:t>
+            </a:r>
+            <a:r>
+              <a:rPr lang="en-US" dirty="0" err="1"/>
+              <a:t>ot</a:t>
+            </a:r>
+            <a:r>
+              <a:rPr lang="en-US" dirty="0"/>
+              <a:t>': 79, '</a:t>
+            </a:r>
+            <a:r>
+              <a:rPr lang="en-US" dirty="0" err="1"/>
+              <a:t>bo</a:t>
+            </a:r>
+            <a:r>
+              <a:rPr lang="en-US" dirty="0"/>
+              <a:t>': 78, 'so': 78, 'hi': 77, 'ki': 73, 'no': 70, 'mi': 69, '</a:t>
+            </a:r>
+            <a:r>
+              <a:rPr lang="en-US" dirty="0" err="1"/>
+              <a:t>ul</a:t>
+            </a:r>
+            <a:r>
+              <a:rPr lang="en-US" dirty="0"/>
+              <a:t>': 68, 'ab': 68, 'it': 67, '</a:t>
+            </a:r>
+            <a:r>
+              <a:rPr lang="en-US" dirty="0" err="1"/>
+              <a:t>os</a:t>
+            </a:r>
+            <a:r>
+              <a:rPr lang="en-US" dirty="0"/>
+              <a:t>': 67, 'om': 66, '</a:t>
+            </a:r>
+            <a:r>
+              <a:rPr lang="en-US" dirty="0" err="1"/>
+              <a:t>yi</a:t>
+            </a:r>
+            <a:r>
+              <a:rPr lang="en-US" dirty="0"/>
+              <a:t>': 66, 'be': 66, '</a:t>
+            </a:r>
+            <a:r>
+              <a:rPr lang="en-US" dirty="0" err="1"/>
+              <a:t>ya</a:t>
+            </a:r>
+            <a:r>
+              <a:rPr lang="en-US" dirty="0"/>
+              <a:t>': 65, 'bi': 64, '</a:t>
+            </a:r>
+            <a:r>
+              <a:rPr lang="en-US" dirty="0" err="1"/>
+              <a:t>iz</a:t>
+            </a:r>
+            <a:r>
+              <a:rPr lang="en-US" dirty="0"/>
+              <a:t>': 64, '</a:t>
+            </a:r>
+            <a:r>
+              <a:rPr lang="en-US" dirty="0" err="1"/>
+              <a:t>az</a:t>
+            </a:r>
+            <a:r>
+              <a:rPr lang="en-US" dirty="0"/>
+              <a:t>': 63, 'er': 63, '</a:t>
+            </a:r>
+            <a:r>
+              <a:rPr lang="en-US" dirty="0" err="1"/>
+              <a:t>va</a:t>
+            </a:r>
+            <a:r>
+              <a:rPr lang="en-US" dirty="0"/>
+              <a:t>': 62, 'oy': 62, 'ad': 61, '</a:t>
+            </a:r>
+            <a:r>
+              <a:rPr lang="en-US" dirty="0" err="1"/>
+              <a:t>ik</a:t>
+            </a:r>
+            <a:r>
+              <a:rPr lang="en-US" dirty="0"/>
+              <a:t>': 61, 'av': 60, 'oz': 60, '</a:t>
+            </a:r>
+            <a:r>
+              <a:rPr lang="en-US" dirty="0" err="1"/>
+              <a:t>vo</a:t>
+            </a:r>
+            <a:r>
+              <a:rPr lang="en-US" dirty="0"/>
+              <a:t>': 60, 'us': 60, 'un': 59, '</a:t>
+            </a:r>
+            <a:r>
+              <a:rPr lang="en-US" dirty="0" err="1"/>
+              <a:t>su</a:t>
+            </a:r>
+            <a:r>
+              <a:rPr lang="en-US" dirty="0"/>
+              <a:t>': 59, 'ga': 59, 'di': 59, 'ja': 57, '</a:t>
+            </a:r>
+            <a:r>
+              <a:rPr lang="en-US" dirty="0" err="1"/>
+              <a:t>ob</a:t>
+            </a:r>
+            <a:r>
+              <a:rPr lang="en-US" dirty="0"/>
+              <a:t>': 56, '</a:t>
+            </a:r>
+            <a:r>
+              <a:rPr lang="en-US" dirty="0" err="1"/>
+              <a:t>qo</a:t>
+            </a:r>
+            <a:r>
+              <a:rPr lang="en-US" dirty="0"/>
+              <a:t>': 56, '</a:t>
+            </a:r>
+            <a:r>
+              <a:rPr lang="en-US" dirty="0" err="1"/>
+              <a:t>bu</a:t>
+            </a:r>
+            <a:r>
+              <a:rPr lang="en-US" dirty="0"/>
+              <a:t>': 55, '</a:t>
+            </a:r>
+            <a:r>
+              <a:rPr lang="en-US" dirty="0" err="1"/>
+              <a:t>yu</a:t>
+            </a:r>
+            <a:r>
+              <a:rPr lang="en-US" dirty="0"/>
+              <a:t>': 54, 'do': 53, 'ho': 53, 'fa': 53, 'zo': 53, '</a:t>
+            </a:r>
+            <a:r>
+              <a:rPr lang="en-US" dirty="0" err="1"/>
+              <a:t>uz</a:t>
+            </a:r>
+            <a:r>
+              <a:rPr lang="en-US" dirty="0"/>
+              <a:t>': 52, 'od': 52, '</a:t>
+            </a:r>
+            <a:r>
+              <a:rPr lang="en-US" dirty="0" err="1"/>
+              <a:t>qu</a:t>
+            </a:r>
+            <a:r>
+              <a:rPr lang="en-US" dirty="0"/>
+              <a:t>': 51, '</a:t>
+            </a:r>
+            <a:r>
+              <a:rPr lang="en-US" dirty="0" err="1"/>
+              <a:t>el</a:t>
+            </a:r>
+            <a:r>
+              <a:rPr lang="en-US" dirty="0"/>
+              <a:t>': 51, '</a:t>
+            </a:r>
+            <a:r>
+              <a:rPr lang="en-US" dirty="0" err="1"/>
+              <a:t>ōr</a:t>
+            </a:r>
+            <a:r>
+              <a:rPr lang="en-US" dirty="0"/>
+              <a:t>': 51, '</a:t>
+            </a:r>
+            <a:r>
+              <a:rPr lang="en-US" dirty="0" err="1"/>
+              <a:t>aq</a:t>
+            </a:r>
+            <a:r>
+              <a:rPr lang="en-US" dirty="0"/>
+              <a:t>': 49, 'pa': 49, 'um': 48, '</a:t>
+            </a:r>
+            <a:r>
+              <a:rPr lang="en-US" dirty="0" err="1"/>
+              <a:t>ḡi</a:t>
+            </a:r>
+            <a:r>
+              <a:rPr lang="en-US" dirty="0"/>
+              <a:t>': 47, 'po': 47, '</a:t>
+            </a:r>
+            <a:r>
+              <a:rPr lang="en-US" dirty="0" err="1"/>
+              <a:t>af</a:t>
+            </a:r>
+            <a:r>
+              <a:rPr lang="en-US" dirty="0"/>
+              <a:t>': 46, '</a:t>
+            </a:r>
+            <a:r>
+              <a:rPr lang="en-US" dirty="0" err="1"/>
+              <a:t>aj</a:t>
+            </a:r>
+            <a:r>
+              <a:rPr lang="en-US" dirty="0"/>
+              <a:t>': 46, 'ng': 46, 'ji': 45, '</a:t>
+            </a:r>
+            <a:r>
+              <a:rPr lang="en-US" dirty="0" err="1"/>
+              <a:t>ḡa</a:t>
+            </a:r>
+            <a:r>
+              <a:rPr lang="en-US" dirty="0"/>
+              <a:t>': 45, '</a:t>
+            </a:r>
+            <a:r>
+              <a:rPr lang="en-US" dirty="0" err="1"/>
+              <a:t>ut</a:t>
+            </a:r>
+            <a:r>
+              <a:rPr lang="en-US" dirty="0"/>
+              <a:t>': 44, '</a:t>
+            </a:r>
+            <a:r>
+              <a:rPr lang="en-US" dirty="0" err="1"/>
+              <a:t>ni</a:t>
+            </a:r>
+            <a:r>
+              <a:rPr lang="en-US" dirty="0"/>
+              <a:t>': 44, 'ah': 43, 'zi': 43, '</a:t>
+            </a:r>
+            <a:r>
+              <a:rPr lang="en-US" dirty="0" err="1"/>
+              <a:t>st</a:t>
+            </a:r>
+            <a:r>
+              <a:rPr lang="en-US" dirty="0"/>
+              <a:t>': 41, '</a:t>
+            </a:r>
+            <a:r>
+              <a:rPr lang="en-US" dirty="0" err="1"/>
+              <a:t>tō</a:t>
+            </a:r>
+            <a:r>
+              <a:rPr lang="en-US" dirty="0"/>
+              <a:t>': 40, 'ko': 40, '</a:t>
+            </a:r>
+            <a:r>
+              <a:rPr lang="en-US" dirty="0" err="1"/>
+              <a:t>uy</a:t>
+            </a:r>
+            <a:r>
+              <a:rPr lang="en-US" dirty="0"/>
+              <a:t>': 40, '</a:t>
+            </a:r>
+            <a:r>
+              <a:rPr lang="en-US" dirty="0" err="1"/>
+              <a:t>ru</a:t>
+            </a:r>
+            <a:r>
+              <a:rPr lang="en-US" dirty="0"/>
+              <a:t>': 39, '</a:t>
+            </a:r>
+            <a:r>
+              <a:rPr lang="en-US" dirty="0" err="1"/>
+              <a:t>ku</a:t>
+            </a:r>
+            <a:r>
+              <a:rPr lang="en-US" dirty="0"/>
+              <a:t>': 39, '</a:t>
+            </a:r>
+            <a:r>
+              <a:rPr lang="en-US" dirty="0" err="1"/>
+              <a:t>xa</a:t>
+            </a:r>
+            <a:r>
+              <a:rPr lang="en-US" dirty="0"/>
+              <a:t>': 38}</a:t>
+            </a:r>
+          </a:p>
+          <a:p>
+            <a:endParaRPr lang="en-US" dirty="0"/>
+          </a:p>
+          <a:p>
+            <a:r>
+              <a:rPr lang="en-US" dirty="0"/>
+              <a:t>{</a:t>
+            </a:r>
+            <a:r>
+              <a:rPr lang="en-US" dirty="0" err="1"/>
+              <a:t>ind</a:t>
+            </a:r>
+            <a:r>
+              <a:rPr lang="en-US" dirty="0"/>
+              <a:t>: 113}</a:t>
+            </a:r>
+          </a:p>
+          <a:p>
+            <a:endParaRPr lang="en-US" dirty="0"/>
+          </a:p>
+          <a:p>
+            <a:r>
+              <a:rPr lang="en-US" dirty="0"/>
+              <a:t>['a', '</a:t>
+            </a:r>
+            <a:r>
+              <a:rPr lang="en-US" dirty="0" err="1"/>
+              <a:t>i</a:t>
+            </a:r>
+            <a:r>
+              <a:rPr lang="en-US" dirty="0"/>
+              <a:t>', 'o’] (Vowels that LF Value &gt;=5%)</a:t>
             </a:r>
           </a:p>
         </p:txBody>
@@ -6860,7 +8047,7 @@
     </p:spTree>
     <p:extLst>
       <p:ext uri="{BB962C8B-B14F-4D97-AF65-F5344CB8AC3E}">
-        <p14:creationId xmlns:p14="http://schemas.microsoft.com/office/powerpoint/2010/main" val="521745817"/>
+        <p14:creationId xmlns:p14="http://schemas.microsoft.com/office/powerpoint/2010/main" val="257665071"/>
       </p:ext>
     </p:extLst>
   </p:cSld>

--- a/Presentation.pptx
+++ b/Presentation.pptx
@@ -277,7 +277,7 @@
           <a:p>
             <a:fld id="{B54ACBCE-E5F6-4B38-A981-DA2BCDB020AA}" type="datetimeFigureOut">
               <a:rPr lang="en-US" smtClean="0"/>
-              <a:t>10/11/2022</a:t>
+              <a:t>10/25/2022</a:t>
             </a:fld>
             <a:endParaRPr lang="en-US"/>
           </a:p>
@@ -475,7 +475,7 @@
           <a:p>
             <a:fld id="{B54ACBCE-E5F6-4B38-A981-DA2BCDB020AA}" type="datetimeFigureOut">
               <a:rPr lang="en-US" smtClean="0"/>
-              <a:t>10/11/2022</a:t>
+              <a:t>10/25/2022</a:t>
             </a:fld>
             <a:endParaRPr lang="en-US"/>
           </a:p>
@@ -683,7 +683,7 @@
           <a:p>
             <a:fld id="{B54ACBCE-E5F6-4B38-A981-DA2BCDB020AA}" type="datetimeFigureOut">
               <a:rPr lang="en-US" smtClean="0"/>
-              <a:t>10/11/2022</a:t>
+              <a:t>10/25/2022</a:t>
             </a:fld>
             <a:endParaRPr lang="en-US"/>
           </a:p>
@@ -881,7 +881,7 @@
           <a:p>
             <a:fld id="{B54ACBCE-E5F6-4B38-A981-DA2BCDB020AA}" type="datetimeFigureOut">
               <a:rPr lang="en-US" smtClean="0"/>
-              <a:t>10/11/2022</a:t>
+              <a:t>10/25/2022</a:t>
             </a:fld>
             <a:endParaRPr lang="en-US"/>
           </a:p>
@@ -1156,7 +1156,7 @@
           <a:p>
             <a:fld id="{B54ACBCE-E5F6-4B38-A981-DA2BCDB020AA}" type="datetimeFigureOut">
               <a:rPr lang="en-US" smtClean="0"/>
-              <a:t>10/11/2022</a:t>
+              <a:t>10/25/2022</a:t>
             </a:fld>
             <a:endParaRPr lang="en-US"/>
           </a:p>
@@ -1421,7 +1421,7 @@
           <a:p>
             <a:fld id="{B54ACBCE-E5F6-4B38-A981-DA2BCDB020AA}" type="datetimeFigureOut">
               <a:rPr lang="en-US" smtClean="0"/>
-              <a:t>10/11/2022</a:t>
+              <a:t>10/25/2022</a:t>
             </a:fld>
             <a:endParaRPr lang="en-US"/>
           </a:p>
@@ -1833,7 +1833,7 @@
           <a:p>
             <a:fld id="{B54ACBCE-E5F6-4B38-A981-DA2BCDB020AA}" type="datetimeFigureOut">
               <a:rPr lang="en-US" smtClean="0"/>
-              <a:t>10/11/2022</a:t>
+              <a:t>10/25/2022</a:t>
             </a:fld>
             <a:endParaRPr lang="en-US"/>
           </a:p>
@@ -1974,7 +1974,7 @@
           <a:p>
             <a:fld id="{B54ACBCE-E5F6-4B38-A981-DA2BCDB020AA}" type="datetimeFigureOut">
               <a:rPr lang="en-US" smtClean="0"/>
-              <a:t>10/11/2022</a:t>
+              <a:t>10/25/2022</a:t>
             </a:fld>
             <a:endParaRPr lang="en-US"/>
           </a:p>
@@ -2087,7 +2087,7 @@
           <a:p>
             <a:fld id="{B54ACBCE-E5F6-4B38-A981-DA2BCDB020AA}" type="datetimeFigureOut">
               <a:rPr lang="en-US" smtClean="0"/>
-              <a:t>10/11/2022</a:t>
+              <a:t>10/25/2022</a:t>
             </a:fld>
             <a:endParaRPr lang="en-US"/>
           </a:p>
@@ -2398,7 +2398,7 @@
           <a:p>
             <a:fld id="{B54ACBCE-E5F6-4B38-A981-DA2BCDB020AA}" type="datetimeFigureOut">
               <a:rPr lang="en-US" smtClean="0"/>
-              <a:t>10/11/2022</a:t>
+              <a:t>10/25/2022</a:t>
             </a:fld>
             <a:endParaRPr lang="en-US"/>
           </a:p>
@@ -2686,7 +2686,7 @@
           <a:p>
             <a:fld id="{B54ACBCE-E5F6-4B38-A981-DA2BCDB020AA}" type="datetimeFigureOut">
               <a:rPr lang="en-US" smtClean="0"/>
-              <a:t>10/11/2022</a:t>
+              <a:t>10/25/2022</a:t>
             </a:fld>
             <a:endParaRPr lang="en-US"/>
           </a:p>
@@ -2932,7 +2932,7 @@
           <a:p>
             <a:fld id="{B54ACBCE-E5F6-4B38-A981-DA2BCDB020AA}" type="datetimeFigureOut">
               <a:rPr lang="en-US" smtClean="0"/>
-              <a:t>10/11/2022</a:t>
+              <a:t>10/25/2022</a:t>
             </a:fld>
             <a:endParaRPr lang="en-US"/>
           </a:p>
@@ -4532,7 +4532,7 @@
             <p:ph idx="1"/>
             <p:extLst>
               <p:ext uri="{D42A27DB-BD31-4B8C-83A1-F6EECF244321}">
-                <p14:modId xmlns:p14="http://schemas.microsoft.com/office/powerpoint/2010/main" val="3909703931"/>
+                <p14:modId xmlns:p14="http://schemas.microsoft.com/office/powerpoint/2010/main" val="574947801"/>
               </p:ext>
             </p:extLst>
           </p:nvPr>
@@ -4636,7 +4636,7 @@
                         <a:rPr lang="en-US" sz="2400" b="1" u="none" strike="noStrike" dirty="0">
                           <a:effectLst/>
                         </a:rPr>
-                        <a:t>Jami</a:t>
+                        <a:t>Total (%)</a:t>
                       </a:r>
                       <a:endParaRPr lang="en-US" sz="2400" b="1" i="0" u="none" strike="noStrike" dirty="0">
                         <a:solidFill>
@@ -4659,13 +4659,7 @@
                         <a:rPr lang="en-US" sz="2400" b="1" u="none" strike="noStrike" dirty="0">
                           <a:effectLst/>
                         </a:rPr>
-                        <a:t>3 ta </a:t>
-                      </a:r>
-                      <a:r>
-                        <a:rPr lang="en-US" sz="2400" b="1" u="none" strike="noStrike" dirty="0" err="1">
-                          <a:effectLst/>
-                        </a:rPr>
-                        <a:t>harfli</a:t>
+                        <a:t>3 letter</a:t>
                       </a:r>
                       <a:endParaRPr lang="en-US" sz="2400" b="1" i="0" u="none" strike="noStrike" dirty="0">
                         <a:solidFill>
@@ -4688,13 +4682,7 @@
                         <a:rPr lang="en-US" sz="2400" b="1" u="none" strike="noStrike" dirty="0">
                           <a:effectLst/>
                         </a:rPr>
-                        <a:t>4 </a:t>
-                      </a:r>
-                      <a:r>
-                        <a:rPr lang="en-US" sz="2400" b="1" u="none" strike="noStrike" dirty="0" err="1">
-                          <a:effectLst/>
-                        </a:rPr>
-                        <a:t>harfli</a:t>
+                        <a:t>4 letter</a:t>
                       </a:r>
                       <a:endParaRPr lang="en-US" sz="2400" b="1" i="0" u="none" strike="noStrike" dirty="0">
                         <a:solidFill>
@@ -4717,13 +4705,7 @@
                         <a:rPr lang="en-US" sz="2400" b="1" u="none" strike="noStrike" dirty="0">
                           <a:effectLst/>
                         </a:rPr>
-                        <a:t>5 </a:t>
-                      </a:r>
-                      <a:r>
-                        <a:rPr lang="en-US" sz="2400" b="1" u="none" strike="noStrike" dirty="0" err="1">
-                          <a:effectLst/>
-                        </a:rPr>
-                        <a:t>harfli</a:t>
+                        <a:t>5 letter</a:t>
                       </a:r>
                       <a:endParaRPr lang="en-US" sz="2400" b="1" i="0" u="none" strike="noStrike" dirty="0">
                         <a:solidFill>
